--- a/report/presentation.pptx
+++ b/report/presentation.pptx
@@ -5,7 +5,7 @@
     <p:sldMasterId id="2147483732" r:id="rId1"/>
   </p:sldMasterIdLst>
   <p:notesMasterIdLst>
-    <p:notesMasterId r:id="rId16"/>
+    <p:notesMasterId r:id="rId17"/>
   </p:notesMasterIdLst>
   <p:sldIdLst>
     <p:sldId id="256" r:id="rId2"/>
@@ -16,12 +16,13 @@
     <p:sldId id="266" r:id="rId7"/>
     <p:sldId id="258" r:id="rId8"/>
     <p:sldId id="268" r:id="rId9"/>
-    <p:sldId id="275" r:id="rId10"/>
-    <p:sldId id="269" r:id="rId11"/>
-    <p:sldId id="274" r:id="rId12"/>
-    <p:sldId id="260" r:id="rId13"/>
-    <p:sldId id="270" r:id="rId14"/>
-    <p:sldId id="271" r:id="rId15"/>
+    <p:sldId id="260" r:id="rId10"/>
+    <p:sldId id="275" r:id="rId11"/>
+    <p:sldId id="269" r:id="rId12"/>
+    <p:sldId id="276" r:id="rId13"/>
+    <p:sldId id="274" r:id="rId14"/>
+    <p:sldId id="270" r:id="rId15"/>
+    <p:sldId id="271" r:id="rId16"/>
   </p:sldIdLst>
   <p:sldSz cx="12192000" cy="6858000"/>
   <p:notesSz cx="6858000" cy="9144000"/>
@@ -210,7 +211,7 @@
           <a:p>
             <a:fld id="{D039653D-B700-46C6-84C5-95CC7FD33021}" type="datetimeFigureOut">
               <a:rPr lang="zh-CN" altLang="en-US" smtClean="0"/>
-              <a:t>2022/12/13</a:t>
+              <a:t>2022/12/14</a:t>
             </a:fld>
             <a:endParaRPr lang="zh-CN" altLang="en-US"/>
           </a:p>
@@ -887,7 +888,7 @@
     </p:spTree>
     <p:extLst>
       <p:ext uri="{BB962C8B-B14F-4D97-AF65-F5344CB8AC3E}">
-        <p14:creationId xmlns:p14="http://schemas.microsoft.com/office/powerpoint/2010/main" val="2624819917"/>
+        <p14:creationId xmlns:p14="http://schemas.microsoft.com/office/powerpoint/2010/main" val="3379396799"/>
       </p:ext>
     </p:extLst>
   </p:cSld>
@@ -971,7 +972,175 @@
     </p:spTree>
     <p:extLst>
       <p:ext uri="{BB962C8B-B14F-4D97-AF65-F5344CB8AC3E}">
+        <p14:creationId xmlns:p14="http://schemas.microsoft.com/office/powerpoint/2010/main" val="2624819917"/>
+      </p:ext>
+    </p:extLst>
+  </p:cSld>
+  <p:clrMapOvr>
+    <a:masterClrMapping/>
+  </p:clrMapOvr>
+</p:notes>
+</file>
+
+<file path=ppt/notesSlides/notesSlide7.xml><?xml version="1.0" encoding="utf-8"?>
+<p:notes xmlns:a="http://schemas.openxmlformats.org/drawingml/2006/main" xmlns:r="http://schemas.openxmlformats.org/officeDocument/2006/relationships" xmlns:p="http://schemas.openxmlformats.org/presentationml/2006/main">
+  <p:cSld>
+    <p:spTree>
+      <p:nvGrpSpPr>
+        <p:cNvPr id="1" name=""/>
+        <p:cNvGrpSpPr/>
+        <p:nvPr/>
+      </p:nvGrpSpPr>
+      <p:grpSpPr>
+        <a:xfrm>
+          <a:off x="0" y="0"/>
+          <a:ext cx="0" cy="0"/>
+          <a:chOff x="0" y="0"/>
+          <a:chExt cx="0" cy="0"/>
+        </a:xfrm>
+      </p:grpSpPr>
+      <p:sp>
+        <p:nvSpPr>
+          <p:cNvPr id="2" name="幻灯片图像占位符 1"/>
+          <p:cNvSpPr>
+            <a:spLocks noGrp="1" noRot="1" noChangeAspect="1"/>
+          </p:cNvSpPr>
+          <p:nvPr>
+            <p:ph type="sldImg"/>
+          </p:nvPr>
+        </p:nvSpPr>
+        <p:spPr/>
+      </p:sp>
+      <p:sp>
+        <p:nvSpPr>
+          <p:cNvPr id="3" name="备注占位符 2"/>
+          <p:cNvSpPr>
+            <a:spLocks noGrp="1"/>
+          </p:cNvSpPr>
+          <p:nvPr>
+            <p:ph type="body" idx="1"/>
+          </p:nvPr>
+        </p:nvSpPr>
+        <p:spPr/>
+        <p:txBody>
+          <a:bodyPr/>
+          <a:lstStyle/>
+          <a:p>
+            <a:endParaRPr lang="zh-CN" altLang="en-US" dirty="0"/>
+          </a:p>
+        </p:txBody>
+      </p:sp>
+      <p:sp>
+        <p:nvSpPr>
+          <p:cNvPr id="4" name="灯片编号占位符 3"/>
+          <p:cNvSpPr>
+            <a:spLocks noGrp="1"/>
+          </p:cNvSpPr>
+          <p:nvPr>
+            <p:ph type="sldNum" sz="quarter" idx="5"/>
+          </p:nvPr>
+        </p:nvSpPr>
+        <p:spPr/>
+        <p:txBody>
+          <a:bodyPr/>
+          <a:lstStyle/>
+          <a:p>
+            <a:fld id="{17FC4B54-BD28-41EC-8223-FDD32709EB8C}" type="slidenum">
+              <a:rPr lang="zh-CN" altLang="en-US" smtClean="0"/>
+              <a:t>11</a:t>
+            </a:fld>
+            <a:endParaRPr lang="zh-CN" altLang="en-US"/>
+          </a:p>
+        </p:txBody>
+      </p:sp>
+    </p:spTree>
+    <p:extLst>
+      <p:ext uri="{BB962C8B-B14F-4D97-AF65-F5344CB8AC3E}">
         <p14:creationId xmlns:p14="http://schemas.microsoft.com/office/powerpoint/2010/main" val="3128001093"/>
+      </p:ext>
+    </p:extLst>
+  </p:cSld>
+  <p:clrMapOvr>
+    <a:masterClrMapping/>
+  </p:clrMapOvr>
+</p:notes>
+</file>
+
+<file path=ppt/notesSlides/notesSlide8.xml><?xml version="1.0" encoding="utf-8"?>
+<p:notes xmlns:a="http://schemas.openxmlformats.org/drawingml/2006/main" xmlns:r="http://schemas.openxmlformats.org/officeDocument/2006/relationships" xmlns:p="http://schemas.openxmlformats.org/presentationml/2006/main">
+  <p:cSld>
+    <p:spTree>
+      <p:nvGrpSpPr>
+        <p:cNvPr id="1" name=""/>
+        <p:cNvGrpSpPr/>
+        <p:nvPr/>
+      </p:nvGrpSpPr>
+      <p:grpSpPr>
+        <a:xfrm>
+          <a:off x="0" y="0"/>
+          <a:ext cx="0" cy="0"/>
+          <a:chOff x="0" y="0"/>
+          <a:chExt cx="0" cy="0"/>
+        </a:xfrm>
+      </p:grpSpPr>
+      <p:sp>
+        <p:nvSpPr>
+          <p:cNvPr id="2" name="幻灯片图像占位符 1"/>
+          <p:cNvSpPr>
+            <a:spLocks noGrp="1" noRot="1" noChangeAspect="1"/>
+          </p:cNvSpPr>
+          <p:nvPr>
+            <p:ph type="sldImg"/>
+          </p:nvPr>
+        </p:nvSpPr>
+        <p:spPr/>
+      </p:sp>
+      <p:sp>
+        <p:nvSpPr>
+          <p:cNvPr id="3" name="备注占位符 2"/>
+          <p:cNvSpPr>
+            <a:spLocks noGrp="1"/>
+          </p:cNvSpPr>
+          <p:nvPr>
+            <p:ph type="body" idx="1"/>
+          </p:nvPr>
+        </p:nvSpPr>
+        <p:spPr/>
+        <p:txBody>
+          <a:bodyPr/>
+          <a:lstStyle/>
+          <a:p>
+            <a:endParaRPr lang="zh-CN" altLang="en-US" dirty="0"/>
+          </a:p>
+        </p:txBody>
+      </p:sp>
+      <p:sp>
+        <p:nvSpPr>
+          <p:cNvPr id="4" name="灯片编号占位符 3"/>
+          <p:cNvSpPr>
+            <a:spLocks noGrp="1"/>
+          </p:cNvSpPr>
+          <p:nvPr>
+            <p:ph type="sldNum" sz="quarter" idx="5"/>
+          </p:nvPr>
+        </p:nvSpPr>
+        <p:spPr/>
+        <p:txBody>
+          <a:bodyPr/>
+          <a:lstStyle/>
+          <a:p>
+            <a:fld id="{17FC4B54-BD28-41EC-8223-FDD32709EB8C}" type="slidenum">
+              <a:rPr lang="zh-CN" altLang="en-US" smtClean="0"/>
+              <a:t>12</a:t>
+            </a:fld>
+            <a:endParaRPr lang="zh-CN" altLang="en-US"/>
+          </a:p>
+        </p:txBody>
+      </p:sp>
+    </p:spTree>
+    <p:extLst>
+      <p:ext uri="{BB962C8B-B14F-4D97-AF65-F5344CB8AC3E}">
+        <p14:creationId xmlns:p14="http://schemas.microsoft.com/office/powerpoint/2010/main" val="208545128"/>
       </p:ext>
     </p:extLst>
   </p:cSld>
@@ -1129,7 +1298,7 @@
           <a:p>
             <a:fld id="{DF8FD4EF-952D-4D23-9E8D-B279402E226E}" type="datetimeFigureOut">
               <a:rPr lang="zh-CN" altLang="en-US" smtClean="0"/>
-              <a:t>2022/12/13</a:t>
+              <a:t>2022/12/14</a:t>
             </a:fld>
             <a:endParaRPr lang="zh-CN" altLang="en-US"/>
           </a:p>
@@ -1327,7 +1496,7 @@
           <a:p>
             <a:fld id="{DF8FD4EF-952D-4D23-9E8D-B279402E226E}" type="datetimeFigureOut">
               <a:rPr lang="zh-CN" altLang="en-US" smtClean="0"/>
-              <a:t>2022/12/13</a:t>
+              <a:t>2022/12/14</a:t>
             </a:fld>
             <a:endParaRPr lang="zh-CN" altLang="en-US"/>
           </a:p>
@@ -1535,7 +1704,7 @@
           <a:p>
             <a:fld id="{DF8FD4EF-952D-4D23-9E8D-B279402E226E}" type="datetimeFigureOut">
               <a:rPr lang="zh-CN" altLang="en-US" smtClean="0"/>
-              <a:t>2022/12/13</a:t>
+              <a:t>2022/12/14</a:t>
             </a:fld>
             <a:endParaRPr lang="zh-CN" altLang="en-US"/>
           </a:p>
@@ -1737,7 +1906,7 @@
           <a:p>
             <a:fld id="{DF8FD4EF-952D-4D23-9E8D-B279402E226E}" type="datetimeFigureOut">
               <a:rPr lang="zh-CN" altLang="en-US" smtClean="0"/>
-              <a:t>2022/12/13</a:t>
+              <a:t>2022/12/14</a:t>
             </a:fld>
             <a:endParaRPr lang="zh-CN" altLang="en-US"/>
           </a:p>
@@ -2012,7 +2181,7 @@
           <a:p>
             <a:fld id="{DF8FD4EF-952D-4D23-9E8D-B279402E226E}" type="datetimeFigureOut">
               <a:rPr lang="zh-CN" altLang="en-US" smtClean="0"/>
-              <a:t>2022/12/13</a:t>
+              <a:t>2022/12/14</a:t>
             </a:fld>
             <a:endParaRPr lang="zh-CN" altLang="en-US"/>
           </a:p>
@@ -2277,7 +2446,7 @@
           <a:p>
             <a:fld id="{DF8FD4EF-952D-4D23-9E8D-B279402E226E}" type="datetimeFigureOut">
               <a:rPr lang="zh-CN" altLang="en-US" smtClean="0"/>
-              <a:t>2022/12/13</a:t>
+              <a:t>2022/12/14</a:t>
             </a:fld>
             <a:endParaRPr lang="zh-CN" altLang="en-US"/>
           </a:p>
@@ -2689,7 +2858,7 @@
           <a:p>
             <a:fld id="{DF8FD4EF-952D-4D23-9E8D-B279402E226E}" type="datetimeFigureOut">
               <a:rPr lang="zh-CN" altLang="en-US" smtClean="0"/>
-              <a:t>2022/12/13</a:t>
+              <a:t>2022/12/14</a:t>
             </a:fld>
             <a:endParaRPr lang="zh-CN" altLang="en-US"/>
           </a:p>
@@ -2830,7 +2999,7 @@
           <a:p>
             <a:fld id="{DF8FD4EF-952D-4D23-9E8D-B279402E226E}" type="datetimeFigureOut">
               <a:rPr lang="zh-CN" altLang="en-US" smtClean="0"/>
-              <a:t>2022/12/13</a:t>
+              <a:t>2022/12/14</a:t>
             </a:fld>
             <a:endParaRPr lang="zh-CN" altLang="en-US"/>
           </a:p>
@@ -2943,7 +3112,7 @@
           <a:p>
             <a:fld id="{DF8FD4EF-952D-4D23-9E8D-B279402E226E}" type="datetimeFigureOut">
               <a:rPr lang="zh-CN" altLang="en-US" smtClean="0"/>
-              <a:t>2022/12/13</a:t>
+              <a:t>2022/12/14</a:t>
             </a:fld>
             <a:endParaRPr lang="zh-CN" altLang="en-US"/>
           </a:p>
@@ -3254,7 +3423,7 @@
           <a:p>
             <a:fld id="{DF8FD4EF-952D-4D23-9E8D-B279402E226E}" type="datetimeFigureOut">
               <a:rPr lang="zh-CN" altLang="en-US" smtClean="0"/>
-              <a:t>2022/12/13</a:t>
+              <a:t>2022/12/14</a:t>
             </a:fld>
             <a:endParaRPr lang="zh-CN" altLang="en-US"/>
           </a:p>
@@ -3545,7 +3714,7 @@
           <a:p>
             <a:fld id="{DF8FD4EF-952D-4D23-9E8D-B279402E226E}" type="datetimeFigureOut">
               <a:rPr lang="zh-CN" altLang="en-US" smtClean="0"/>
-              <a:t>2022/12/13</a:t>
+              <a:t>2022/12/14</a:t>
             </a:fld>
             <a:endParaRPr lang="zh-CN" altLang="en-US"/>
           </a:p>
@@ -3786,7 +3955,7 @@
           <a:p>
             <a:fld id="{DF8FD4EF-952D-4D23-9E8D-B279402E226E}" type="datetimeFigureOut">
               <a:rPr lang="zh-CN" altLang="en-US" smtClean="0"/>
-              <a:t>2022/12/13</a:t>
+              <a:t>2022/12/14</a:t>
             </a:fld>
             <a:endParaRPr lang="zh-CN" altLang="en-US"/>
           </a:p>
@@ -4499,6 +4668,1331 @@
           </a:p>
         </p:txBody>
       </p:sp>
+      <p:sp>
+        <p:nvSpPr>
+          <p:cNvPr id="24" name="Google Shape;377;p22">
+            <a:extLst>
+              <a:ext uri="{FF2B5EF4-FFF2-40B4-BE49-F238E27FC236}">
+                <a16:creationId xmlns:a16="http://schemas.microsoft.com/office/drawing/2014/main" id="{6F467F13-0AB5-957A-15E3-DE36346E5326}"/>
+              </a:ext>
+            </a:extLst>
+          </p:cNvPr>
+          <p:cNvSpPr/>
+          <p:nvPr/>
+        </p:nvSpPr>
+        <p:spPr>
+          <a:xfrm>
+            <a:off x="4604894" y="4721257"/>
+            <a:ext cx="4025555" cy="396695"/>
+          </a:xfrm>
+          <a:prstGeom prst="rect">
+            <a:avLst/>
+          </a:prstGeom>
+          <a:solidFill>
+            <a:schemeClr val="bg1">
+              <a:lumMod val="95000"/>
+            </a:schemeClr>
+          </a:solidFill>
+          <a:ln>
+            <a:noFill/>
+          </a:ln>
+          <a:effectLst>
+            <a:softEdge rad="25400"/>
+          </a:effectLst>
+        </p:spPr>
+        <p:txBody>
+          <a:bodyPr spcFirstLastPara="1" wrap="square" lIns="91425" tIns="91425" rIns="91425" bIns="91425" anchor="ctr" anchorCtr="0">
+            <a:noAutofit/>
+          </a:bodyPr>
+          <a:lstStyle/>
+          <a:p>
+            <a:pPr marL="0" lvl="0" indent="0" algn="l" rtl="0">
+              <a:spcBef>
+                <a:spcPts val="0"/>
+              </a:spcBef>
+              <a:spcAft>
+                <a:spcPts val="0"/>
+              </a:spcAft>
+              <a:buNone/>
+            </a:pPr>
+            <a:endParaRPr dirty="0">
+              <a:solidFill>
+                <a:schemeClr val="tx1"/>
+              </a:solidFill>
+              <a:latin typeface="+mn-lt"/>
+              <a:ea typeface="+mn-ea"/>
+              <a:cs typeface="+mn-ea"/>
+              <a:sym typeface="+mn-lt"/>
+            </a:endParaRPr>
+          </a:p>
+        </p:txBody>
+      </p:sp>
+      <p:pic>
+        <p:nvPicPr>
+          <p:cNvPr id="14" name="图片 13">
+            <a:extLst>
+              <a:ext uri="{FF2B5EF4-FFF2-40B4-BE49-F238E27FC236}">
+                <a16:creationId xmlns:a16="http://schemas.microsoft.com/office/drawing/2014/main" id="{AFE69B8D-0EE5-1CD9-F33B-49F4A602F639}"/>
+              </a:ext>
+            </a:extLst>
+          </p:cNvPr>
+          <p:cNvPicPr>
+            <a:picLocks noChangeAspect="1"/>
+          </p:cNvPicPr>
+          <p:nvPr/>
+        </p:nvPicPr>
+        <p:blipFill>
+          <a:blip r:embed="rId3">
+            <a:extLst>
+              <a:ext uri="{28A0092B-C50C-407E-A947-70E740481C1C}">
+                <a14:useLocalDpi xmlns:a14="http://schemas.microsoft.com/office/drawing/2010/main" val="0"/>
+              </a:ext>
+            </a:extLst>
+          </a:blip>
+          <a:stretch>
+            <a:fillRect/>
+          </a:stretch>
+        </p:blipFill>
+        <p:spPr>
+          <a:xfrm>
+            <a:off x="7157687" y="4827755"/>
+            <a:ext cx="912599" cy="715962"/>
+          </a:xfrm>
+          <a:prstGeom prst="rect">
+            <a:avLst/>
+          </a:prstGeom>
+        </p:spPr>
+      </p:pic>
+      <p:pic>
+        <p:nvPicPr>
+          <p:cNvPr id="11" name="图片 10">
+            <a:extLst>
+              <a:ext uri="{FF2B5EF4-FFF2-40B4-BE49-F238E27FC236}">
+                <a16:creationId xmlns:a16="http://schemas.microsoft.com/office/drawing/2014/main" id="{0231FF10-18C2-12D9-FC1F-DFDFE232979B}"/>
+              </a:ext>
+            </a:extLst>
+          </p:cNvPr>
+          <p:cNvPicPr>
+            <a:picLocks noChangeAspect="1"/>
+          </p:cNvPicPr>
+          <p:nvPr/>
+        </p:nvPicPr>
+        <p:blipFill>
+          <a:blip r:embed="rId4">
+            <a:extLst>
+              <a:ext uri="{28A0092B-C50C-407E-A947-70E740481C1C}">
+                <a14:useLocalDpi xmlns:a14="http://schemas.microsoft.com/office/drawing/2010/main" val="0"/>
+              </a:ext>
+            </a:extLst>
+          </a:blip>
+          <a:stretch>
+            <a:fillRect/>
+          </a:stretch>
+        </p:blipFill>
+        <p:spPr>
+          <a:xfrm>
+            <a:off x="5978108" y="4823871"/>
+            <a:ext cx="912599" cy="715963"/>
+          </a:xfrm>
+          <a:prstGeom prst="rect">
+            <a:avLst/>
+          </a:prstGeom>
+        </p:spPr>
+      </p:pic>
+      <p:pic>
+        <p:nvPicPr>
+          <p:cNvPr id="58" name="图片 57">
+            <a:extLst>
+              <a:ext uri="{FF2B5EF4-FFF2-40B4-BE49-F238E27FC236}">
+                <a16:creationId xmlns:a16="http://schemas.microsoft.com/office/drawing/2014/main" id="{F8C03205-46AA-2A41-D732-BFC918BA70E6}"/>
+              </a:ext>
+            </a:extLst>
+          </p:cNvPr>
+          <p:cNvPicPr>
+            <a:picLocks noChangeAspect="1"/>
+          </p:cNvPicPr>
+          <p:nvPr/>
+        </p:nvPicPr>
+        <p:blipFill>
+          <a:blip r:embed="rId5"/>
+          <a:stretch>
+            <a:fillRect/>
+          </a:stretch>
+        </p:blipFill>
+        <p:spPr>
+          <a:xfrm>
+            <a:off x="6172926" y="5628871"/>
+            <a:ext cx="490476" cy="204762"/>
+          </a:xfrm>
+          <a:prstGeom prst="rect">
+            <a:avLst/>
+          </a:prstGeom>
+        </p:spPr>
+      </p:pic>
+      <p:pic>
+        <p:nvPicPr>
+          <p:cNvPr id="60" name="图片 59">
+            <a:extLst>
+              <a:ext uri="{FF2B5EF4-FFF2-40B4-BE49-F238E27FC236}">
+                <a16:creationId xmlns:a16="http://schemas.microsoft.com/office/drawing/2014/main" id="{3917CD74-419C-8408-1092-DC5DD0FD28AE}"/>
+              </a:ext>
+            </a:extLst>
+          </p:cNvPr>
+          <p:cNvPicPr>
+            <a:picLocks noChangeAspect="1"/>
+          </p:cNvPicPr>
+          <p:nvPr/>
+        </p:nvPicPr>
+        <p:blipFill>
+          <a:blip r:embed="rId6"/>
+          <a:stretch>
+            <a:fillRect/>
+          </a:stretch>
+        </p:blipFill>
+        <p:spPr>
+          <a:xfrm>
+            <a:off x="7364072" y="5619348"/>
+            <a:ext cx="509525" cy="214286"/>
+          </a:xfrm>
+          <a:prstGeom prst="rect">
+            <a:avLst/>
+          </a:prstGeom>
+        </p:spPr>
+      </p:pic>
+      <mc:AlternateContent xmlns:mc="http://schemas.openxmlformats.org/markup-compatibility/2006" xmlns:a14="http://schemas.microsoft.com/office/drawing/2010/main">
+        <mc:Choice Requires="a14">
+          <p:sp>
+            <p:nvSpPr>
+              <p:cNvPr id="85" name="Google Shape;389;p22">
+                <a:extLst>
+                  <a:ext uri="{FF2B5EF4-FFF2-40B4-BE49-F238E27FC236}">
+                    <a16:creationId xmlns:a16="http://schemas.microsoft.com/office/drawing/2014/main" id="{51A313A4-D3E5-4FBA-415C-6F16D9EB7BC1}"/>
+                  </a:ext>
+                </a:extLst>
+              </p:cNvPr>
+              <p:cNvSpPr txBox="1"/>
+              <p:nvPr/>
+            </p:nvSpPr>
+            <p:spPr>
+              <a:xfrm>
+                <a:off x="4712595" y="4721257"/>
+                <a:ext cx="997418" cy="268400"/>
+              </a:xfrm>
+              <a:prstGeom prst="rect">
+                <a:avLst/>
+              </a:prstGeom>
+              <a:noFill/>
+              <a:ln>
+                <a:noFill/>
+              </a:ln>
+            </p:spPr>
+            <p:txBody>
+              <a:bodyPr spcFirstLastPara="1" wrap="square" lIns="91425" tIns="91425" rIns="91425" bIns="91425" anchor="t" anchorCtr="0">
+                <a:noAutofit/>
+              </a:bodyPr>
+              <a:lstStyle/>
+              <a:p>
+                <a:pPr marL="0" lvl="0" indent="0" algn="ctr" rtl="0">
+                  <a:spcBef>
+                    <a:spcPts val="0"/>
+                  </a:spcBef>
+                  <a:spcAft>
+                    <a:spcPts val="0"/>
+                  </a:spcAft>
+                  <a:buNone/>
+                </a:pPr>
+                <a:r>
+                  <a:rPr lang="en-US" altLang="zh-CN" sz="1200" dirty="0">
+                    <a:cs typeface="Helvetica Now Display Med" panose="020B0604030202020204" pitchFamily="34" charset="0"/>
+                    <a:sym typeface="+mn-lt"/>
+                  </a:rPr>
+                  <a:t>query </a:t>
+                </a:r>
+                <a14:m>
+                  <m:oMath xmlns:m="http://schemas.openxmlformats.org/officeDocument/2006/math">
+                    <m:r>
+                      <a:rPr lang="en-US" altLang="zh-CN" sz="1200" b="0" i="1" dirty="0" smtClean="0">
+                        <a:latin typeface="Cambria Math" panose="02040503050406030204" pitchFamily="18" charset="0"/>
+                        <a:cs typeface="Helvetica Now Display Med" panose="020B0604030202020204" pitchFamily="34" charset="0"/>
+                        <a:sym typeface="+mn-lt"/>
+                      </a:rPr>
+                      <m:t>𝑖</m:t>
+                    </m:r>
+                  </m:oMath>
+                </a14:m>
+                <a:endParaRPr sz="1200" dirty="0">
+                  <a:cs typeface="Helvetica Now Display Med" panose="020B0604030202020204" pitchFamily="34" charset="0"/>
+                  <a:sym typeface="+mn-lt"/>
+                </a:endParaRPr>
+              </a:p>
+            </p:txBody>
+          </p:sp>
+        </mc:Choice>
+        <mc:Fallback xmlns="">
+          <p:sp>
+            <p:nvSpPr>
+              <p:cNvPr id="85" name="Google Shape;389;p22">
+                <a:extLst>
+                  <a:ext uri="{FF2B5EF4-FFF2-40B4-BE49-F238E27FC236}">
+                    <a16:creationId xmlns:a16="http://schemas.microsoft.com/office/drawing/2014/main" id="{51A313A4-D3E5-4FBA-415C-6F16D9EB7BC1}"/>
+                  </a:ext>
+                </a:extLst>
+              </p:cNvPr>
+              <p:cNvSpPr txBox="1">
+                <a:spLocks noRot="1" noChangeAspect="1" noMove="1" noResize="1" noEditPoints="1" noAdjustHandles="1" noChangeArrowheads="1" noChangeShapeType="1" noTextEdit="1"/>
+              </p:cNvSpPr>
+              <p:nvPr/>
+            </p:nvSpPr>
+            <p:spPr>
+              <a:xfrm>
+                <a:off x="4712595" y="4721257"/>
+                <a:ext cx="997418" cy="268400"/>
+              </a:xfrm>
+              <a:prstGeom prst="rect">
+                <a:avLst/>
+              </a:prstGeom>
+              <a:blipFill>
+                <a:blip r:embed="rId7"/>
+                <a:stretch>
+                  <a:fillRect b="-33333"/>
+                </a:stretch>
+              </a:blipFill>
+              <a:ln>
+                <a:noFill/>
+              </a:ln>
+            </p:spPr>
+            <p:txBody>
+              <a:bodyPr/>
+              <a:lstStyle/>
+              <a:p>
+                <a:r>
+                  <a:rPr lang="zh-CN" altLang="en-US">
+                    <a:noFill/>
+                  </a:rPr>
+                  <a:t> </a:t>
+                </a:r>
+              </a:p>
+            </p:txBody>
+          </p:sp>
+        </mc:Fallback>
+      </mc:AlternateContent>
+      <p:pic>
+        <p:nvPicPr>
+          <p:cNvPr id="5" name="图片 4">
+            <a:extLst>
+              <a:ext uri="{FF2B5EF4-FFF2-40B4-BE49-F238E27FC236}">
+                <a16:creationId xmlns:a16="http://schemas.microsoft.com/office/drawing/2014/main" id="{39A8F3CA-087F-8498-0124-4996FA197B64}"/>
+              </a:ext>
+            </a:extLst>
+          </p:cNvPr>
+          <p:cNvPicPr>
+            <a:picLocks noChangeAspect="1"/>
+          </p:cNvPicPr>
+          <p:nvPr/>
+        </p:nvPicPr>
+        <p:blipFill>
+          <a:blip r:embed="rId8"/>
+          <a:stretch>
+            <a:fillRect/>
+          </a:stretch>
+        </p:blipFill>
+        <p:spPr>
+          <a:xfrm>
+            <a:off x="6336794" y="5922670"/>
+            <a:ext cx="162739" cy="172312"/>
+          </a:xfrm>
+          <a:prstGeom prst="rect">
+            <a:avLst/>
+          </a:prstGeom>
+        </p:spPr>
+      </p:pic>
+      <p:pic>
+        <p:nvPicPr>
+          <p:cNvPr id="19" name="图片 18">
+            <a:extLst>
+              <a:ext uri="{FF2B5EF4-FFF2-40B4-BE49-F238E27FC236}">
+                <a16:creationId xmlns:a16="http://schemas.microsoft.com/office/drawing/2014/main" id="{F51A6DCD-F7AA-3309-51ED-025E20A435C8}"/>
+              </a:ext>
+            </a:extLst>
+          </p:cNvPr>
+          <p:cNvPicPr>
+            <a:picLocks noChangeAspect="1"/>
+          </p:cNvPicPr>
+          <p:nvPr/>
+        </p:nvPicPr>
+        <p:blipFill>
+          <a:blip r:embed="rId4">
+            <a:extLst>
+              <a:ext uri="{28A0092B-C50C-407E-A947-70E740481C1C}">
+                <a14:useLocalDpi xmlns:a14="http://schemas.microsoft.com/office/drawing/2010/main" val="0"/>
+              </a:ext>
+            </a:extLst>
+          </a:blip>
+          <a:stretch>
+            <a:fillRect/>
+          </a:stretch>
+        </p:blipFill>
+        <p:spPr>
+          <a:xfrm>
+            <a:off x="4712757" y="1755797"/>
+            <a:ext cx="912599" cy="715963"/>
+          </a:xfrm>
+          <a:prstGeom prst="rect">
+            <a:avLst/>
+          </a:prstGeom>
+        </p:spPr>
+      </p:pic>
+      <p:pic>
+        <p:nvPicPr>
+          <p:cNvPr id="22" name="图片 21">
+            <a:extLst>
+              <a:ext uri="{FF2B5EF4-FFF2-40B4-BE49-F238E27FC236}">
+                <a16:creationId xmlns:a16="http://schemas.microsoft.com/office/drawing/2014/main" id="{75F9279C-014B-F73D-5894-B471C604B65E}"/>
+              </a:ext>
+            </a:extLst>
+          </p:cNvPr>
+          <p:cNvPicPr>
+            <a:picLocks noChangeAspect="1"/>
+          </p:cNvPicPr>
+          <p:nvPr/>
+        </p:nvPicPr>
+        <p:blipFill>
+          <a:blip r:embed="rId5"/>
+          <a:stretch>
+            <a:fillRect/>
+          </a:stretch>
+        </p:blipFill>
+        <p:spPr>
+          <a:xfrm>
+            <a:off x="5956121" y="2034621"/>
+            <a:ext cx="490476" cy="204762"/>
+          </a:xfrm>
+          <a:prstGeom prst="rect">
+            <a:avLst/>
+          </a:prstGeom>
+        </p:spPr>
+      </p:pic>
+      <p:pic>
+        <p:nvPicPr>
+          <p:cNvPr id="23" name="图片 22">
+            <a:extLst>
+              <a:ext uri="{FF2B5EF4-FFF2-40B4-BE49-F238E27FC236}">
+                <a16:creationId xmlns:a16="http://schemas.microsoft.com/office/drawing/2014/main" id="{4BCB6743-543B-BFDA-3178-2C80C1F134C5}"/>
+              </a:ext>
+            </a:extLst>
+          </p:cNvPr>
+          <p:cNvPicPr>
+            <a:picLocks noChangeAspect="1"/>
+          </p:cNvPicPr>
+          <p:nvPr/>
+        </p:nvPicPr>
+        <p:blipFill>
+          <a:blip r:embed="rId8"/>
+          <a:stretch>
+            <a:fillRect/>
+          </a:stretch>
+        </p:blipFill>
+        <p:spPr>
+          <a:xfrm>
+            <a:off x="6777362" y="2050846"/>
+            <a:ext cx="162739" cy="172312"/>
+          </a:xfrm>
+          <a:prstGeom prst="rect">
+            <a:avLst/>
+          </a:prstGeom>
+        </p:spPr>
+      </p:pic>
+      <p:pic>
+        <p:nvPicPr>
+          <p:cNvPr id="31" name="图片 30">
+            <a:extLst>
+              <a:ext uri="{FF2B5EF4-FFF2-40B4-BE49-F238E27FC236}">
+                <a16:creationId xmlns:a16="http://schemas.microsoft.com/office/drawing/2014/main" id="{80E1165E-4E49-779F-DE5C-0411B234F364}"/>
+              </a:ext>
+            </a:extLst>
+          </p:cNvPr>
+          <p:cNvPicPr>
+            <a:picLocks noChangeAspect="1"/>
+          </p:cNvPicPr>
+          <p:nvPr/>
+        </p:nvPicPr>
+        <p:blipFill>
+          <a:blip r:embed="rId9"/>
+          <a:stretch>
+            <a:fillRect/>
+          </a:stretch>
+        </p:blipFill>
+        <p:spPr>
+          <a:xfrm>
+            <a:off x="7489156" y="5927457"/>
+            <a:ext cx="201030" cy="167525"/>
+          </a:xfrm>
+          <a:prstGeom prst="rect">
+            <a:avLst/>
+          </a:prstGeom>
+        </p:spPr>
+      </p:pic>
+      <p:pic>
+        <p:nvPicPr>
+          <p:cNvPr id="32" name="图片 31">
+            <a:extLst>
+              <a:ext uri="{FF2B5EF4-FFF2-40B4-BE49-F238E27FC236}">
+                <a16:creationId xmlns:a16="http://schemas.microsoft.com/office/drawing/2014/main" id="{63D53E83-A6B8-0838-6FCF-3F7FE502FF2E}"/>
+              </a:ext>
+            </a:extLst>
+          </p:cNvPr>
+          <p:cNvPicPr>
+            <a:picLocks noChangeAspect="1"/>
+          </p:cNvPicPr>
+          <p:nvPr/>
+        </p:nvPicPr>
+        <p:blipFill>
+          <a:blip r:embed="rId10"/>
+          <a:stretch>
+            <a:fillRect/>
+          </a:stretch>
+        </p:blipFill>
+        <p:spPr>
+          <a:xfrm>
+            <a:off x="8688174" y="5748008"/>
+            <a:ext cx="1560295" cy="485214"/>
+          </a:xfrm>
+          <a:prstGeom prst="rect">
+            <a:avLst/>
+          </a:prstGeom>
+        </p:spPr>
+      </p:pic>
+      <p:sp>
+        <p:nvSpPr>
+          <p:cNvPr id="34" name="Google Shape;377;p22">
+            <a:extLst>
+              <a:ext uri="{FF2B5EF4-FFF2-40B4-BE49-F238E27FC236}">
+                <a16:creationId xmlns:a16="http://schemas.microsoft.com/office/drawing/2014/main" id="{2DFEB0AD-D0A0-BA10-8FF6-FF520CF869FF}"/>
+              </a:ext>
+            </a:extLst>
+          </p:cNvPr>
+          <p:cNvSpPr/>
+          <p:nvPr/>
+        </p:nvSpPr>
+        <p:spPr>
+          <a:xfrm>
+            <a:off x="4604894" y="3322502"/>
+            <a:ext cx="6425056" cy="396695"/>
+          </a:xfrm>
+          <a:prstGeom prst="rect">
+            <a:avLst/>
+          </a:prstGeom>
+          <a:solidFill>
+            <a:schemeClr val="bg1">
+              <a:lumMod val="95000"/>
+            </a:schemeClr>
+          </a:solidFill>
+          <a:ln>
+            <a:noFill/>
+          </a:ln>
+          <a:effectLst>
+            <a:softEdge rad="25400"/>
+          </a:effectLst>
+        </p:spPr>
+        <p:txBody>
+          <a:bodyPr spcFirstLastPara="1" wrap="square" lIns="91425" tIns="91425" rIns="91425" bIns="91425" anchor="ctr" anchorCtr="0">
+            <a:noAutofit/>
+          </a:bodyPr>
+          <a:lstStyle/>
+          <a:p>
+            <a:pPr marL="0" lvl="0" indent="0" algn="l" rtl="0">
+              <a:spcBef>
+                <a:spcPts val="0"/>
+              </a:spcBef>
+              <a:spcAft>
+                <a:spcPts val="0"/>
+              </a:spcAft>
+              <a:buNone/>
+            </a:pPr>
+            <a:endParaRPr dirty="0">
+              <a:solidFill>
+                <a:schemeClr val="tx1"/>
+              </a:solidFill>
+              <a:latin typeface="+mn-lt"/>
+              <a:ea typeface="+mn-ea"/>
+              <a:cs typeface="+mn-ea"/>
+              <a:sym typeface="+mn-lt"/>
+            </a:endParaRPr>
+          </a:p>
+        </p:txBody>
+      </p:sp>
+      <p:pic>
+        <p:nvPicPr>
+          <p:cNvPr id="35" name="图片 34">
+            <a:extLst>
+              <a:ext uri="{FF2B5EF4-FFF2-40B4-BE49-F238E27FC236}">
+                <a16:creationId xmlns:a16="http://schemas.microsoft.com/office/drawing/2014/main" id="{963D00AA-3D10-2C55-2526-1F4193CB99ED}"/>
+              </a:ext>
+            </a:extLst>
+          </p:cNvPr>
+          <p:cNvPicPr>
+            <a:picLocks noChangeAspect="1"/>
+          </p:cNvPicPr>
+          <p:nvPr/>
+        </p:nvPicPr>
+        <p:blipFill>
+          <a:blip r:embed="rId3">
+            <a:extLst>
+              <a:ext uri="{28A0092B-C50C-407E-A947-70E740481C1C}">
+                <a14:useLocalDpi xmlns:a14="http://schemas.microsoft.com/office/drawing/2010/main" val="0"/>
+              </a:ext>
+            </a:extLst>
+          </a:blip>
+          <a:stretch>
+            <a:fillRect/>
+          </a:stretch>
+        </p:blipFill>
+        <p:spPr>
+          <a:xfrm>
+            <a:off x="7157687" y="3429000"/>
+            <a:ext cx="912599" cy="715962"/>
+          </a:xfrm>
+          <a:prstGeom prst="rect">
+            <a:avLst/>
+          </a:prstGeom>
+        </p:spPr>
+      </p:pic>
+      <p:pic>
+        <p:nvPicPr>
+          <p:cNvPr id="44" name="图片 43">
+            <a:extLst>
+              <a:ext uri="{FF2B5EF4-FFF2-40B4-BE49-F238E27FC236}">
+                <a16:creationId xmlns:a16="http://schemas.microsoft.com/office/drawing/2014/main" id="{6EF4F3F1-F65C-8A89-C8A1-FFD76E644FC4}"/>
+              </a:ext>
+            </a:extLst>
+          </p:cNvPr>
+          <p:cNvPicPr>
+            <a:picLocks noChangeAspect="1"/>
+          </p:cNvPicPr>
+          <p:nvPr/>
+        </p:nvPicPr>
+        <p:blipFill>
+          <a:blip r:embed="rId4">
+            <a:extLst>
+              <a:ext uri="{28A0092B-C50C-407E-A947-70E740481C1C}">
+                <a14:useLocalDpi xmlns:a14="http://schemas.microsoft.com/office/drawing/2010/main" val="0"/>
+              </a:ext>
+            </a:extLst>
+          </a:blip>
+          <a:stretch>
+            <a:fillRect/>
+          </a:stretch>
+        </p:blipFill>
+        <p:spPr>
+          <a:xfrm>
+            <a:off x="5978108" y="3425116"/>
+            <a:ext cx="912599" cy="715963"/>
+          </a:xfrm>
+          <a:prstGeom prst="rect">
+            <a:avLst/>
+          </a:prstGeom>
+        </p:spPr>
+      </p:pic>
+      <mc:AlternateContent xmlns:mc="http://schemas.openxmlformats.org/markup-compatibility/2006" xmlns:a14="http://schemas.microsoft.com/office/drawing/2010/main">
+        <mc:Choice Requires="a14">
+          <p:sp>
+            <p:nvSpPr>
+              <p:cNvPr id="45" name="Google Shape;389;p22">
+                <a:extLst>
+                  <a:ext uri="{FF2B5EF4-FFF2-40B4-BE49-F238E27FC236}">
+                    <a16:creationId xmlns:a16="http://schemas.microsoft.com/office/drawing/2014/main" id="{E45BAD85-AF50-776C-5B24-DF33A92B9D12}"/>
+                  </a:ext>
+                </a:extLst>
+              </p:cNvPr>
+              <p:cNvSpPr txBox="1"/>
+              <p:nvPr/>
+            </p:nvSpPr>
+            <p:spPr>
+              <a:xfrm>
+                <a:off x="4712595" y="3322502"/>
+                <a:ext cx="997418" cy="268400"/>
+              </a:xfrm>
+              <a:prstGeom prst="rect">
+                <a:avLst/>
+              </a:prstGeom>
+              <a:noFill/>
+              <a:ln>
+                <a:noFill/>
+              </a:ln>
+            </p:spPr>
+            <p:txBody>
+              <a:bodyPr spcFirstLastPara="1" wrap="square" lIns="91425" tIns="91425" rIns="91425" bIns="91425" anchor="t" anchorCtr="0">
+                <a:noAutofit/>
+              </a:bodyPr>
+              <a:lstStyle/>
+              <a:p>
+                <a:pPr marL="0" lvl="0" indent="0" algn="ctr" rtl="0">
+                  <a:spcBef>
+                    <a:spcPts val="0"/>
+                  </a:spcBef>
+                  <a:spcAft>
+                    <a:spcPts val="0"/>
+                  </a:spcAft>
+                  <a:buNone/>
+                </a:pPr>
+                <a:r>
+                  <a:rPr lang="en-US" altLang="zh-CN" sz="1200" dirty="0">
+                    <a:cs typeface="Helvetica Now Display Med" panose="020B0604030202020204" pitchFamily="34" charset="0"/>
+                    <a:sym typeface="+mn-lt"/>
+                  </a:rPr>
+                  <a:t>query </a:t>
+                </a:r>
+                <a14:m>
+                  <m:oMath xmlns:m="http://schemas.openxmlformats.org/officeDocument/2006/math">
+                    <m:r>
+                      <a:rPr lang="en-US" altLang="zh-CN" sz="1200" b="0" i="1" dirty="0" smtClean="0">
+                        <a:latin typeface="Cambria Math" panose="02040503050406030204" pitchFamily="18" charset="0"/>
+                        <a:cs typeface="Helvetica Now Display Med" panose="020B0604030202020204" pitchFamily="34" charset="0"/>
+                        <a:sym typeface="+mn-lt"/>
+                      </a:rPr>
+                      <m:t>𝑖</m:t>
+                    </m:r>
+                  </m:oMath>
+                </a14:m>
+                <a:endParaRPr sz="1200" dirty="0">
+                  <a:cs typeface="Helvetica Now Display Med" panose="020B0604030202020204" pitchFamily="34" charset="0"/>
+                  <a:sym typeface="+mn-lt"/>
+                </a:endParaRPr>
+              </a:p>
+            </p:txBody>
+          </p:sp>
+        </mc:Choice>
+        <mc:Fallback xmlns="">
+          <p:sp>
+            <p:nvSpPr>
+              <p:cNvPr id="45" name="Google Shape;389;p22">
+                <a:extLst>
+                  <a:ext uri="{FF2B5EF4-FFF2-40B4-BE49-F238E27FC236}">
+                    <a16:creationId xmlns:a16="http://schemas.microsoft.com/office/drawing/2014/main" id="{E45BAD85-AF50-776C-5B24-DF33A92B9D12}"/>
+                  </a:ext>
+                </a:extLst>
+              </p:cNvPr>
+              <p:cNvSpPr txBox="1">
+                <a:spLocks noRot="1" noChangeAspect="1" noMove="1" noResize="1" noEditPoints="1" noAdjustHandles="1" noChangeArrowheads="1" noChangeShapeType="1" noTextEdit="1"/>
+              </p:cNvSpPr>
+              <p:nvPr/>
+            </p:nvSpPr>
+            <p:spPr>
+              <a:xfrm>
+                <a:off x="4712595" y="3322502"/>
+                <a:ext cx="997418" cy="268400"/>
+              </a:xfrm>
+              <a:prstGeom prst="rect">
+                <a:avLst/>
+              </a:prstGeom>
+              <a:blipFill>
+                <a:blip r:embed="rId11"/>
+                <a:stretch>
+                  <a:fillRect b="-36364"/>
+                </a:stretch>
+              </a:blipFill>
+              <a:ln>
+                <a:noFill/>
+              </a:ln>
+            </p:spPr>
+            <p:txBody>
+              <a:bodyPr/>
+              <a:lstStyle/>
+              <a:p>
+                <a:r>
+                  <a:rPr lang="zh-CN" altLang="en-US">
+                    <a:noFill/>
+                  </a:rPr>
+                  <a:t> </a:t>
+                </a:r>
+              </a:p>
+            </p:txBody>
+          </p:sp>
+        </mc:Fallback>
+      </mc:AlternateContent>
+      <p:pic>
+        <p:nvPicPr>
+          <p:cNvPr id="51" name="图片 50">
+            <a:extLst>
+              <a:ext uri="{FF2B5EF4-FFF2-40B4-BE49-F238E27FC236}">
+                <a16:creationId xmlns:a16="http://schemas.microsoft.com/office/drawing/2014/main" id="{E333BFFC-4EB6-896F-72D2-83305AEC7350}"/>
+              </a:ext>
+            </a:extLst>
+          </p:cNvPr>
+          <p:cNvPicPr>
+            <a:picLocks noChangeAspect="1"/>
+          </p:cNvPicPr>
+          <p:nvPr/>
+        </p:nvPicPr>
+        <p:blipFill>
+          <a:blip r:embed="rId4">
+            <a:extLst>
+              <a:ext uri="{28A0092B-C50C-407E-A947-70E740481C1C}">
+                <a14:useLocalDpi xmlns:a14="http://schemas.microsoft.com/office/drawing/2010/main" val="0"/>
+              </a:ext>
+            </a:extLst>
+          </a:blip>
+          <a:stretch>
+            <a:fillRect/>
+          </a:stretch>
+        </p:blipFill>
+        <p:spPr>
+          <a:xfrm>
+            <a:off x="8300961" y="3425116"/>
+            <a:ext cx="912599" cy="715963"/>
+          </a:xfrm>
+          <a:prstGeom prst="rect">
+            <a:avLst/>
+          </a:prstGeom>
+        </p:spPr>
+      </p:pic>
+      <p:pic>
+        <p:nvPicPr>
+          <p:cNvPr id="52" name="图片 51">
+            <a:extLst>
+              <a:ext uri="{FF2B5EF4-FFF2-40B4-BE49-F238E27FC236}">
+                <a16:creationId xmlns:a16="http://schemas.microsoft.com/office/drawing/2014/main" id="{598ED5A4-C7FD-2117-92FF-DEA769C7D4A3}"/>
+              </a:ext>
+            </a:extLst>
+          </p:cNvPr>
+          <p:cNvPicPr>
+            <a:picLocks noChangeAspect="1"/>
+          </p:cNvPicPr>
+          <p:nvPr/>
+        </p:nvPicPr>
+        <p:blipFill>
+          <a:blip r:embed="rId3">
+            <a:extLst>
+              <a:ext uri="{28A0092B-C50C-407E-A947-70E740481C1C}">
+                <a14:useLocalDpi xmlns:a14="http://schemas.microsoft.com/office/drawing/2010/main" val="0"/>
+              </a:ext>
+            </a:extLst>
+          </a:blip>
+          <a:stretch>
+            <a:fillRect/>
+          </a:stretch>
+        </p:blipFill>
+        <p:spPr>
+          <a:xfrm>
+            <a:off x="9444235" y="3429000"/>
+            <a:ext cx="912599" cy="715962"/>
+          </a:xfrm>
+          <a:prstGeom prst="rect">
+            <a:avLst/>
+          </a:prstGeom>
+        </p:spPr>
+      </p:pic>
+      <p:grpSp>
+        <p:nvGrpSpPr>
+          <p:cNvPr id="56" name="组合 55">
+            <a:extLst>
+              <a:ext uri="{FF2B5EF4-FFF2-40B4-BE49-F238E27FC236}">
+                <a16:creationId xmlns:a16="http://schemas.microsoft.com/office/drawing/2014/main" id="{69132A62-B09A-E9A6-29A4-F6C2B4ADECB7}"/>
+              </a:ext>
+            </a:extLst>
+          </p:cNvPr>
+          <p:cNvGrpSpPr/>
+          <p:nvPr/>
+        </p:nvGrpSpPr>
+        <p:grpSpPr>
+          <a:xfrm>
+            <a:off x="905179" y="1833301"/>
+            <a:ext cx="3811396" cy="3284650"/>
+            <a:chOff x="905179" y="1833301"/>
+            <a:chExt cx="3811396" cy="3284650"/>
+          </a:xfrm>
+        </p:grpSpPr>
+        <p:sp>
+          <p:nvSpPr>
+            <p:cNvPr id="13" name="Google Shape;389;p22">
+              <a:extLst>
+                <a:ext uri="{FF2B5EF4-FFF2-40B4-BE49-F238E27FC236}">
+                  <a16:creationId xmlns:a16="http://schemas.microsoft.com/office/drawing/2014/main" id="{05A35AC1-1215-4A4D-C7DB-C795B0A4E9FE}"/>
+                </a:ext>
+              </a:extLst>
+            </p:cNvPr>
+            <p:cNvSpPr txBox="1"/>
+            <p:nvPr/>
+          </p:nvSpPr>
+          <p:spPr>
+            <a:xfrm>
+              <a:off x="905179" y="3273186"/>
+              <a:ext cx="3811396" cy="396694"/>
+            </a:xfrm>
+            <a:prstGeom prst="rect">
+              <a:avLst/>
+            </a:prstGeom>
+            <a:noFill/>
+            <a:ln>
+              <a:noFill/>
+            </a:ln>
+          </p:spPr>
+          <p:txBody>
+            <a:bodyPr spcFirstLastPara="1" wrap="square" lIns="91425" tIns="91425" rIns="91425" bIns="91425" anchor="t" anchorCtr="0">
+              <a:noAutofit/>
+            </a:bodyPr>
+            <a:lstStyle/>
+            <a:p>
+              <a:pPr marL="0" lvl="0" indent="0" rtl="0">
+                <a:spcBef>
+                  <a:spcPts val="0"/>
+                </a:spcBef>
+                <a:spcAft>
+                  <a:spcPts val="0"/>
+                </a:spcAft>
+                <a:buNone/>
+              </a:pPr>
+              <a:r>
+                <a:rPr lang="en-US" altLang="zh-CN" sz="1600" dirty="0">
+                  <a:cs typeface="Helvetica Now Display Med" panose="020B0604030202020204" pitchFamily="34" charset="0"/>
+                  <a:sym typeface="+mn-lt"/>
+                </a:rPr>
+                <a:t>Group MSAs by query sequence</a:t>
+              </a:r>
+              <a:endParaRPr sz="1600" dirty="0">
+                <a:cs typeface="Helvetica Now Display Med" panose="020B0604030202020204" pitchFamily="34" charset="0"/>
+                <a:sym typeface="+mn-lt"/>
+              </a:endParaRPr>
+            </a:p>
+          </p:txBody>
+        </p:sp>
+        <p:sp>
+          <p:nvSpPr>
+            <p:cNvPr id="18" name="Google Shape;389;p22">
+              <a:extLst>
+                <a:ext uri="{FF2B5EF4-FFF2-40B4-BE49-F238E27FC236}">
+                  <a16:creationId xmlns:a16="http://schemas.microsoft.com/office/drawing/2014/main" id="{D9607DC3-22A7-1D37-C550-197F983DFE5A}"/>
+                </a:ext>
+              </a:extLst>
+            </p:cNvPr>
+            <p:cNvSpPr txBox="1"/>
+            <p:nvPr/>
+          </p:nvSpPr>
+          <p:spPr>
+            <a:xfrm>
+              <a:off x="905179" y="1833301"/>
+              <a:ext cx="2458685" cy="396694"/>
+            </a:xfrm>
+            <a:prstGeom prst="rect">
+              <a:avLst/>
+            </a:prstGeom>
+            <a:noFill/>
+            <a:ln>
+              <a:noFill/>
+            </a:ln>
+          </p:spPr>
+          <p:txBody>
+            <a:bodyPr spcFirstLastPara="1" wrap="square" lIns="91425" tIns="91425" rIns="91425" bIns="91425" anchor="t" anchorCtr="0">
+              <a:noAutofit/>
+            </a:bodyPr>
+            <a:lstStyle/>
+            <a:p>
+              <a:pPr marL="0" lvl="0" indent="0" rtl="0">
+                <a:spcBef>
+                  <a:spcPts val="0"/>
+                </a:spcBef>
+                <a:spcAft>
+                  <a:spcPts val="0"/>
+                </a:spcAft>
+                <a:buNone/>
+              </a:pPr>
+              <a:r>
+                <a:rPr lang="en-US" altLang="zh-CN" sz="1600" dirty="0">
+                  <a:cs typeface="Helvetica Now Display Med" panose="020B0604030202020204" pitchFamily="34" charset="0"/>
+                  <a:sym typeface="+mn-lt"/>
+                </a:rPr>
+                <a:t>Pointwise MSA Dataset</a:t>
+              </a:r>
+              <a:endParaRPr sz="1600" dirty="0">
+                <a:cs typeface="Helvetica Now Display Med" panose="020B0604030202020204" pitchFamily="34" charset="0"/>
+                <a:sym typeface="+mn-lt"/>
+              </a:endParaRPr>
+            </a:p>
+          </p:txBody>
+        </p:sp>
+        <p:sp>
+          <p:nvSpPr>
+            <p:cNvPr id="29" name="Google Shape;389;p22">
+              <a:extLst>
+                <a:ext uri="{FF2B5EF4-FFF2-40B4-BE49-F238E27FC236}">
+                  <a16:creationId xmlns:a16="http://schemas.microsoft.com/office/drawing/2014/main" id="{8B47D2B9-2A90-0E58-7E4F-A81728FB8EF8}"/>
+                </a:ext>
+              </a:extLst>
+            </p:cNvPr>
+            <p:cNvSpPr txBox="1"/>
+            <p:nvPr/>
+          </p:nvSpPr>
+          <p:spPr>
+            <a:xfrm>
+              <a:off x="905179" y="4721257"/>
+              <a:ext cx="3811396" cy="396694"/>
+            </a:xfrm>
+            <a:prstGeom prst="rect">
+              <a:avLst/>
+            </a:prstGeom>
+            <a:noFill/>
+            <a:ln>
+              <a:noFill/>
+            </a:ln>
+          </p:spPr>
+          <p:txBody>
+            <a:bodyPr spcFirstLastPara="1" wrap="square" lIns="91425" tIns="91425" rIns="91425" bIns="91425" anchor="t" anchorCtr="0">
+              <a:noAutofit/>
+            </a:bodyPr>
+            <a:lstStyle/>
+            <a:p>
+              <a:pPr marL="0" lvl="0" indent="0" rtl="0">
+                <a:spcBef>
+                  <a:spcPts val="0"/>
+                </a:spcBef>
+                <a:spcAft>
+                  <a:spcPts val="0"/>
+                </a:spcAft>
+                <a:buNone/>
+              </a:pPr>
+              <a:r>
+                <a:rPr lang="en-US" altLang="zh-CN" sz="1600" dirty="0">
+                  <a:cs typeface="Helvetica Now Display Med" panose="020B0604030202020204" pitchFamily="34" charset="0"/>
+                  <a:sym typeface="+mn-lt"/>
+                </a:rPr>
+                <a:t>Paired MSA Dataset</a:t>
+              </a:r>
+              <a:endParaRPr sz="1600" dirty="0">
+                <a:cs typeface="Helvetica Now Display Med" panose="020B0604030202020204" pitchFamily="34" charset="0"/>
+                <a:sym typeface="+mn-lt"/>
+              </a:endParaRPr>
+            </a:p>
+          </p:txBody>
+        </p:sp>
+        <p:cxnSp>
+          <p:nvCxnSpPr>
+            <p:cNvPr id="53" name="直接箭头连接符 52">
+              <a:extLst>
+                <a:ext uri="{FF2B5EF4-FFF2-40B4-BE49-F238E27FC236}">
+                  <a16:creationId xmlns:a16="http://schemas.microsoft.com/office/drawing/2014/main" id="{8C4CB450-7D3F-7435-578E-B70AAD7BF2F4}"/>
+                </a:ext>
+              </a:extLst>
+            </p:cNvPr>
+            <p:cNvCxnSpPr>
+              <a:cxnSpLocks/>
+            </p:cNvCxnSpPr>
+            <p:nvPr/>
+          </p:nvCxnSpPr>
+          <p:spPr>
+            <a:xfrm>
+              <a:off x="1039260" y="2649084"/>
+              <a:ext cx="0" cy="305186"/>
+            </a:xfrm>
+            <a:prstGeom prst="straightConnector1">
+              <a:avLst/>
+            </a:prstGeom>
+            <a:ln w="9525">
+              <a:solidFill>
+                <a:srgbClr val="000000"/>
+              </a:solidFill>
+              <a:tailEnd type="triangle"/>
+            </a:ln>
+          </p:spPr>
+          <p:style>
+            <a:lnRef idx="1">
+              <a:schemeClr val="dk1"/>
+            </a:lnRef>
+            <a:fillRef idx="0">
+              <a:schemeClr val="dk1"/>
+            </a:fillRef>
+            <a:effectRef idx="0">
+              <a:schemeClr val="dk1"/>
+            </a:effectRef>
+            <a:fontRef idx="minor">
+              <a:schemeClr val="tx1"/>
+            </a:fontRef>
+          </p:style>
+        </p:cxnSp>
+        <p:cxnSp>
+          <p:nvCxnSpPr>
+            <p:cNvPr id="55" name="直接箭头连接符 54">
+              <a:extLst>
+                <a:ext uri="{FF2B5EF4-FFF2-40B4-BE49-F238E27FC236}">
+                  <a16:creationId xmlns:a16="http://schemas.microsoft.com/office/drawing/2014/main" id="{47C8E4DF-F526-BB7E-3D8D-2D7449EA733A}"/>
+                </a:ext>
+              </a:extLst>
+            </p:cNvPr>
+            <p:cNvCxnSpPr>
+              <a:cxnSpLocks/>
+            </p:cNvCxnSpPr>
+            <p:nvPr/>
+          </p:nvCxnSpPr>
+          <p:spPr>
+            <a:xfrm>
+              <a:off x="1040295" y="4141079"/>
+              <a:ext cx="0" cy="305186"/>
+            </a:xfrm>
+            <a:prstGeom prst="straightConnector1">
+              <a:avLst/>
+            </a:prstGeom>
+            <a:ln w="9525">
+              <a:solidFill>
+                <a:srgbClr val="000000"/>
+              </a:solidFill>
+              <a:tailEnd type="triangle"/>
+            </a:ln>
+          </p:spPr>
+          <p:style>
+            <a:lnRef idx="1">
+              <a:schemeClr val="dk1"/>
+            </a:lnRef>
+            <a:fillRef idx="0">
+              <a:schemeClr val="dk1"/>
+            </a:fillRef>
+            <a:effectRef idx="0">
+              <a:schemeClr val="dk1"/>
+            </a:effectRef>
+            <a:fontRef idx="minor">
+              <a:schemeClr val="tx1"/>
+            </a:fontRef>
+          </p:style>
+        </p:cxnSp>
+      </p:grpSp>
+      <p:grpSp>
+        <p:nvGrpSpPr>
+          <p:cNvPr id="57" name="组合 56">
+            <a:extLst>
+              <a:ext uri="{FF2B5EF4-FFF2-40B4-BE49-F238E27FC236}">
+                <a16:creationId xmlns:a16="http://schemas.microsoft.com/office/drawing/2014/main" id="{E05421F5-3931-FAD2-B2D9-784659163C3F}"/>
+              </a:ext>
+            </a:extLst>
+          </p:cNvPr>
+          <p:cNvGrpSpPr/>
+          <p:nvPr/>
+        </p:nvGrpSpPr>
+        <p:grpSpPr>
+          <a:xfrm>
+            <a:off x="8070286" y="1779021"/>
+            <a:ext cx="2242654" cy="715962"/>
+            <a:chOff x="8070286" y="1779021"/>
+            <a:chExt cx="2242654" cy="715962"/>
+          </a:xfrm>
+        </p:grpSpPr>
+        <p:pic>
+          <p:nvPicPr>
+            <p:cNvPr id="12" name="图片 11">
+              <a:extLst>
+                <a:ext uri="{FF2B5EF4-FFF2-40B4-BE49-F238E27FC236}">
+                  <a16:creationId xmlns:a16="http://schemas.microsoft.com/office/drawing/2014/main" id="{00C4527B-48CB-460C-F899-2B8EA675C3DA}"/>
+                </a:ext>
+              </a:extLst>
+            </p:cNvPr>
+            <p:cNvPicPr>
+              <a:picLocks noChangeAspect="1"/>
+            </p:cNvPicPr>
+            <p:nvPr/>
+          </p:nvPicPr>
+          <p:blipFill>
+            <a:blip r:embed="rId9"/>
+            <a:stretch>
+              <a:fillRect/>
+            </a:stretch>
+          </p:blipFill>
+          <p:spPr>
+            <a:xfrm>
+              <a:off x="10111910" y="2071700"/>
+              <a:ext cx="201030" cy="167525"/>
+            </a:xfrm>
+            <a:prstGeom prst="rect">
+              <a:avLst/>
+            </a:prstGeom>
+          </p:spPr>
+        </p:pic>
+        <p:pic>
+          <p:nvPicPr>
+            <p:cNvPr id="25" name="图片 24">
+              <a:extLst>
+                <a:ext uri="{FF2B5EF4-FFF2-40B4-BE49-F238E27FC236}">
+                  <a16:creationId xmlns:a16="http://schemas.microsoft.com/office/drawing/2014/main" id="{A42AD5C4-7FCD-2275-05A2-834C7D7EA56A}"/>
+                </a:ext>
+              </a:extLst>
+            </p:cNvPr>
+            <p:cNvPicPr>
+              <a:picLocks noChangeAspect="1"/>
+            </p:cNvPicPr>
+            <p:nvPr/>
+          </p:nvPicPr>
+          <p:blipFill>
+            <a:blip r:embed="rId3">
+              <a:extLst>
+                <a:ext uri="{28A0092B-C50C-407E-A947-70E740481C1C}">
+                  <a14:useLocalDpi xmlns:a14="http://schemas.microsoft.com/office/drawing/2010/main" val="0"/>
+                </a:ext>
+              </a:extLst>
+            </a:blip>
+            <a:stretch>
+              <a:fillRect/>
+            </a:stretch>
+          </p:blipFill>
+          <p:spPr>
+            <a:xfrm>
+              <a:off x="8070286" y="1779021"/>
+              <a:ext cx="912599" cy="715962"/>
+            </a:xfrm>
+            <a:prstGeom prst="rect">
+              <a:avLst/>
+            </a:prstGeom>
+          </p:spPr>
+        </p:pic>
+        <p:pic>
+          <p:nvPicPr>
+            <p:cNvPr id="26" name="图片 25">
+              <a:extLst>
+                <a:ext uri="{FF2B5EF4-FFF2-40B4-BE49-F238E27FC236}">
+                  <a16:creationId xmlns:a16="http://schemas.microsoft.com/office/drawing/2014/main" id="{DE262833-A4EA-489C-00AC-F48D3C529B65}"/>
+                </a:ext>
+              </a:extLst>
+            </p:cNvPr>
+            <p:cNvPicPr>
+              <a:picLocks noChangeAspect="1"/>
+            </p:cNvPicPr>
+            <p:nvPr/>
+          </p:nvPicPr>
+          <p:blipFill>
+            <a:blip r:embed="rId7"/>
+            <a:stretch>
+              <a:fillRect/>
+            </a:stretch>
+          </p:blipFill>
+          <p:spPr>
+            <a:xfrm>
+              <a:off x="9213560" y="2048320"/>
+              <a:ext cx="509525" cy="214286"/>
+            </a:xfrm>
+            <a:prstGeom prst="rect">
+              <a:avLst/>
+            </a:prstGeom>
+          </p:spPr>
+        </p:pic>
+      </p:grpSp>
+      <p:sp>
+        <p:nvSpPr>
+          <p:cNvPr id="59" name="Google Shape;377;p22">
+            <a:extLst>
+              <a:ext uri="{FF2B5EF4-FFF2-40B4-BE49-F238E27FC236}">
+                <a16:creationId xmlns:a16="http://schemas.microsoft.com/office/drawing/2014/main" id="{6531DB4A-8E81-57EA-9C34-862A92FDFC3F}"/>
+              </a:ext>
+            </a:extLst>
+          </p:cNvPr>
+          <p:cNvSpPr/>
+          <p:nvPr/>
+        </p:nvSpPr>
+        <p:spPr>
+          <a:xfrm flipH="1">
+            <a:off x="7456060" y="1703199"/>
+            <a:ext cx="66192" cy="904526"/>
+          </a:xfrm>
+          <a:prstGeom prst="rect">
+            <a:avLst/>
+          </a:prstGeom>
+          <a:solidFill>
+            <a:schemeClr val="bg1">
+              <a:lumMod val="95000"/>
+            </a:schemeClr>
+          </a:solidFill>
+          <a:ln>
+            <a:noFill/>
+          </a:ln>
+          <a:effectLst>
+            <a:softEdge rad="12700"/>
+          </a:effectLst>
+        </p:spPr>
+        <p:txBody>
+          <a:bodyPr spcFirstLastPara="1" wrap="square" lIns="91425" tIns="91425" rIns="91425" bIns="91425" anchor="ctr" anchorCtr="0">
+            <a:noAutofit/>
+          </a:bodyPr>
+          <a:lstStyle/>
+          <a:p>
+            <a:pPr marL="0" lvl="0" indent="0" algn="l" rtl="0">
+              <a:spcBef>
+                <a:spcPts val="0"/>
+              </a:spcBef>
+              <a:spcAft>
+                <a:spcPts val="0"/>
+              </a:spcAft>
+              <a:buNone/>
+            </a:pPr>
+            <a:endParaRPr dirty="0">
+              <a:solidFill>
+                <a:schemeClr val="tx1"/>
+              </a:solidFill>
+              <a:latin typeface="+mn-lt"/>
+              <a:ea typeface="+mn-ea"/>
+              <a:cs typeface="+mn-ea"/>
+              <a:sym typeface="+mn-lt"/>
+            </a:endParaRPr>
+          </a:p>
+        </p:txBody>
+      </p:sp>
+    </p:spTree>
+    <p:extLst>
+      <p:ext uri="{BB962C8B-B14F-4D97-AF65-F5344CB8AC3E}">
+        <p14:creationId xmlns:p14="http://schemas.microsoft.com/office/powerpoint/2010/main" val="132008715"/>
+      </p:ext>
+    </p:extLst>
+  </p:cSld>
+  <p:clrMapOvr>
+    <a:masterClrMapping/>
+  </p:clrMapOvr>
+</p:sld>
+</file>
+
+<file path=ppt/slides/slide11.xml><?xml version="1.0" encoding="utf-8"?>
+<p:sld xmlns:a="http://schemas.openxmlformats.org/drawingml/2006/main" xmlns:r="http://schemas.openxmlformats.org/officeDocument/2006/relationships" xmlns:p="http://schemas.openxmlformats.org/presentationml/2006/main">
+  <p:cSld>
+    <p:spTree>
+      <p:nvGrpSpPr>
+        <p:cNvPr id="1" name=""/>
+        <p:cNvGrpSpPr/>
+        <p:nvPr/>
+      </p:nvGrpSpPr>
+      <p:grpSpPr>
+        <a:xfrm>
+          <a:off x="0" y="0"/>
+          <a:ext cx="0" cy="0"/>
+          <a:chOff x="0" y="0"/>
+          <a:chExt cx="0" cy="0"/>
+        </a:xfrm>
+      </p:grpSpPr>
+      <p:sp>
+        <p:nvSpPr>
+          <p:cNvPr id="2" name="标题 1">
+            <a:extLst>
+              <a:ext uri="{FF2B5EF4-FFF2-40B4-BE49-F238E27FC236}">
+                <a16:creationId xmlns:a16="http://schemas.microsoft.com/office/drawing/2014/main" id="{EBEFBD9C-556E-421F-45BC-54B3E20BC695}"/>
+              </a:ext>
+            </a:extLst>
+          </p:cNvPr>
+          <p:cNvSpPr>
+            <a:spLocks noGrp="1"/>
+          </p:cNvSpPr>
+          <p:nvPr>
+            <p:ph type="title"/>
+          </p:nvPr>
+        </p:nvSpPr>
+        <p:spPr>
+          <a:xfrm>
+            <a:off x="838200" y="365125"/>
+            <a:ext cx="11179628" cy="1325563"/>
+          </a:xfrm>
+        </p:spPr>
+        <p:txBody>
+          <a:bodyPr/>
+          <a:lstStyle/>
+          <a:p>
+            <a:r>
+              <a:rPr lang="en-US" altLang="zh-CN" dirty="0"/>
+              <a:t>Methodology: Siamese Framework</a:t>
+            </a:r>
+            <a:endParaRPr lang="zh-CN" altLang="en-US" dirty="0"/>
+          </a:p>
+        </p:txBody>
+      </p:sp>
       <p:grpSp>
         <p:nvGrpSpPr>
           <p:cNvPr id="117" name="组合 116">
@@ -6766,160 +8260,18 @@
   <p:clrMapOvr>
     <a:masterClrMapping/>
   </p:clrMapOvr>
-  <mc:AlternateContent xmlns:mc="http://schemas.openxmlformats.org/markup-compatibility/2006">
-    <mc:Choice xmlns:p159="http://schemas.microsoft.com/office/powerpoint/2015/09/main" Requires="p159">
+  <mc:AlternateContent xmlns:mc="http://schemas.openxmlformats.org/markup-compatibility/2006" xmlns:p159="http://schemas.microsoft.com/office/powerpoint/2015/09/main">
+    <mc:Choice Requires="p159">
       <p:transition>
         <p159:morph option="byObject"/>
       </p:transition>
     </mc:Choice>
-    <mc:Fallback>
+    <mc:Fallback xmlns="">
       <p:transition>
         <p:fade/>
       </p:transition>
     </mc:Fallback>
   </mc:AlternateContent>
-</p:sld>
-</file>
-
-<file path=ppt/slides/slide11.xml><?xml version="1.0" encoding="utf-8"?>
-<p:sld xmlns:a="http://schemas.openxmlformats.org/drawingml/2006/main" xmlns:r="http://schemas.openxmlformats.org/officeDocument/2006/relationships" xmlns:p="http://schemas.openxmlformats.org/presentationml/2006/main">
-  <p:cSld>
-    <p:spTree>
-      <p:nvGrpSpPr>
-        <p:cNvPr id="1" name=""/>
-        <p:cNvGrpSpPr/>
-        <p:nvPr/>
-      </p:nvGrpSpPr>
-      <p:grpSpPr>
-        <a:xfrm>
-          <a:off x="0" y="0"/>
-          <a:ext cx="0" cy="0"/>
-          <a:chOff x="0" y="0"/>
-          <a:chExt cx="0" cy="0"/>
-        </a:xfrm>
-      </p:grpSpPr>
-      <p:sp>
-        <p:nvSpPr>
-          <p:cNvPr id="2" name="标题 1">
-            <a:extLst>
-              <a:ext uri="{FF2B5EF4-FFF2-40B4-BE49-F238E27FC236}">
-                <a16:creationId xmlns:a16="http://schemas.microsoft.com/office/drawing/2014/main" id="{1F87BC81-8B89-6601-0ACB-5EACC04EC7BB}"/>
-              </a:ext>
-            </a:extLst>
-          </p:cNvPr>
-          <p:cNvSpPr>
-            <a:spLocks noGrp="1"/>
-          </p:cNvSpPr>
-          <p:nvPr>
-            <p:ph type="ctrTitle"/>
-          </p:nvPr>
-        </p:nvSpPr>
-        <p:spPr>
-          <a:xfrm>
-            <a:off x="1524000" y="1287463"/>
-            <a:ext cx="9144000" cy="2387600"/>
-          </a:xfrm>
-        </p:spPr>
-        <p:txBody>
-          <a:bodyPr/>
-          <a:lstStyle/>
-          <a:p>
-            <a:pPr marL="0" marR="0" lvl="0" indent="0" algn="ctr" defTabSz="914400" rtl="0" eaLnBrk="1" fontAlgn="auto" latinLnBrk="0" hangingPunct="1">
-              <a:lnSpc>
-                <a:spcPct val="90000"/>
-              </a:lnSpc>
-              <a:spcBef>
-                <a:spcPts val="1000"/>
-              </a:spcBef>
-              <a:spcAft>
-                <a:spcPts val="0"/>
-              </a:spcAft>
-              <a:buClrTx/>
-              <a:buSzTx/>
-              <a:buFont typeface="Arial" panose="020B0604020202020204" pitchFamily="34" charset="0"/>
-              <a:buNone/>
-              <a:tabLst/>
-              <a:defRPr/>
-            </a:pPr>
-            <a:r>
-              <a:rPr lang="en-US" altLang="zh-CN" dirty="0"/>
-              <a:t>Results &amp; Conclusion</a:t>
-            </a:r>
-            <a:endParaRPr lang="zh-CN" altLang="en-US" spc="-150" dirty="0">
-              <a:latin typeface="+mn-lt"/>
-              <a:cs typeface="Helvetica Now Text" panose="020B0504030202020204" pitchFamily="34" charset="0"/>
-            </a:endParaRPr>
-          </a:p>
-        </p:txBody>
-      </p:sp>
-      <p:sp>
-        <p:nvSpPr>
-          <p:cNvPr id="3" name="副标题 2">
-            <a:extLst>
-              <a:ext uri="{FF2B5EF4-FFF2-40B4-BE49-F238E27FC236}">
-                <a16:creationId xmlns:a16="http://schemas.microsoft.com/office/drawing/2014/main" id="{3A6980F6-7704-9D3B-DD87-D10B76EA3CC4}"/>
-              </a:ext>
-            </a:extLst>
-          </p:cNvPr>
-          <p:cNvSpPr>
-            <a:spLocks noGrp="1"/>
-          </p:cNvSpPr>
-          <p:nvPr>
-            <p:ph type="subTitle" idx="1"/>
-          </p:nvPr>
-        </p:nvSpPr>
-        <p:spPr>
-          <a:xfrm>
-            <a:off x="1524000" y="3767138"/>
-            <a:ext cx="9144000" cy="1655762"/>
-          </a:xfrm>
-        </p:spPr>
-        <p:txBody>
-          <a:bodyPr>
-            <a:normAutofit/>
-          </a:bodyPr>
-          <a:lstStyle/>
-          <a:p>
-            <a:r>
-              <a:rPr kumimoji="0" lang="en-US" altLang="zh-CN" b="0" i="0" u="none" strike="noStrike" kern="1200" cap="none" spc="0" normalizeH="0" baseline="0" noProof="0" dirty="0">
-                <a:ln>
-                  <a:noFill/>
-                </a:ln>
-                <a:solidFill>
-                  <a:schemeClr val="tx1">
-                    <a:lumMod val="50000"/>
-                    <a:lumOff val="50000"/>
-                  </a:schemeClr>
-                </a:solidFill>
-                <a:effectLst/>
-                <a:uLnTx/>
-                <a:uFillTx/>
-                <a:ea typeface="等线 Light"/>
-                <a:cs typeface="+mj-cs"/>
-              </a:rPr>
-              <a:t>MLP vs. CNN &amp; Pointwise vs. Pairwise &amp; Metric Reports</a:t>
-            </a:r>
-            <a:endParaRPr lang="zh-CN" altLang="en-US" sz="1200" dirty="0">
-              <a:solidFill>
-                <a:schemeClr val="tx1">
-                  <a:lumMod val="50000"/>
-                  <a:lumOff val="50000"/>
-                </a:schemeClr>
-              </a:solidFill>
-            </a:endParaRPr>
-          </a:p>
-        </p:txBody>
-      </p:sp>
-    </p:spTree>
-    <p:extLst>
-      <p:ext uri="{BB962C8B-B14F-4D97-AF65-F5344CB8AC3E}">
-        <p14:creationId xmlns:p14="http://schemas.microsoft.com/office/powerpoint/2010/main" val="2774508480"/>
-      </p:ext>
-    </p:extLst>
-  </p:cSld>
-  <p:clrMapOvr>
-    <a:masterClrMapping/>
-  </p:clrMapOvr>
 </p:sld>
 </file>
 
@@ -6940,12 +8292,419 @@
           <a:chExt cx="0" cy="0"/>
         </a:xfrm>
       </p:grpSpPr>
+      <p:sp>
+        <p:nvSpPr>
+          <p:cNvPr id="3" name="内容占位符 2">
+            <a:extLst>
+              <a:ext uri="{FF2B5EF4-FFF2-40B4-BE49-F238E27FC236}">
+                <a16:creationId xmlns:a16="http://schemas.microsoft.com/office/drawing/2014/main" id="{315B6581-33DA-9153-D0E9-33450B880F47}"/>
+              </a:ext>
+            </a:extLst>
+          </p:cNvPr>
+          <p:cNvSpPr>
+            <a:spLocks noGrp="1"/>
+          </p:cNvSpPr>
+          <p:nvPr>
+            <p:ph idx="1"/>
+          </p:nvPr>
+        </p:nvSpPr>
+        <p:spPr>
+          <a:xfrm>
+            <a:off x="838198" y="1690688"/>
+            <a:ext cx="10511120" cy="4548747"/>
+          </a:xfrm>
+        </p:spPr>
+        <p:txBody>
+          <a:bodyPr>
+            <a:normAutofit fontScale="85000" lnSpcReduction="20000"/>
+          </a:bodyPr>
+          <a:lstStyle/>
+          <a:p>
+            <a:pPr>
+              <a:lnSpc>
+                <a:spcPct val="120000"/>
+              </a:lnSpc>
+            </a:pPr>
+            <a:r>
+              <a:rPr lang="en-US" altLang="zh-CN" dirty="0"/>
+              <a:t>Pairwise MLP</a:t>
+            </a:r>
+          </a:p>
+          <a:p>
+            <a:pPr lvl="1">
+              <a:lnSpc>
+                <a:spcPct val="120000"/>
+              </a:lnSpc>
+            </a:pPr>
+            <a:r>
+              <a:rPr lang="en-US" altLang="zh-CN" dirty="0">
+                <a:latin typeface="Fira Code" panose="020B0509050000020004" pitchFamily="49" charset="0"/>
+                <a:ea typeface="Fira Code" panose="020B0509050000020004" pitchFamily="49" charset="0"/>
+              </a:rPr>
+              <a:t>lr=</a:t>
+            </a:r>
+            <a:r>
+              <a:rPr lang="en-US" altLang="zh-CN" dirty="0">
+                <a:solidFill>
+                  <a:srgbClr val="005CC5"/>
+                </a:solidFill>
+                <a:latin typeface="Fira Code" panose="020B0509050000020004" pitchFamily="49" charset="0"/>
+                <a:ea typeface="Fira Code" panose="020B0509050000020004" pitchFamily="49" charset="0"/>
+              </a:rPr>
+              <a:t>1e-4</a:t>
+            </a:r>
+            <a:r>
+              <a:rPr lang="en-US" altLang="zh-CN" dirty="0">
+                <a:latin typeface="Fira Code" panose="020B0509050000020004" pitchFamily="49" charset="0"/>
+                <a:ea typeface="Fira Code" panose="020B0509050000020004" pitchFamily="49" charset="0"/>
+              </a:rPr>
+              <a:t> batch_size=</a:t>
+            </a:r>
+            <a:r>
+              <a:rPr lang="en-US" altLang="zh-CN" dirty="0">
+                <a:solidFill>
+                  <a:srgbClr val="005CC5"/>
+                </a:solidFill>
+                <a:latin typeface="Fira Code" panose="020B0509050000020004" pitchFamily="49" charset="0"/>
+                <a:ea typeface="Fira Code" panose="020B0509050000020004" pitchFamily="49" charset="0"/>
+              </a:rPr>
+              <a:t>64</a:t>
+            </a:r>
+            <a:r>
+              <a:rPr lang="en-US" altLang="zh-CN" dirty="0">
+                <a:latin typeface="Fira Code" panose="020B0509050000020004" pitchFamily="49" charset="0"/>
+                <a:ea typeface="Fira Code" panose="020B0509050000020004" pitchFamily="49" charset="0"/>
+              </a:rPr>
+              <a:t> λ=</a:t>
+            </a:r>
+            <a:r>
+              <a:rPr lang="en-US" altLang="zh-CN" dirty="0">
+                <a:solidFill>
+                  <a:srgbClr val="005CC5"/>
+                </a:solidFill>
+                <a:latin typeface="Fira Code" panose="020B0509050000020004" pitchFamily="49" charset="0"/>
+                <a:ea typeface="Fira Code" panose="020B0509050000020004" pitchFamily="49" charset="0"/>
+              </a:rPr>
+              <a:t>5.0</a:t>
+            </a:r>
+            <a:r>
+              <a:rPr lang="en-US" altLang="zh-CN" dirty="0">
+                <a:latin typeface="Fira Code" panose="020B0509050000020004" pitchFamily="49" charset="0"/>
+                <a:ea typeface="Fira Code" panose="020B0509050000020004" pitchFamily="49" charset="0"/>
+              </a:rPr>
+              <a:t> </a:t>
+            </a:r>
+          </a:p>
+          <a:p>
+            <a:pPr lvl="1">
+              <a:lnSpc>
+                <a:spcPct val="120000"/>
+              </a:lnSpc>
+            </a:pPr>
+            <a:r>
+              <a:rPr lang="en-US" altLang="zh-CN" dirty="0"/>
+              <a:t>Reach </a:t>
+            </a:r>
+            <a:r>
+              <a:rPr lang="en-US" altLang="zh-CN" dirty="0">
+                <a:solidFill>
+                  <a:srgbClr val="005CC5"/>
+                </a:solidFill>
+                <a:latin typeface="Fira Code" panose="020B0509050000020004" pitchFamily="49" charset="0"/>
+                <a:ea typeface="Fira Code" panose="020B0509050000020004" pitchFamily="49" charset="0"/>
+              </a:rPr>
+              <a:t>0.979</a:t>
+            </a:r>
+            <a:r>
+              <a:rPr lang="en-US" altLang="zh-CN" dirty="0"/>
+              <a:t> test accuracy after </a:t>
+            </a:r>
+            <a:r>
+              <a:rPr lang="en-US" altLang="zh-CN" sz="2400" dirty="0">
+                <a:solidFill>
+                  <a:srgbClr val="005CC5"/>
+                </a:solidFill>
+                <a:latin typeface="Fira Code" panose="020B0509050000020004" pitchFamily="49" charset="0"/>
+                <a:ea typeface="Fira Code" panose="020B0509050000020004" pitchFamily="49" charset="0"/>
+              </a:rPr>
+              <a:t>20</a:t>
+            </a:r>
+            <a:r>
+              <a:rPr lang="en-US" altLang="zh-CN" dirty="0"/>
+              <a:t> epochs</a:t>
+            </a:r>
+          </a:p>
+          <a:p>
+            <a:pPr lvl="1">
+              <a:lnSpc>
+                <a:spcPct val="120000"/>
+              </a:lnSpc>
+            </a:pPr>
+            <a:r>
+              <a:rPr lang="en-US" altLang="zh-CN" dirty="0"/>
+              <a:t>Reach </a:t>
+            </a:r>
+            <a:r>
+              <a:rPr lang="en-US" altLang="zh-CN" dirty="0">
+                <a:solidFill>
+                  <a:srgbClr val="005CC5"/>
+                </a:solidFill>
+                <a:latin typeface="Fira Code" panose="020B0509050000020004" pitchFamily="49" charset="0"/>
+                <a:ea typeface="Fira Code" panose="020B0509050000020004" pitchFamily="49" charset="0"/>
+              </a:rPr>
+              <a:t>0.0226</a:t>
+            </a:r>
+            <a:r>
+              <a:rPr lang="en-US" altLang="zh-CN" dirty="0"/>
+              <a:t> test MSE after </a:t>
+            </a:r>
+            <a:r>
+              <a:rPr kumimoji="0" lang="en-US" altLang="zh-CN" sz="2400" b="0" i="0" u="none" strike="noStrike" kern="1200" cap="none" spc="0" normalizeH="0" baseline="0" noProof="0" dirty="0">
+                <a:ln>
+                  <a:noFill/>
+                </a:ln>
+                <a:solidFill>
+                  <a:srgbClr val="005CC5"/>
+                </a:solidFill>
+                <a:effectLst/>
+                <a:uLnTx/>
+                <a:uFillTx/>
+                <a:latin typeface="Fira Code" panose="020B0509050000020004" pitchFamily="49" charset="0"/>
+                <a:ea typeface="Fira Code" panose="020B0509050000020004" pitchFamily="49" charset="0"/>
+                <a:cs typeface="+mn-cs"/>
+              </a:rPr>
+              <a:t>46</a:t>
+            </a:r>
+            <a:r>
+              <a:rPr lang="en-US" altLang="zh-CN" dirty="0"/>
+              <a:t> epochs</a:t>
+            </a:r>
+            <a:endParaRPr lang="en-US" altLang="zh-CN" dirty="0">
+              <a:solidFill>
+                <a:prstClr val="black"/>
+              </a:solidFill>
+              <a:latin typeface="Segoe UI Variable Small"/>
+              <a:ea typeface="等线"/>
+            </a:endParaRPr>
+          </a:p>
+          <a:p>
+            <a:pPr>
+              <a:lnSpc>
+                <a:spcPct val="120000"/>
+              </a:lnSpc>
+            </a:pPr>
+            <a:r>
+              <a:rPr lang="en-US" altLang="zh-CN" dirty="0"/>
+              <a:t>Pairwise CNN</a:t>
+            </a:r>
+          </a:p>
+          <a:p>
+            <a:pPr lvl="1">
+              <a:lnSpc>
+                <a:spcPct val="120000"/>
+              </a:lnSpc>
+            </a:pPr>
+            <a:r>
+              <a:rPr lang="en-US" altLang="zh-CN" dirty="0">
+                <a:latin typeface="Fira Code" panose="020B0509050000020004" pitchFamily="49" charset="0"/>
+                <a:ea typeface="Fira Code" panose="020B0509050000020004" pitchFamily="49" charset="0"/>
+              </a:rPr>
+              <a:t>lr=</a:t>
+            </a:r>
+            <a:r>
+              <a:rPr lang="en-US" altLang="zh-CN" dirty="0">
+                <a:solidFill>
+                  <a:srgbClr val="005CC5"/>
+                </a:solidFill>
+                <a:latin typeface="Fira Code" panose="020B0509050000020004" pitchFamily="49" charset="0"/>
+                <a:ea typeface="Fira Code" panose="020B0509050000020004" pitchFamily="49" charset="0"/>
+              </a:rPr>
+              <a:t>2e-5</a:t>
+            </a:r>
+            <a:r>
+              <a:rPr lang="en-US" altLang="zh-CN" dirty="0">
+                <a:latin typeface="Fira Code" panose="020B0509050000020004" pitchFamily="49" charset="0"/>
+                <a:ea typeface="Fira Code" panose="020B0509050000020004" pitchFamily="49" charset="0"/>
+              </a:rPr>
+              <a:t> batch_size=</a:t>
+            </a:r>
+            <a:r>
+              <a:rPr lang="en-US" altLang="zh-CN" dirty="0">
+                <a:solidFill>
+                  <a:srgbClr val="005CC5"/>
+                </a:solidFill>
+                <a:latin typeface="Fira Code" panose="020B0509050000020004" pitchFamily="49" charset="0"/>
+                <a:ea typeface="Fira Code" panose="020B0509050000020004" pitchFamily="49" charset="0"/>
+              </a:rPr>
+              <a:t>64</a:t>
+            </a:r>
+            <a:r>
+              <a:rPr lang="en-US" altLang="zh-CN" dirty="0">
+                <a:latin typeface="Fira Code" panose="020B0509050000020004" pitchFamily="49" charset="0"/>
+                <a:ea typeface="Fira Code" panose="020B0509050000020004" pitchFamily="49" charset="0"/>
+              </a:rPr>
+              <a:t> </a:t>
+            </a:r>
+          </a:p>
+          <a:p>
+            <a:pPr lvl="1">
+              <a:lnSpc>
+                <a:spcPct val="120000"/>
+              </a:lnSpc>
+            </a:pPr>
+            <a:r>
+              <a:rPr lang="en-US" altLang="zh-CN" dirty="0"/>
+              <a:t>Reach </a:t>
+            </a:r>
+            <a:r>
+              <a:rPr lang="en-US" altLang="zh-CN" dirty="0">
+                <a:solidFill>
+                  <a:srgbClr val="005CC5"/>
+                </a:solidFill>
+                <a:latin typeface="Fira Code" panose="020B0509050000020004" pitchFamily="49" charset="0"/>
+                <a:ea typeface="Fira Code" panose="020B0509050000020004" pitchFamily="49" charset="0"/>
+              </a:rPr>
+              <a:t>1e-3 </a:t>
+            </a:r>
+            <a:r>
+              <a:rPr lang="en-US" altLang="zh-CN" dirty="0"/>
+              <a:t>test accuracy after </a:t>
+            </a:r>
+            <a:r>
+              <a:rPr lang="en-US" altLang="zh-CN" sz="2400" dirty="0">
+                <a:solidFill>
+                  <a:srgbClr val="005CC5"/>
+                </a:solidFill>
+                <a:latin typeface="Fira Code" panose="020B0509050000020004" pitchFamily="49" charset="0"/>
+                <a:ea typeface="Fira Code" panose="020B0509050000020004" pitchFamily="49" charset="0"/>
+              </a:rPr>
+              <a:t>15</a:t>
+            </a:r>
+            <a:r>
+              <a:rPr lang="en-US" altLang="zh-CN" dirty="0"/>
+              <a:t> epochs</a:t>
+            </a:r>
+          </a:p>
+          <a:p>
+            <a:pPr lvl="1">
+              <a:lnSpc>
+                <a:spcPct val="120000"/>
+              </a:lnSpc>
+            </a:pPr>
+            <a:r>
+              <a:rPr lang="en-US" altLang="zh-CN" dirty="0"/>
+              <a:t>Reach </a:t>
+            </a:r>
+            <a:r>
+              <a:rPr lang="en-US" altLang="zh-CN" dirty="0">
+                <a:solidFill>
+                  <a:srgbClr val="005CC5"/>
+                </a:solidFill>
+                <a:latin typeface="Fira Code" panose="020B0509050000020004" pitchFamily="49" charset="0"/>
+                <a:ea typeface="Fira Code" panose="020B0509050000020004" pitchFamily="49" charset="0"/>
+              </a:rPr>
+              <a:t>1e-3</a:t>
+            </a:r>
+            <a:r>
+              <a:rPr lang="en-US" altLang="zh-CN" dirty="0"/>
+              <a:t> test MSE after </a:t>
+            </a:r>
+            <a:r>
+              <a:rPr kumimoji="0" lang="en-US" altLang="zh-CN" sz="2400" b="0" i="0" u="none" strike="noStrike" kern="1200" cap="none" spc="0" normalizeH="0" baseline="0" noProof="0" dirty="0">
+                <a:ln>
+                  <a:noFill/>
+                </a:ln>
+                <a:solidFill>
+                  <a:srgbClr val="005CC5"/>
+                </a:solidFill>
+                <a:effectLst/>
+                <a:uLnTx/>
+                <a:uFillTx/>
+                <a:latin typeface="Fira Code" panose="020B0509050000020004" pitchFamily="49" charset="0"/>
+                <a:ea typeface="Fira Code" panose="020B0509050000020004" pitchFamily="49" charset="0"/>
+                <a:cs typeface="+mn-cs"/>
+              </a:rPr>
+              <a:t>20</a:t>
+            </a:r>
+            <a:r>
+              <a:rPr lang="en-US" altLang="zh-CN" dirty="0"/>
+              <a:t> epochs</a:t>
+            </a:r>
+            <a:endParaRPr lang="en-US" altLang="zh-CN" dirty="0">
+              <a:solidFill>
+                <a:prstClr val="black"/>
+              </a:solidFill>
+              <a:latin typeface="Segoe UI Variable Small"/>
+              <a:ea typeface="等线"/>
+            </a:endParaRPr>
+          </a:p>
+          <a:p>
+            <a:pPr>
+              <a:lnSpc>
+                <a:spcPct val="120000"/>
+              </a:lnSpc>
+            </a:pPr>
+            <a:r>
+              <a:rPr lang="en-US" altLang="zh-CN" dirty="0">
+                <a:solidFill>
+                  <a:prstClr val="black"/>
+                </a:solidFill>
+                <a:latin typeface="Segoe UI Variable Small"/>
+                <a:ea typeface="等线"/>
+              </a:rPr>
+              <a:t>Conclusion:</a:t>
+            </a:r>
+          </a:p>
+          <a:p>
+            <a:pPr lvl="1">
+              <a:lnSpc>
+                <a:spcPct val="120000"/>
+              </a:lnSpc>
+            </a:pPr>
+            <a:r>
+              <a:rPr lang="en-US" altLang="zh-CN" dirty="0">
+                <a:solidFill>
+                  <a:prstClr val="black"/>
+                </a:solidFill>
+                <a:latin typeface="Segoe UI Variable Small"/>
+                <a:ea typeface="等线"/>
+              </a:rPr>
+              <a:t>Test accuracy decreases as test MSE decreases</a:t>
+            </a:r>
+          </a:p>
+          <a:p>
+            <a:pPr lvl="1">
+              <a:lnSpc>
+                <a:spcPct val="120000"/>
+              </a:lnSpc>
+            </a:pPr>
+            <a:r>
+              <a:rPr lang="en-US" altLang="zh-CN" dirty="0">
+                <a:solidFill>
+                  <a:prstClr val="black"/>
+                </a:solidFill>
+                <a:latin typeface="Segoe UI Variable Small"/>
+                <a:ea typeface="等线"/>
+              </a:rPr>
+              <a:t>Directly fit each MSA with its score</a:t>
+            </a:r>
+            <a:endParaRPr lang="en-US" altLang="zh-CN" b="1" dirty="0">
+              <a:solidFill>
+                <a:prstClr val="black"/>
+              </a:solidFill>
+              <a:effectLst/>
+              <a:latin typeface="Segoe UI Variable Small"/>
+              <a:ea typeface="等线"/>
+            </a:endParaRPr>
+          </a:p>
+        </p:txBody>
+      </p:sp>
       <p:pic>
         <p:nvPicPr>
-          <p:cNvPr id="5" name="图片 4">
-            <a:extLst>
-              <a:ext uri="{FF2B5EF4-FFF2-40B4-BE49-F238E27FC236}">
-                <a16:creationId xmlns:a16="http://schemas.microsoft.com/office/drawing/2014/main" id="{FD3A8F5E-9B07-A853-F4C9-2A94C3427469}"/>
+          <p:cNvPr id="11" name="图片 10">
+            <a:extLst>
+              <a:ext uri="{FF2B5EF4-FFF2-40B4-BE49-F238E27FC236}">
+                <a16:creationId xmlns:a16="http://schemas.microsoft.com/office/drawing/2014/main" id="{FE3CFF10-C257-1C15-44D4-1B360D24ED28}"/>
               </a:ext>
             </a:extLst>
           </p:cNvPr>
@@ -6955,15 +8714,20 @@
           <p:nvPr/>
         </p:nvPicPr>
         <p:blipFill>
-          <a:blip r:embed="rId2"/>
-          <a:stretch>
-            <a:fillRect/>
-          </a:stretch>
+          <a:blip r:embed="rId3">
+            <a:extLst>
+              <a:ext uri="{28A0092B-C50C-407E-A947-70E740481C1C}">
+                <a14:useLocalDpi xmlns:a14="http://schemas.microsoft.com/office/drawing/2010/main" val="0"/>
+              </a:ext>
+            </a:extLst>
+          </a:blip>
+          <a:srcRect/>
+          <a:stretch/>
         </p:blipFill>
         <p:spPr>
           <a:xfrm>
-            <a:off x="6850557" y="1825625"/>
-            <a:ext cx="5161667" cy="3693340"/>
+            <a:off x="7389375" y="1546749"/>
+            <a:ext cx="4202513" cy="2149841"/>
           </a:xfrm>
           <a:prstGeom prst="rect">
             <a:avLst/>
@@ -7000,7 +8764,7 @@
           <a:p>
             <a:r>
               <a:rPr lang="en-US" altLang="zh-CN" sz="4000" dirty="0"/>
-              <a:t>Results: Pointwise Scoring Network</a:t>
+              <a:t>Results: Siamese Network + Pairwise Loss</a:t>
             </a:r>
             <a:endParaRPr lang="zh-CN" altLang="en-US" sz="4000" dirty="0"/>
           </a:p>
@@ -7008,211 +8772,480 @@
       </p:sp>
       <p:sp>
         <p:nvSpPr>
-          <p:cNvPr id="3" name="内容占位符 2">
-            <a:extLst>
-              <a:ext uri="{FF2B5EF4-FFF2-40B4-BE49-F238E27FC236}">
-                <a16:creationId xmlns:a16="http://schemas.microsoft.com/office/drawing/2014/main" id="{315B6581-33DA-9153-D0E9-33450B880F47}"/>
-              </a:ext>
-            </a:extLst>
-          </p:cNvPr>
-          <p:cNvSpPr>
-            <a:spLocks noGrp="1"/>
+          <p:cNvPr id="9" name="内容占位符 2">
+            <a:extLst>
+              <a:ext uri="{FF2B5EF4-FFF2-40B4-BE49-F238E27FC236}">
+                <a16:creationId xmlns:a16="http://schemas.microsoft.com/office/drawing/2014/main" id="{FA654218-3C4C-4BCC-A623-EEC3A08F8B62}"/>
+              </a:ext>
+            </a:extLst>
+          </p:cNvPr>
+          <p:cNvSpPr txBox="1">
+            <a:spLocks/>
           </p:cNvSpPr>
-          <p:nvPr>
-            <p:ph idx="1"/>
-          </p:nvPr>
+          <p:nvPr/>
         </p:nvSpPr>
         <p:spPr>
           <a:xfrm>
-            <a:off x="838200" y="1825624"/>
-            <a:ext cx="5689600" cy="4308476"/>
+            <a:off x="10493640" y="3554955"/>
+            <a:ext cx="922903" cy="283271"/>
           </a:xfrm>
+          <a:prstGeom prst="rect">
+            <a:avLst/>
+          </a:prstGeom>
         </p:spPr>
         <p:txBody>
-          <a:bodyPr>
-            <a:normAutofit/>
+          <a:bodyPr vert="horz" lIns="91440" tIns="45720" rIns="91440" bIns="45720" rtlCol="0">
+            <a:noAutofit/>
           </a:bodyPr>
-          <a:lstStyle/>
-          <a:p>
-            <a:r>
-              <a:rPr lang="en-US" altLang="zh-CN" dirty="0"/>
-              <a:t>MLP: </a:t>
-            </a:r>
-            <a:r>
-              <a:rPr lang="en-US" altLang="zh-CN" sz="2400" b="0" dirty="0">
-                <a:solidFill>
-                  <a:srgbClr val="005CC5"/>
-                </a:solidFill>
-                <a:effectLst/>
-                <a:latin typeface="Fira Code" panose="020B0509050000020004" pitchFamily="49" charset="0"/>
-              </a:rPr>
-              <a:t>0.00826</a:t>
-            </a:r>
-            <a:r>
-              <a:rPr lang="en-US" altLang="zh-CN" dirty="0"/>
-              <a:t> train MSE after </a:t>
-            </a:r>
-            <a:r>
-              <a:rPr lang="en-US" altLang="zh-CN" sz="2400" b="0" dirty="0">
-                <a:solidFill>
-                  <a:srgbClr val="005CC5"/>
-                </a:solidFill>
-                <a:effectLst/>
-                <a:latin typeface="Fira Code" panose="020B0509050000020004" pitchFamily="49" charset="0"/>
-              </a:rPr>
-              <a:t>20</a:t>
-            </a:r>
-            <a:r>
-              <a:rPr lang="en-US" altLang="zh-CN" dirty="0"/>
-              <a:t> epochs</a:t>
-            </a:r>
-            <a:endParaRPr lang="en-US" altLang="zh-CN" dirty="0">
-              <a:solidFill>
-                <a:prstClr val="black"/>
-              </a:solidFill>
-              <a:latin typeface="Segoe UI Variable Small"/>
-              <a:ea typeface="等线"/>
-            </a:endParaRPr>
-          </a:p>
-          <a:p>
-            <a:r>
-              <a:rPr lang="en-US" altLang="zh-CN" b="0" dirty="0">
-                <a:solidFill>
-                  <a:prstClr val="black"/>
-                </a:solidFill>
-                <a:effectLst/>
-                <a:latin typeface="Segoe UI Variable Small"/>
-                <a:ea typeface="等线"/>
-              </a:rPr>
-              <a:t>CNN: </a:t>
-            </a:r>
-            <a:r>
-              <a:rPr lang="en-US" altLang="zh-CN" sz="2400" b="0" dirty="0">
-                <a:solidFill>
-                  <a:srgbClr val="005CC5"/>
-                </a:solidFill>
-                <a:effectLst/>
-                <a:latin typeface="Fira Code" panose="020B0509050000020004" pitchFamily="49" charset="0"/>
-              </a:rPr>
-              <a:t>0.00826</a:t>
-            </a:r>
-            <a:r>
-              <a:rPr lang="en-US" altLang="zh-CN" dirty="0"/>
-              <a:t> train MSE after </a:t>
-            </a:r>
-            <a:r>
-              <a:rPr lang="en-US" altLang="zh-CN" sz="2400" b="0" dirty="0">
-                <a:solidFill>
-                  <a:srgbClr val="005CC5"/>
-                </a:solidFill>
-                <a:effectLst/>
-                <a:latin typeface="Fira Code" panose="020B0509050000020004" pitchFamily="49" charset="0"/>
-              </a:rPr>
-              <a:t>20</a:t>
-            </a:r>
-            <a:r>
-              <a:rPr lang="en-US" altLang="zh-CN" dirty="0"/>
-              <a:t> epochs</a:t>
-            </a:r>
-            <a:r>
-              <a:rPr lang="en-US" altLang="zh-CN" b="0" dirty="0">
-                <a:solidFill>
-                  <a:prstClr val="black"/>
-                </a:solidFill>
-                <a:effectLst/>
-                <a:latin typeface="Segoe UI Variable Small"/>
-                <a:ea typeface="等线"/>
-              </a:rPr>
-              <a:t> </a:t>
-            </a:r>
-            <a:endParaRPr lang="en-US" altLang="zh-CN" dirty="0">
-              <a:solidFill>
-                <a:prstClr val="black"/>
-              </a:solidFill>
-              <a:latin typeface="Segoe UI Variable Small"/>
-              <a:ea typeface="等线"/>
-            </a:endParaRPr>
-          </a:p>
-          <a:p>
-            <a:r>
-              <a:rPr lang="en-US" altLang="zh-CN" dirty="0">
-                <a:solidFill>
-                  <a:prstClr val="black"/>
-                </a:solidFill>
-                <a:latin typeface="Segoe UI Variable Small"/>
-                <a:ea typeface="等线"/>
-              </a:rPr>
-              <a:t>Naïve baseline for comparison:</a:t>
-            </a:r>
-          </a:p>
-          <a:p>
-            <a:pPr lvl="1"/>
-            <a:r>
-              <a:rPr lang="en-US" altLang="zh-CN" dirty="0">
-                <a:solidFill>
-                  <a:prstClr val="black"/>
-                </a:solidFill>
-                <a:latin typeface="Segoe UI Variable Small"/>
-                <a:ea typeface="等线"/>
-              </a:rPr>
-              <a:t>output MSA with more sequences</a:t>
-            </a:r>
-          </a:p>
-          <a:p>
-            <a:pPr lvl="1"/>
-            <a:r>
-              <a:rPr lang="en-US" altLang="zh-CN" dirty="0">
-                <a:solidFill>
-                  <a:prstClr val="black"/>
-                </a:solidFill>
-                <a:latin typeface="Segoe UI Variable Small"/>
-                <a:ea typeface="等线"/>
-              </a:rPr>
-              <a:t>baseline test acc: </a:t>
-            </a:r>
-            <a:r>
-              <a:rPr lang="en-US" altLang="zh-CN" b="0" dirty="0">
-                <a:solidFill>
-                  <a:srgbClr val="005CC5"/>
-                </a:solidFill>
-                <a:effectLst/>
-                <a:latin typeface="Fira Code" panose="020B0509050000020004" pitchFamily="49" charset="0"/>
-              </a:rPr>
-              <a:t>0.7789</a:t>
-            </a:r>
-          </a:p>
-          <a:p>
-            <a:pPr lvl="1"/>
-            <a:r>
-              <a:rPr lang="en-US" altLang="zh-CN" dirty="0">
-                <a:solidFill>
-                  <a:prstClr val="black"/>
-                </a:solidFill>
-                <a:latin typeface="Segoe UI Variable Small"/>
-                <a:ea typeface="等线"/>
-              </a:rPr>
-              <a:t>a great boost!</a:t>
-            </a:r>
-          </a:p>
-          <a:p>
-            <a:pPr marL="457200" lvl="1" indent="0">
+          <a:lstStyle>
+            <a:lvl1pPr marL="228600" indent="-228600" algn="l" defTabSz="914400" rtl="0" eaLnBrk="1" latinLnBrk="0" hangingPunct="1">
+              <a:lnSpc>
+                <a:spcPct val="90000"/>
+              </a:lnSpc>
+              <a:spcBef>
+                <a:spcPts val="1000"/>
+              </a:spcBef>
+              <a:buFont typeface="Arial" panose="020B0604020202020204" pitchFamily="34" charset="0"/>
+              <a:buChar char="•"/>
+              <a:defRPr sz="2800" kern="1200">
+                <a:solidFill>
+                  <a:schemeClr val="tx1"/>
+                </a:solidFill>
+                <a:latin typeface="+mn-lt"/>
+                <a:ea typeface="+mn-ea"/>
+                <a:cs typeface="+mn-cs"/>
+              </a:defRPr>
+            </a:lvl1pPr>
+            <a:lvl2pPr marL="685800" indent="-228600" algn="l" defTabSz="914400" rtl="0" eaLnBrk="1" latinLnBrk="0" hangingPunct="1">
+              <a:lnSpc>
+                <a:spcPct val="90000"/>
+              </a:lnSpc>
+              <a:spcBef>
+                <a:spcPts val="500"/>
+              </a:spcBef>
+              <a:buFont typeface="Arial" panose="020B0604020202020204" pitchFamily="34" charset="0"/>
+              <a:buChar char="•"/>
+              <a:defRPr sz="2400" kern="1200">
+                <a:solidFill>
+                  <a:schemeClr val="tx1"/>
+                </a:solidFill>
+                <a:latin typeface="+mn-lt"/>
+                <a:ea typeface="+mn-ea"/>
+                <a:cs typeface="+mn-cs"/>
+              </a:defRPr>
+            </a:lvl2pPr>
+            <a:lvl3pPr marL="1143000" indent="-228600" algn="l" defTabSz="914400" rtl="0" eaLnBrk="1" latinLnBrk="0" hangingPunct="1">
+              <a:lnSpc>
+                <a:spcPct val="90000"/>
+              </a:lnSpc>
+              <a:spcBef>
+                <a:spcPts val="500"/>
+              </a:spcBef>
+              <a:buFont typeface="Arial" panose="020B0604020202020204" pitchFamily="34" charset="0"/>
+              <a:buChar char="•"/>
+              <a:defRPr sz="2000" kern="1200">
+                <a:solidFill>
+                  <a:schemeClr val="tx1"/>
+                </a:solidFill>
+                <a:latin typeface="+mn-lt"/>
+                <a:ea typeface="+mn-ea"/>
+                <a:cs typeface="+mn-cs"/>
+              </a:defRPr>
+            </a:lvl3pPr>
+            <a:lvl4pPr marL="1600200" indent="-228600" algn="l" defTabSz="914400" rtl="0" eaLnBrk="1" latinLnBrk="0" hangingPunct="1">
+              <a:lnSpc>
+                <a:spcPct val="90000"/>
+              </a:lnSpc>
+              <a:spcBef>
+                <a:spcPts val="500"/>
+              </a:spcBef>
+              <a:buFont typeface="Arial" panose="020B0604020202020204" pitchFamily="34" charset="0"/>
+              <a:buChar char="•"/>
+              <a:defRPr sz="1800" kern="1200">
+                <a:solidFill>
+                  <a:schemeClr val="tx1"/>
+                </a:solidFill>
+                <a:latin typeface="+mn-lt"/>
+                <a:ea typeface="+mn-ea"/>
+                <a:cs typeface="+mn-cs"/>
+              </a:defRPr>
+            </a:lvl4pPr>
+            <a:lvl5pPr marL="2057400" indent="-228600" algn="l" defTabSz="914400" rtl="0" eaLnBrk="1" latinLnBrk="0" hangingPunct="1">
+              <a:lnSpc>
+                <a:spcPct val="90000"/>
+              </a:lnSpc>
+              <a:spcBef>
+                <a:spcPts val="500"/>
+              </a:spcBef>
+              <a:buFont typeface="Arial" panose="020B0604020202020204" pitchFamily="34" charset="0"/>
+              <a:buChar char="•"/>
+              <a:defRPr sz="1800" kern="1200">
+                <a:solidFill>
+                  <a:schemeClr val="tx1"/>
+                </a:solidFill>
+                <a:latin typeface="+mn-lt"/>
+                <a:ea typeface="+mn-ea"/>
+                <a:cs typeface="+mn-cs"/>
+              </a:defRPr>
+            </a:lvl5pPr>
+            <a:lvl6pPr marL="2514600" indent="-228600" algn="l" defTabSz="914400" rtl="0" eaLnBrk="1" latinLnBrk="0" hangingPunct="1">
+              <a:lnSpc>
+                <a:spcPct val="90000"/>
+              </a:lnSpc>
+              <a:spcBef>
+                <a:spcPts val="500"/>
+              </a:spcBef>
+              <a:buFont typeface="Arial" panose="020B0604020202020204" pitchFamily="34" charset="0"/>
+              <a:buChar char="•"/>
+              <a:defRPr sz="1800" kern="1200">
+                <a:solidFill>
+                  <a:schemeClr val="tx1"/>
+                </a:solidFill>
+                <a:latin typeface="+mn-lt"/>
+                <a:ea typeface="+mn-ea"/>
+                <a:cs typeface="+mn-cs"/>
+              </a:defRPr>
+            </a:lvl6pPr>
+            <a:lvl7pPr marL="2971800" indent="-228600" algn="l" defTabSz="914400" rtl="0" eaLnBrk="1" latinLnBrk="0" hangingPunct="1">
+              <a:lnSpc>
+                <a:spcPct val="90000"/>
+              </a:lnSpc>
+              <a:spcBef>
+                <a:spcPts val="500"/>
+              </a:spcBef>
+              <a:buFont typeface="Arial" panose="020B0604020202020204" pitchFamily="34" charset="0"/>
+              <a:buChar char="•"/>
+              <a:defRPr sz="1800" kern="1200">
+                <a:solidFill>
+                  <a:schemeClr val="tx1"/>
+                </a:solidFill>
+                <a:latin typeface="+mn-lt"/>
+                <a:ea typeface="+mn-ea"/>
+                <a:cs typeface="+mn-cs"/>
+              </a:defRPr>
+            </a:lvl7pPr>
+            <a:lvl8pPr marL="3429000" indent="-228600" algn="l" defTabSz="914400" rtl="0" eaLnBrk="1" latinLnBrk="0" hangingPunct="1">
+              <a:lnSpc>
+                <a:spcPct val="90000"/>
+              </a:lnSpc>
+              <a:spcBef>
+                <a:spcPts val="500"/>
+              </a:spcBef>
+              <a:buFont typeface="Arial" panose="020B0604020202020204" pitchFamily="34" charset="0"/>
+              <a:buChar char="•"/>
+              <a:defRPr sz="1800" kern="1200">
+                <a:solidFill>
+                  <a:schemeClr val="tx1"/>
+                </a:solidFill>
+                <a:latin typeface="+mn-lt"/>
+                <a:ea typeface="+mn-ea"/>
+                <a:cs typeface="+mn-cs"/>
+              </a:defRPr>
+            </a:lvl8pPr>
+            <a:lvl9pPr marL="3886200" indent="-228600" algn="l" defTabSz="914400" rtl="0" eaLnBrk="1" latinLnBrk="0" hangingPunct="1">
+              <a:lnSpc>
+                <a:spcPct val="90000"/>
+              </a:lnSpc>
+              <a:spcBef>
+                <a:spcPts val="500"/>
+              </a:spcBef>
+              <a:buFont typeface="Arial" panose="020B0604020202020204" pitchFamily="34" charset="0"/>
+              <a:buChar char="•"/>
+              <a:defRPr sz="1800" kern="1200">
+                <a:solidFill>
+                  <a:schemeClr val="tx1"/>
+                </a:solidFill>
+                <a:latin typeface="+mn-lt"/>
+                <a:ea typeface="+mn-ea"/>
+                <a:cs typeface="+mn-cs"/>
+              </a:defRPr>
+            </a:lvl9pPr>
+          </a:lstStyle>
+          <a:p>
+            <a:pPr marL="0" indent="0">
               <a:buNone/>
             </a:pPr>
-            <a:endParaRPr lang="en-US" altLang="zh-CN" b="0" dirty="0">
+            <a:r>
+              <a:rPr lang="en-US" altLang="zh-CN" sz="1100" dirty="0">
+                <a:solidFill>
+                  <a:schemeClr val="tx1">
+                    <a:lumMod val="50000"/>
+                    <a:lumOff val="50000"/>
+                  </a:schemeClr>
+                </a:solidFill>
+                <a:latin typeface="Helvetica Now Display Light" panose="020B0404030202020204" pitchFamily="34" charset="0"/>
+                <a:cs typeface="Helvetica Now Display Light" panose="020B0404030202020204" pitchFamily="34" charset="0"/>
+              </a:rPr>
+              <a:t>MLP Result</a:t>
+            </a:r>
+            <a:endParaRPr lang="zh-CN" altLang="en-US" sz="1100" dirty="0">
               <a:solidFill>
-                <a:prstClr val="black"/>
+                <a:schemeClr val="tx1">
+                  <a:lumMod val="50000"/>
+                  <a:lumOff val="50000"/>
+                </a:schemeClr>
               </a:solidFill>
-              <a:effectLst/>
-              <a:latin typeface="Segoe UI Variable Small"/>
-              <a:ea typeface="等线"/>
+              <a:latin typeface="Helvetica Now Display Light" panose="020B0404030202020204" pitchFamily="34" charset="0"/>
+              <a:cs typeface="Helvetica Now Display Light" panose="020B0404030202020204" pitchFamily="34" charset="0"/>
             </a:endParaRPr>
           </a:p>
         </p:txBody>
       </p:sp>
+      <p:sp>
+        <p:nvSpPr>
+          <p:cNvPr id="12" name="内容占位符 2">
+            <a:extLst>
+              <a:ext uri="{FF2B5EF4-FFF2-40B4-BE49-F238E27FC236}">
+                <a16:creationId xmlns:a16="http://schemas.microsoft.com/office/drawing/2014/main" id="{F5249EE3-EE5B-81D0-082E-BF8721428614}"/>
+              </a:ext>
+            </a:extLst>
+          </p:cNvPr>
+          <p:cNvSpPr txBox="1">
+            <a:spLocks/>
+          </p:cNvSpPr>
+          <p:nvPr/>
+        </p:nvSpPr>
+        <p:spPr>
+          <a:xfrm>
+            <a:off x="10493640" y="5785835"/>
+            <a:ext cx="922903" cy="283271"/>
+          </a:xfrm>
+          <a:prstGeom prst="rect">
+            <a:avLst/>
+          </a:prstGeom>
+        </p:spPr>
+        <p:txBody>
+          <a:bodyPr vert="horz" lIns="91440" tIns="45720" rIns="91440" bIns="45720" rtlCol="0">
+            <a:noAutofit/>
+          </a:bodyPr>
+          <a:lstStyle>
+            <a:lvl1pPr marL="228600" indent="-228600" algn="l" defTabSz="914400" rtl="0" eaLnBrk="1" latinLnBrk="0" hangingPunct="1">
+              <a:lnSpc>
+                <a:spcPct val="90000"/>
+              </a:lnSpc>
+              <a:spcBef>
+                <a:spcPts val="1000"/>
+              </a:spcBef>
+              <a:buFont typeface="Arial" panose="020B0604020202020204" pitchFamily="34" charset="0"/>
+              <a:buChar char="•"/>
+              <a:defRPr sz="2800" kern="1200">
+                <a:solidFill>
+                  <a:schemeClr val="tx1"/>
+                </a:solidFill>
+                <a:latin typeface="+mn-lt"/>
+                <a:ea typeface="+mn-ea"/>
+                <a:cs typeface="+mn-cs"/>
+              </a:defRPr>
+            </a:lvl1pPr>
+            <a:lvl2pPr marL="685800" indent="-228600" algn="l" defTabSz="914400" rtl="0" eaLnBrk="1" latinLnBrk="0" hangingPunct="1">
+              <a:lnSpc>
+                <a:spcPct val="90000"/>
+              </a:lnSpc>
+              <a:spcBef>
+                <a:spcPts val="500"/>
+              </a:spcBef>
+              <a:buFont typeface="Arial" panose="020B0604020202020204" pitchFamily="34" charset="0"/>
+              <a:buChar char="•"/>
+              <a:defRPr sz="2400" kern="1200">
+                <a:solidFill>
+                  <a:schemeClr val="tx1"/>
+                </a:solidFill>
+                <a:latin typeface="+mn-lt"/>
+                <a:ea typeface="+mn-ea"/>
+                <a:cs typeface="+mn-cs"/>
+              </a:defRPr>
+            </a:lvl2pPr>
+            <a:lvl3pPr marL="1143000" indent="-228600" algn="l" defTabSz="914400" rtl="0" eaLnBrk="1" latinLnBrk="0" hangingPunct="1">
+              <a:lnSpc>
+                <a:spcPct val="90000"/>
+              </a:lnSpc>
+              <a:spcBef>
+                <a:spcPts val="500"/>
+              </a:spcBef>
+              <a:buFont typeface="Arial" panose="020B0604020202020204" pitchFamily="34" charset="0"/>
+              <a:buChar char="•"/>
+              <a:defRPr sz="2000" kern="1200">
+                <a:solidFill>
+                  <a:schemeClr val="tx1"/>
+                </a:solidFill>
+                <a:latin typeface="+mn-lt"/>
+                <a:ea typeface="+mn-ea"/>
+                <a:cs typeface="+mn-cs"/>
+              </a:defRPr>
+            </a:lvl3pPr>
+            <a:lvl4pPr marL="1600200" indent="-228600" algn="l" defTabSz="914400" rtl="0" eaLnBrk="1" latinLnBrk="0" hangingPunct="1">
+              <a:lnSpc>
+                <a:spcPct val="90000"/>
+              </a:lnSpc>
+              <a:spcBef>
+                <a:spcPts val="500"/>
+              </a:spcBef>
+              <a:buFont typeface="Arial" panose="020B0604020202020204" pitchFamily="34" charset="0"/>
+              <a:buChar char="•"/>
+              <a:defRPr sz="1800" kern="1200">
+                <a:solidFill>
+                  <a:schemeClr val="tx1"/>
+                </a:solidFill>
+                <a:latin typeface="+mn-lt"/>
+                <a:ea typeface="+mn-ea"/>
+                <a:cs typeface="+mn-cs"/>
+              </a:defRPr>
+            </a:lvl4pPr>
+            <a:lvl5pPr marL="2057400" indent="-228600" algn="l" defTabSz="914400" rtl="0" eaLnBrk="1" latinLnBrk="0" hangingPunct="1">
+              <a:lnSpc>
+                <a:spcPct val="90000"/>
+              </a:lnSpc>
+              <a:spcBef>
+                <a:spcPts val="500"/>
+              </a:spcBef>
+              <a:buFont typeface="Arial" panose="020B0604020202020204" pitchFamily="34" charset="0"/>
+              <a:buChar char="•"/>
+              <a:defRPr sz="1800" kern="1200">
+                <a:solidFill>
+                  <a:schemeClr val="tx1"/>
+                </a:solidFill>
+                <a:latin typeface="+mn-lt"/>
+                <a:ea typeface="+mn-ea"/>
+                <a:cs typeface="+mn-cs"/>
+              </a:defRPr>
+            </a:lvl5pPr>
+            <a:lvl6pPr marL="2514600" indent="-228600" algn="l" defTabSz="914400" rtl="0" eaLnBrk="1" latinLnBrk="0" hangingPunct="1">
+              <a:lnSpc>
+                <a:spcPct val="90000"/>
+              </a:lnSpc>
+              <a:spcBef>
+                <a:spcPts val="500"/>
+              </a:spcBef>
+              <a:buFont typeface="Arial" panose="020B0604020202020204" pitchFamily="34" charset="0"/>
+              <a:buChar char="•"/>
+              <a:defRPr sz="1800" kern="1200">
+                <a:solidFill>
+                  <a:schemeClr val="tx1"/>
+                </a:solidFill>
+                <a:latin typeface="+mn-lt"/>
+                <a:ea typeface="+mn-ea"/>
+                <a:cs typeface="+mn-cs"/>
+              </a:defRPr>
+            </a:lvl6pPr>
+            <a:lvl7pPr marL="2971800" indent="-228600" algn="l" defTabSz="914400" rtl="0" eaLnBrk="1" latinLnBrk="0" hangingPunct="1">
+              <a:lnSpc>
+                <a:spcPct val="90000"/>
+              </a:lnSpc>
+              <a:spcBef>
+                <a:spcPts val="500"/>
+              </a:spcBef>
+              <a:buFont typeface="Arial" panose="020B0604020202020204" pitchFamily="34" charset="0"/>
+              <a:buChar char="•"/>
+              <a:defRPr sz="1800" kern="1200">
+                <a:solidFill>
+                  <a:schemeClr val="tx1"/>
+                </a:solidFill>
+                <a:latin typeface="+mn-lt"/>
+                <a:ea typeface="+mn-ea"/>
+                <a:cs typeface="+mn-cs"/>
+              </a:defRPr>
+            </a:lvl7pPr>
+            <a:lvl8pPr marL="3429000" indent="-228600" algn="l" defTabSz="914400" rtl="0" eaLnBrk="1" latinLnBrk="0" hangingPunct="1">
+              <a:lnSpc>
+                <a:spcPct val="90000"/>
+              </a:lnSpc>
+              <a:spcBef>
+                <a:spcPts val="500"/>
+              </a:spcBef>
+              <a:buFont typeface="Arial" panose="020B0604020202020204" pitchFamily="34" charset="0"/>
+              <a:buChar char="•"/>
+              <a:defRPr sz="1800" kern="1200">
+                <a:solidFill>
+                  <a:schemeClr val="tx1"/>
+                </a:solidFill>
+                <a:latin typeface="+mn-lt"/>
+                <a:ea typeface="+mn-ea"/>
+                <a:cs typeface="+mn-cs"/>
+              </a:defRPr>
+            </a:lvl8pPr>
+            <a:lvl9pPr marL="3886200" indent="-228600" algn="l" defTabSz="914400" rtl="0" eaLnBrk="1" latinLnBrk="0" hangingPunct="1">
+              <a:lnSpc>
+                <a:spcPct val="90000"/>
+              </a:lnSpc>
+              <a:spcBef>
+                <a:spcPts val="500"/>
+              </a:spcBef>
+              <a:buFont typeface="Arial" panose="020B0604020202020204" pitchFamily="34" charset="0"/>
+              <a:buChar char="•"/>
+              <a:defRPr sz="1800" kern="1200">
+                <a:solidFill>
+                  <a:schemeClr val="tx1"/>
+                </a:solidFill>
+                <a:latin typeface="+mn-lt"/>
+                <a:ea typeface="+mn-ea"/>
+                <a:cs typeface="+mn-cs"/>
+              </a:defRPr>
+            </a:lvl9pPr>
+          </a:lstStyle>
+          <a:p>
+            <a:pPr marL="0" indent="0">
+              <a:buNone/>
+            </a:pPr>
+            <a:r>
+              <a:rPr lang="en-US" altLang="zh-CN" sz="1100" dirty="0">
+                <a:solidFill>
+                  <a:schemeClr val="tx1">
+                    <a:lumMod val="50000"/>
+                    <a:lumOff val="50000"/>
+                  </a:schemeClr>
+                </a:solidFill>
+                <a:latin typeface="Helvetica Now Display Light" panose="020B0404030202020204" pitchFamily="34" charset="0"/>
+                <a:cs typeface="Helvetica Now Display Light" panose="020B0404030202020204" pitchFamily="34" charset="0"/>
+              </a:rPr>
+              <a:t>CNN Result</a:t>
+            </a:r>
+            <a:endParaRPr lang="zh-CN" altLang="en-US" sz="1100" dirty="0">
+              <a:solidFill>
+                <a:schemeClr val="tx1">
+                  <a:lumMod val="50000"/>
+                  <a:lumOff val="50000"/>
+                </a:schemeClr>
+              </a:solidFill>
+              <a:latin typeface="Helvetica Now Display Light" panose="020B0404030202020204" pitchFamily="34" charset="0"/>
+              <a:cs typeface="Helvetica Now Display Light" panose="020B0404030202020204" pitchFamily="34" charset="0"/>
+            </a:endParaRPr>
+          </a:p>
+        </p:txBody>
+      </p:sp>
+      <p:pic>
+        <p:nvPicPr>
+          <p:cNvPr id="7" name="图片 6">
+            <a:extLst>
+              <a:ext uri="{FF2B5EF4-FFF2-40B4-BE49-F238E27FC236}">
+                <a16:creationId xmlns:a16="http://schemas.microsoft.com/office/drawing/2014/main" id="{DEB386AE-72FA-B10A-6647-CEF2BC5E9055}"/>
+              </a:ext>
+            </a:extLst>
+          </p:cNvPr>
+          <p:cNvPicPr>
+            <a:picLocks noChangeAspect="1"/>
+          </p:cNvPicPr>
+          <p:nvPr/>
+        </p:nvPicPr>
+        <p:blipFill>
+          <a:blip r:embed="rId4"/>
+          <a:stretch>
+            <a:fillRect/>
+          </a:stretch>
+        </p:blipFill>
+        <p:spPr>
+          <a:xfrm>
+            <a:off x="7437360" y="3638297"/>
+            <a:ext cx="4203003" cy="2064196"/>
+          </a:xfrm>
+          <a:prstGeom prst="rect">
+            <a:avLst/>
+          </a:prstGeom>
+        </p:spPr>
+      </p:pic>
     </p:spTree>
     <p:extLst>
       <p:ext uri="{BB962C8B-B14F-4D97-AF65-F5344CB8AC3E}">
-        <p14:creationId xmlns:p14="http://schemas.microsoft.com/office/powerpoint/2010/main" val="3006793582"/>
+        <p14:creationId xmlns:p14="http://schemas.microsoft.com/office/powerpoint/2010/main" val="327486448"/>
       </p:ext>
     </p:extLst>
   </p:cSld>
@@ -7239,6 +9272,148 @@
           <a:chExt cx="0" cy="0"/>
         </a:xfrm>
       </p:grpSpPr>
+      <p:sp>
+        <p:nvSpPr>
+          <p:cNvPr id="2" name="标题 1">
+            <a:extLst>
+              <a:ext uri="{FF2B5EF4-FFF2-40B4-BE49-F238E27FC236}">
+                <a16:creationId xmlns:a16="http://schemas.microsoft.com/office/drawing/2014/main" id="{1F87BC81-8B89-6601-0ACB-5EACC04EC7BB}"/>
+              </a:ext>
+            </a:extLst>
+          </p:cNvPr>
+          <p:cNvSpPr>
+            <a:spLocks noGrp="1"/>
+          </p:cNvSpPr>
+          <p:nvPr>
+            <p:ph type="ctrTitle"/>
+          </p:nvPr>
+        </p:nvSpPr>
+        <p:spPr>
+          <a:xfrm>
+            <a:off x="1524000" y="1287463"/>
+            <a:ext cx="9144000" cy="2387600"/>
+          </a:xfrm>
+        </p:spPr>
+        <p:txBody>
+          <a:bodyPr/>
+          <a:lstStyle/>
+          <a:p>
+            <a:pPr marL="0" marR="0" lvl="0" indent="0" algn="ctr" defTabSz="914400" rtl="0" eaLnBrk="1" fontAlgn="auto" latinLnBrk="0" hangingPunct="1">
+              <a:lnSpc>
+                <a:spcPct val="90000"/>
+              </a:lnSpc>
+              <a:spcBef>
+                <a:spcPts val="1000"/>
+              </a:spcBef>
+              <a:spcAft>
+                <a:spcPts val="0"/>
+              </a:spcAft>
+              <a:buClrTx/>
+              <a:buSzTx/>
+              <a:buFont typeface="Arial" panose="020B0604020202020204" pitchFamily="34" charset="0"/>
+              <a:buNone/>
+              <a:tabLst/>
+              <a:defRPr/>
+            </a:pPr>
+            <a:r>
+              <a:rPr lang="en-US" altLang="zh-CN" dirty="0"/>
+              <a:t>Results &amp; Conclusion</a:t>
+            </a:r>
+            <a:endParaRPr lang="zh-CN" altLang="en-US" spc="-150" dirty="0">
+              <a:latin typeface="+mn-lt"/>
+              <a:cs typeface="Helvetica Now Text" panose="020B0504030202020204" pitchFamily="34" charset="0"/>
+            </a:endParaRPr>
+          </a:p>
+        </p:txBody>
+      </p:sp>
+      <p:sp>
+        <p:nvSpPr>
+          <p:cNvPr id="3" name="副标题 2">
+            <a:extLst>
+              <a:ext uri="{FF2B5EF4-FFF2-40B4-BE49-F238E27FC236}">
+                <a16:creationId xmlns:a16="http://schemas.microsoft.com/office/drawing/2014/main" id="{3A6980F6-7704-9D3B-DD87-D10B76EA3CC4}"/>
+              </a:ext>
+            </a:extLst>
+          </p:cNvPr>
+          <p:cNvSpPr>
+            <a:spLocks noGrp="1"/>
+          </p:cNvSpPr>
+          <p:nvPr>
+            <p:ph type="subTitle" idx="1"/>
+          </p:nvPr>
+        </p:nvSpPr>
+        <p:spPr>
+          <a:xfrm>
+            <a:off x="1524000" y="3767138"/>
+            <a:ext cx="9144000" cy="1655762"/>
+          </a:xfrm>
+        </p:spPr>
+        <p:txBody>
+          <a:bodyPr>
+            <a:normAutofit/>
+          </a:bodyPr>
+          <a:lstStyle/>
+          <a:p>
+            <a:r>
+              <a:rPr kumimoji="0" lang="en-US" altLang="zh-CN" b="0" i="0" u="none" strike="noStrike" kern="1200" cap="none" spc="0" normalizeH="0" baseline="0" noProof="0" dirty="0">
+                <a:ln>
+                  <a:noFill/>
+                </a:ln>
+                <a:solidFill>
+                  <a:schemeClr val="tx1">
+                    <a:lumMod val="50000"/>
+                    <a:lumOff val="50000"/>
+                  </a:schemeClr>
+                </a:solidFill>
+                <a:effectLst/>
+                <a:uLnTx/>
+                <a:uFillTx/>
+                <a:ea typeface="等线 Light"/>
+                <a:cs typeface="+mj-cs"/>
+              </a:rPr>
+              <a:t>MLP vs. CNN &amp; Pointwise vs. Pairwise &amp; Metric Reports</a:t>
+            </a:r>
+            <a:endParaRPr lang="zh-CN" altLang="en-US" sz="1200" dirty="0">
+              <a:solidFill>
+                <a:schemeClr val="tx1">
+                  <a:lumMod val="50000"/>
+                  <a:lumOff val="50000"/>
+                </a:schemeClr>
+              </a:solidFill>
+            </a:endParaRPr>
+          </a:p>
+        </p:txBody>
+      </p:sp>
+    </p:spTree>
+    <p:extLst>
+      <p:ext uri="{BB962C8B-B14F-4D97-AF65-F5344CB8AC3E}">
+        <p14:creationId xmlns:p14="http://schemas.microsoft.com/office/powerpoint/2010/main" val="2774508480"/>
+      </p:ext>
+    </p:extLst>
+  </p:cSld>
+  <p:clrMapOvr>
+    <a:masterClrMapping/>
+  </p:clrMapOvr>
+</p:sld>
+</file>
+
+<file path=ppt/slides/slide14.xml><?xml version="1.0" encoding="utf-8"?>
+<p:sld xmlns:a="http://schemas.openxmlformats.org/drawingml/2006/main" xmlns:r="http://schemas.openxmlformats.org/officeDocument/2006/relationships" xmlns:p="http://schemas.openxmlformats.org/presentationml/2006/main">
+  <p:cSld>
+    <p:spTree>
+      <p:nvGrpSpPr>
+        <p:cNvPr id="1" name=""/>
+        <p:cNvGrpSpPr/>
+        <p:nvPr/>
+      </p:nvGrpSpPr>
+      <p:grpSpPr>
+        <a:xfrm>
+          <a:off x="0" y="0"/>
+          <a:ext cx="0" cy="0"/>
+          <a:chOff x="0" y="0"/>
+          <a:chExt cx="0" cy="0"/>
+        </a:xfrm>
+      </p:grpSpPr>
       <p:pic>
         <p:nvPicPr>
           <p:cNvPr id="5" name="图片 4">
@@ -7519,7 +9694,7 @@
 </p:sld>
 </file>
 
-<file path=ppt/slides/slide14.xml><?xml version="1.0" encoding="utf-8"?>
+<file path=ppt/slides/slide15.xml><?xml version="1.0" encoding="utf-8"?>
 <p:sld xmlns:a="http://schemas.openxmlformats.org/drawingml/2006/main" xmlns:r="http://schemas.openxmlformats.org/officeDocument/2006/relationships" xmlns:p="http://schemas.openxmlformats.org/presentationml/2006/main">
   <p:cSld>
     <p:spTree>
@@ -8103,11 +10278,11 @@
             </a:r>
             <a:r>
               <a:rPr lang="en-US" altLang="zh-CN" sz="2400" dirty="0"/>
-              <a:t>: how to determine </a:t>
+              <a:t>: Given 2 or more MSA inputs, </a:t>
             </a:r>
             <a:r>
               <a:rPr lang="en-US" altLang="zh-CN" sz="2400" b="1" dirty="0"/>
-              <a:t>whether a MSA input is of high quality </a:t>
+              <a:t>which MSA input is of higher quality </a:t>
             </a:r>
             <a:r>
               <a:rPr lang="en-US" altLang="zh-CN" sz="2400" dirty="0"/>
@@ -10656,7 +12831,7 @@
         </p:spPr>
         <p:txBody>
           <a:bodyPr>
-            <a:normAutofit fontScale="92500" lnSpcReduction="10000"/>
+            <a:normAutofit fontScale="85000" lnSpcReduction="20000"/>
           </a:bodyPr>
           <a:lstStyle/>
           <a:p>
@@ -10689,7 +12864,7 @@
               <a:t>Averaging pooling/extract </a:t>
             </a:r>
             <a:r>
-              <a:rPr lang="en-US" altLang="zh-CN" dirty="0">
+              <a:rPr lang="en-US" altLang="zh-CN" spc="-150" dirty="0">
                 <a:latin typeface="Fira Code" panose="020B0509050000020004" pitchFamily="49" charset="0"/>
                 <a:ea typeface="Fira Code" panose="020B0509050000020004" pitchFamily="49" charset="0"/>
               </a:rPr>
@@ -10744,10 +12919,56 @@
             </a:r>
             <a:r>
               <a:rPr lang="en-US" altLang="zh-CN" dirty="0"/>
-              <a:t> fully-connected layers with </a:t>
-            </a:r>
-            <a:r>
-              <a:rPr lang="en-US" altLang="zh-CN" spc="-150" dirty="0">
+              <a:t> fully-connected layers</a:t>
+            </a:r>
+          </a:p>
+          <a:p>
+            <a:pPr lvl="2">
+              <a:lnSpc>
+                <a:spcPct val="120000"/>
+              </a:lnSpc>
+            </a:pPr>
+            <a:r>
+              <a:rPr lang="en-US" altLang="zh-CN" dirty="0"/>
+              <a:t>768 </a:t>
+            </a:r>
+            <a:r>
+              <a:rPr lang="zh-CN" altLang="en-US" dirty="0"/>
+              <a:t>→ </a:t>
+            </a:r>
+            <a:r>
+              <a:rPr lang="en-US" altLang="zh-CN" dirty="0"/>
+              <a:t>128 </a:t>
+            </a:r>
+            <a:r>
+              <a:rPr lang="zh-CN" altLang="en-US" dirty="0"/>
+              <a:t>→ </a:t>
+            </a:r>
+            <a:r>
+              <a:rPr lang="en-US" altLang="zh-CN" dirty="0"/>
+              <a:t>32</a:t>
+            </a:r>
+            <a:r>
+              <a:rPr lang="zh-CN" altLang="en-US" dirty="0"/>
+              <a:t> → </a:t>
+            </a:r>
+            <a:r>
+              <a:rPr lang="en-US" altLang="zh-CN" dirty="0"/>
+              <a:t>1</a:t>
+            </a:r>
+          </a:p>
+          <a:p>
+            <a:pPr lvl="2">
+              <a:lnSpc>
+                <a:spcPct val="120000"/>
+              </a:lnSpc>
+            </a:pPr>
+            <a:r>
+              <a:rPr lang="en-US" altLang="zh-CN" dirty="0"/>
+              <a:t>with </a:t>
+            </a:r>
+            <a:r>
+              <a:rPr lang="en-US" altLang="zh-CN" dirty="0">
                 <a:latin typeface="Fira Code" panose="020B0509050000020004" pitchFamily="49" charset="0"/>
                 <a:ea typeface="Fira Code" panose="020B0509050000020004" pitchFamily="49" charset="0"/>
               </a:rPr>
@@ -10755,7 +12976,18 @@
             </a:r>
             <a:r>
               <a:rPr lang="en-US" altLang="zh-CN" dirty="0"/>
-              <a:t>activations</a:t>
+              <a:t>activations and </a:t>
+            </a:r>
+            <a:r>
+              <a:rPr lang="en-US" altLang="zh-CN" dirty="0">
+                <a:latin typeface="Fira Code" panose="020B0509050000020004" pitchFamily="49" charset="0"/>
+                <a:ea typeface="Fira Code" panose="020B0509050000020004" pitchFamily="49" charset="0"/>
+              </a:rPr>
+              <a:t>dropout</a:t>
+            </a:r>
+            <a:r>
+              <a:rPr lang="en-US" altLang="zh-CN" dirty="0"/>
+              <a:t> layers (except output layer)</a:t>
             </a:r>
           </a:p>
           <a:p>
@@ -10769,7 +13001,7 @@
               <a:t>Output one score and compute </a:t>
             </a:r>
             <a:r>
-              <a:rPr lang="en-US" altLang="zh-CN" spc="-150" dirty="0">
+              <a:rPr lang="en-US" altLang="zh-CN" dirty="0">
                 <a:latin typeface="Fira Code" panose="020B0509050000020004" pitchFamily="49" charset="0"/>
                 <a:ea typeface="Fira Code" panose="020B0509050000020004" pitchFamily="49" charset="0"/>
               </a:rPr>
@@ -10777,10 +13009,11 @@
             </a:r>
           </a:p>
           <a:p>
-            <a:pPr lvl="1">
+            <a:pPr marL="457200" lvl="1" indent="0">
               <a:lnSpc>
                 <a:spcPct val="120000"/>
               </a:lnSpc>
+              <a:buNone/>
             </a:pPr>
             <a:endParaRPr lang="en-US" altLang="zh-CN" dirty="0"/>
           </a:p>
@@ -10916,6 +13149,476 @@
       </p:grpSpPr>
       <p:sp>
         <p:nvSpPr>
+          <p:cNvPr id="3" name="内容占位符 2">
+            <a:extLst>
+              <a:ext uri="{FF2B5EF4-FFF2-40B4-BE49-F238E27FC236}">
+                <a16:creationId xmlns:a16="http://schemas.microsoft.com/office/drawing/2014/main" id="{315B6581-33DA-9153-D0E9-33450B880F47}"/>
+              </a:ext>
+            </a:extLst>
+          </p:cNvPr>
+          <p:cNvSpPr>
+            <a:spLocks noGrp="1"/>
+          </p:cNvSpPr>
+          <p:nvPr>
+            <p:ph idx="1"/>
+          </p:nvPr>
+        </p:nvSpPr>
+        <p:spPr>
+          <a:xfrm>
+            <a:off x="838198" y="1690688"/>
+            <a:ext cx="10511120" cy="4548747"/>
+          </a:xfrm>
+        </p:spPr>
+        <p:txBody>
+          <a:bodyPr>
+            <a:normAutofit fontScale="77500" lnSpcReduction="20000"/>
+          </a:bodyPr>
+          <a:lstStyle/>
+          <a:p>
+            <a:pPr>
+              <a:lnSpc>
+                <a:spcPct val="120000"/>
+              </a:lnSpc>
+            </a:pPr>
+            <a:r>
+              <a:rPr lang="en-US" altLang="zh-CN" dirty="0"/>
+              <a:t>MLP (extract </a:t>
+            </a:r>
+            <a:r>
+              <a:rPr lang="en-US" altLang="zh-CN" dirty="0">
+                <a:latin typeface="Fira Code" panose="020B0509050000020004" pitchFamily="49" charset="0"/>
+                <a:ea typeface="Fira Code" panose="020B0509050000020004" pitchFamily="49" charset="0"/>
+              </a:rPr>
+              <a:t>&lt;</a:t>
+            </a:r>
+            <a:r>
+              <a:rPr lang="en-US" altLang="zh-CN" dirty="0" err="1">
+                <a:latin typeface="Fira Code" panose="020B0509050000020004" pitchFamily="49" charset="0"/>
+                <a:ea typeface="Fira Code" panose="020B0509050000020004" pitchFamily="49" charset="0"/>
+              </a:rPr>
+              <a:t>bos</a:t>
+            </a:r>
+            <a:r>
+              <a:rPr lang="en-US" altLang="zh-CN" dirty="0">
+                <a:latin typeface="Fira Code" panose="020B0509050000020004" pitchFamily="49" charset="0"/>
+                <a:ea typeface="Fira Code" panose="020B0509050000020004" pitchFamily="49" charset="0"/>
+              </a:rPr>
+              <a:t>&gt;</a:t>
+            </a:r>
+            <a:r>
+              <a:rPr lang="en-US" altLang="zh-CN" dirty="0"/>
+              <a:t> embedding vector)</a:t>
+            </a:r>
+          </a:p>
+          <a:p>
+            <a:pPr lvl="1">
+              <a:lnSpc>
+                <a:spcPct val="120000"/>
+              </a:lnSpc>
+            </a:pPr>
+            <a:r>
+              <a:rPr lang="en-US" altLang="zh-CN" dirty="0">
+                <a:latin typeface="Fira Code" panose="020B0509050000020004" pitchFamily="49" charset="0"/>
+                <a:ea typeface="Fira Code" panose="020B0509050000020004" pitchFamily="49" charset="0"/>
+              </a:rPr>
+              <a:t>lr=</a:t>
+            </a:r>
+            <a:r>
+              <a:rPr lang="en-US" altLang="zh-CN" dirty="0">
+                <a:solidFill>
+                  <a:srgbClr val="005CC5"/>
+                </a:solidFill>
+                <a:latin typeface="Fira Code" panose="020B0509050000020004" pitchFamily="49" charset="0"/>
+                <a:ea typeface="Fira Code" panose="020B0509050000020004" pitchFamily="49" charset="0"/>
+              </a:rPr>
+              <a:t>1e-4</a:t>
+            </a:r>
+            <a:r>
+              <a:rPr lang="en-US" altLang="zh-CN" dirty="0">
+                <a:latin typeface="Fira Code" panose="020B0509050000020004" pitchFamily="49" charset="0"/>
+                <a:ea typeface="Fira Code" panose="020B0509050000020004" pitchFamily="49" charset="0"/>
+              </a:rPr>
+              <a:t> batch_size=</a:t>
+            </a:r>
+            <a:r>
+              <a:rPr lang="en-US" altLang="zh-CN" dirty="0">
+                <a:solidFill>
+                  <a:srgbClr val="005CC5"/>
+                </a:solidFill>
+                <a:latin typeface="Fira Code" panose="020B0509050000020004" pitchFamily="49" charset="0"/>
+                <a:ea typeface="Fira Code" panose="020B0509050000020004" pitchFamily="49" charset="0"/>
+              </a:rPr>
+              <a:t>64</a:t>
+            </a:r>
+            <a:r>
+              <a:rPr lang="en-US" altLang="zh-CN" dirty="0">
+                <a:latin typeface="Fira Code" panose="020B0509050000020004" pitchFamily="49" charset="0"/>
+                <a:ea typeface="Fira Code" panose="020B0509050000020004" pitchFamily="49" charset="0"/>
+              </a:rPr>
+              <a:t> </a:t>
+            </a:r>
+          </a:p>
+          <a:p>
+            <a:pPr lvl="1">
+              <a:lnSpc>
+                <a:spcPct val="120000"/>
+              </a:lnSpc>
+            </a:pPr>
+            <a:r>
+              <a:rPr lang="en-US" altLang="zh-CN" dirty="0"/>
+              <a:t>Reach </a:t>
+            </a:r>
+            <a:r>
+              <a:rPr lang="en-US" altLang="zh-CN" dirty="0">
+                <a:solidFill>
+                  <a:srgbClr val="005CC5"/>
+                </a:solidFill>
+                <a:latin typeface="Fira Code" panose="020B0509050000020004" pitchFamily="49" charset="0"/>
+                <a:ea typeface="Fira Code" panose="020B0509050000020004" pitchFamily="49" charset="0"/>
+              </a:rPr>
+              <a:t>0.958</a:t>
+            </a:r>
+            <a:r>
+              <a:rPr lang="en-US" altLang="zh-CN" dirty="0"/>
+              <a:t> test accuracy after </a:t>
+            </a:r>
+            <a:r>
+              <a:rPr lang="en-US" altLang="zh-CN" sz="2400" dirty="0">
+                <a:solidFill>
+                  <a:srgbClr val="005CC5"/>
+                </a:solidFill>
+                <a:latin typeface="Fira Code" panose="020B0509050000020004" pitchFamily="49" charset="0"/>
+                <a:ea typeface="Fira Code" panose="020B0509050000020004" pitchFamily="49" charset="0"/>
+              </a:rPr>
+              <a:t>20</a:t>
+            </a:r>
+            <a:r>
+              <a:rPr lang="en-US" altLang="zh-CN" dirty="0"/>
+              <a:t> epochs</a:t>
+            </a:r>
+          </a:p>
+          <a:p>
+            <a:pPr lvl="1">
+              <a:lnSpc>
+                <a:spcPct val="120000"/>
+              </a:lnSpc>
+            </a:pPr>
+            <a:r>
+              <a:rPr lang="en-US" altLang="zh-CN" dirty="0"/>
+              <a:t>Reach </a:t>
+            </a:r>
+            <a:r>
+              <a:rPr lang="en-US" altLang="zh-CN" dirty="0">
+                <a:solidFill>
+                  <a:srgbClr val="005CC5"/>
+                </a:solidFill>
+                <a:latin typeface="Fira Code" panose="020B0509050000020004" pitchFamily="49" charset="0"/>
+                <a:ea typeface="Fira Code" panose="020B0509050000020004" pitchFamily="49" charset="0"/>
+              </a:rPr>
+              <a:t>0.0177</a:t>
+            </a:r>
+            <a:r>
+              <a:rPr lang="en-US" altLang="zh-CN" dirty="0"/>
+              <a:t> test MSE after </a:t>
+            </a:r>
+            <a:r>
+              <a:rPr kumimoji="0" lang="en-US" altLang="zh-CN" sz="2400" b="0" i="0" u="none" strike="noStrike" kern="1200" cap="none" spc="0" normalizeH="0" baseline="0" noProof="0" dirty="0">
+                <a:ln>
+                  <a:noFill/>
+                </a:ln>
+                <a:solidFill>
+                  <a:srgbClr val="005CC5"/>
+                </a:solidFill>
+                <a:effectLst/>
+                <a:uLnTx/>
+                <a:uFillTx/>
+                <a:latin typeface="Fira Code" panose="020B0509050000020004" pitchFamily="49" charset="0"/>
+                <a:ea typeface="Fira Code" panose="020B0509050000020004" pitchFamily="49" charset="0"/>
+                <a:cs typeface="+mn-cs"/>
+              </a:rPr>
+              <a:t>50</a:t>
+            </a:r>
+            <a:r>
+              <a:rPr lang="en-US" altLang="zh-CN" dirty="0"/>
+              <a:t> epochs</a:t>
+            </a:r>
+            <a:endParaRPr lang="en-US" altLang="zh-CN" dirty="0">
+              <a:solidFill>
+                <a:prstClr val="black"/>
+              </a:solidFill>
+              <a:latin typeface="Segoe UI Variable Small"/>
+              <a:ea typeface="等线"/>
+            </a:endParaRPr>
+          </a:p>
+          <a:p>
+            <a:pPr>
+              <a:lnSpc>
+                <a:spcPct val="120000"/>
+              </a:lnSpc>
+            </a:pPr>
+            <a:r>
+              <a:rPr lang="en-US" altLang="zh-CN" dirty="0"/>
+              <a:t>CNN</a:t>
+            </a:r>
+          </a:p>
+          <a:p>
+            <a:pPr lvl="1">
+              <a:lnSpc>
+                <a:spcPct val="120000"/>
+              </a:lnSpc>
+            </a:pPr>
+            <a:r>
+              <a:rPr lang="en-US" altLang="zh-CN" dirty="0">
+                <a:latin typeface="Fira Code" panose="020B0509050000020004" pitchFamily="49" charset="0"/>
+                <a:ea typeface="Fira Code" panose="020B0509050000020004" pitchFamily="49" charset="0"/>
+              </a:rPr>
+              <a:t>lr=</a:t>
+            </a:r>
+            <a:r>
+              <a:rPr lang="en-US" altLang="zh-CN" dirty="0">
+                <a:solidFill>
+                  <a:srgbClr val="005CC5"/>
+                </a:solidFill>
+                <a:latin typeface="Fira Code" panose="020B0509050000020004" pitchFamily="49" charset="0"/>
+                <a:ea typeface="Fira Code" panose="020B0509050000020004" pitchFamily="49" charset="0"/>
+              </a:rPr>
+              <a:t>1e-4</a:t>
+            </a:r>
+            <a:r>
+              <a:rPr lang="en-US" altLang="zh-CN" dirty="0">
+                <a:latin typeface="Fira Code" panose="020B0509050000020004" pitchFamily="49" charset="0"/>
+                <a:ea typeface="Fira Code" panose="020B0509050000020004" pitchFamily="49" charset="0"/>
+              </a:rPr>
+              <a:t> batch_size=</a:t>
+            </a:r>
+            <a:r>
+              <a:rPr lang="en-US" altLang="zh-CN" dirty="0">
+                <a:solidFill>
+                  <a:srgbClr val="005CC5"/>
+                </a:solidFill>
+                <a:latin typeface="Fira Code" panose="020B0509050000020004" pitchFamily="49" charset="0"/>
+                <a:ea typeface="Fira Code" panose="020B0509050000020004" pitchFamily="49" charset="0"/>
+              </a:rPr>
+              <a:t>64</a:t>
+            </a:r>
+            <a:r>
+              <a:rPr lang="en-US" altLang="zh-CN" dirty="0">
+                <a:latin typeface="Fira Code" panose="020B0509050000020004" pitchFamily="49" charset="0"/>
+                <a:ea typeface="Fira Code" panose="020B0509050000020004" pitchFamily="49" charset="0"/>
+              </a:rPr>
+              <a:t> </a:t>
+            </a:r>
+          </a:p>
+          <a:p>
+            <a:pPr lvl="1">
+              <a:lnSpc>
+                <a:spcPct val="120000"/>
+              </a:lnSpc>
+            </a:pPr>
+            <a:r>
+              <a:rPr lang="en-US" altLang="zh-CN" dirty="0"/>
+              <a:t>Reach </a:t>
+            </a:r>
+            <a:r>
+              <a:rPr lang="en-US" altLang="zh-CN" dirty="0">
+                <a:solidFill>
+                  <a:srgbClr val="005CC5"/>
+                </a:solidFill>
+                <a:latin typeface="Fira Code" panose="020B0509050000020004" pitchFamily="49" charset="0"/>
+                <a:ea typeface="Fira Code" panose="020B0509050000020004" pitchFamily="49" charset="0"/>
+              </a:rPr>
+              <a:t>1e-3 </a:t>
+            </a:r>
+            <a:r>
+              <a:rPr lang="en-US" altLang="zh-CN" dirty="0"/>
+              <a:t>test accuracy after </a:t>
+            </a:r>
+            <a:r>
+              <a:rPr lang="en-US" altLang="zh-CN" sz="2400" dirty="0">
+                <a:solidFill>
+                  <a:srgbClr val="005CC5"/>
+                </a:solidFill>
+                <a:latin typeface="Fira Code" panose="020B0509050000020004" pitchFamily="49" charset="0"/>
+                <a:ea typeface="Fira Code" panose="020B0509050000020004" pitchFamily="49" charset="0"/>
+              </a:rPr>
+              <a:t>15</a:t>
+            </a:r>
+            <a:r>
+              <a:rPr lang="en-US" altLang="zh-CN" dirty="0"/>
+              <a:t> epochs</a:t>
+            </a:r>
+          </a:p>
+          <a:p>
+            <a:pPr lvl="1">
+              <a:lnSpc>
+                <a:spcPct val="120000"/>
+              </a:lnSpc>
+            </a:pPr>
+            <a:r>
+              <a:rPr lang="en-US" altLang="zh-CN" dirty="0"/>
+              <a:t>Reach </a:t>
+            </a:r>
+            <a:r>
+              <a:rPr lang="en-US" altLang="zh-CN" dirty="0">
+                <a:solidFill>
+                  <a:srgbClr val="005CC5"/>
+                </a:solidFill>
+                <a:latin typeface="Fira Code" panose="020B0509050000020004" pitchFamily="49" charset="0"/>
+                <a:ea typeface="Fira Code" panose="020B0509050000020004" pitchFamily="49" charset="0"/>
+              </a:rPr>
+              <a:t>1e-3</a:t>
+            </a:r>
+            <a:r>
+              <a:rPr lang="en-US" altLang="zh-CN" dirty="0"/>
+              <a:t> test MSE after </a:t>
+            </a:r>
+            <a:r>
+              <a:rPr kumimoji="0" lang="en-US" altLang="zh-CN" sz="2400" b="0" i="0" u="none" strike="noStrike" kern="1200" cap="none" spc="0" normalizeH="0" baseline="0" noProof="0" dirty="0">
+                <a:ln>
+                  <a:noFill/>
+                </a:ln>
+                <a:solidFill>
+                  <a:srgbClr val="005CC5"/>
+                </a:solidFill>
+                <a:effectLst/>
+                <a:uLnTx/>
+                <a:uFillTx/>
+                <a:latin typeface="Fira Code" panose="020B0509050000020004" pitchFamily="49" charset="0"/>
+                <a:ea typeface="Fira Code" panose="020B0509050000020004" pitchFamily="49" charset="0"/>
+                <a:cs typeface="+mn-cs"/>
+              </a:rPr>
+              <a:t>20</a:t>
+            </a:r>
+            <a:r>
+              <a:rPr lang="en-US" altLang="zh-CN" dirty="0"/>
+              <a:t> epochs</a:t>
+            </a:r>
+            <a:endParaRPr lang="en-US" altLang="zh-CN" dirty="0">
+              <a:solidFill>
+                <a:prstClr val="black"/>
+              </a:solidFill>
+              <a:latin typeface="Segoe UI Variable Small"/>
+              <a:ea typeface="等线"/>
+            </a:endParaRPr>
+          </a:p>
+          <a:p>
+            <a:pPr>
+              <a:lnSpc>
+                <a:spcPct val="120000"/>
+              </a:lnSpc>
+            </a:pPr>
+            <a:r>
+              <a:rPr lang="en-US" altLang="zh-CN" dirty="0">
+                <a:solidFill>
+                  <a:prstClr val="black"/>
+                </a:solidFill>
+                <a:latin typeface="Segoe UI Variable Small"/>
+                <a:ea typeface="等线"/>
+              </a:rPr>
+              <a:t>Problem:</a:t>
+            </a:r>
+          </a:p>
+          <a:p>
+            <a:pPr lvl="1">
+              <a:lnSpc>
+                <a:spcPct val="120000"/>
+              </a:lnSpc>
+            </a:pPr>
+            <a:r>
+              <a:rPr lang="en-US" altLang="zh-CN" dirty="0">
+                <a:solidFill>
+                  <a:prstClr val="black"/>
+                </a:solidFill>
+                <a:latin typeface="Segoe UI Variable Small"/>
+                <a:ea typeface="等线"/>
+              </a:rPr>
+              <a:t>Test accuracy drops as test MSE decreases</a:t>
+            </a:r>
+          </a:p>
+          <a:p>
+            <a:pPr lvl="1">
+              <a:lnSpc>
+                <a:spcPct val="120000"/>
+              </a:lnSpc>
+            </a:pPr>
+            <a:r>
+              <a:rPr lang="en-US" altLang="zh-CN" dirty="0">
+                <a:solidFill>
+                  <a:prstClr val="black"/>
+                </a:solidFill>
+                <a:latin typeface="Segoe UI Variable Small"/>
+                <a:ea typeface="等线"/>
+              </a:rPr>
+              <a:t>Directly fit each MSA with its score</a:t>
+            </a:r>
+          </a:p>
+          <a:p>
+            <a:pPr lvl="1">
+              <a:lnSpc>
+                <a:spcPct val="120000"/>
+              </a:lnSpc>
+            </a:pPr>
+            <a:r>
+              <a:rPr lang="en-US" altLang="zh-CN" b="1" dirty="0">
+                <a:solidFill>
+                  <a:prstClr val="black"/>
+                </a:solidFill>
+                <a:latin typeface="Segoe UI Variable Small"/>
+                <a:ea typeface="等线"/>
+              </a:rPr>
+              <a:t>C</a:t>
+            </a:r>
+            <a:r>
+              <a:rPr lang="en-US" altLang="zh-CN" b="1" dirty="0">
+                <a:solidFill>
+                  <a:prstClr val="black"/>
+                </a:solidFill>
+                <a:effectLst/>
+                <a:latin typeface="Segoe UI Variable Small"/>
+                <a:ea typeface="等线"/>
+              </a:rPr>
+              <a:t>ompare scores of MSAs with different query sequence is meaningless!</a:t>
+            </a:r>
+          </a:p>
+        </p:txBody>
+      </p:sp>
+      <p:pic>
+        <p:nvPicPr>
+          <p:cNvPr id="11" name="图片 10">
+            <a:extLst>
+              <a:ext uri="{FF2B5EF4-FFF2-40B4-BE49-F238E27FC236}">
+                <a16:creationId xmlns:a16="http://schemas.microsoft.com/office/drawing/2014/main" id="{FE3CFF10-C257-1C15-44D4-1B360D24ED28}"/>
+              </a:ext>
+            </a:extLst>
+          </p:cNvPr>
+          <p:cNvPicPr>
+            <a:picLocks noChangeAspect="1"/>
+          </p:cNvPicPr>
+          <p:nvPr/>
+        </p:nvPicPr>
+        <p:blipFill>
+          <a:blip r:embed="rId3">
+            <a:extLst>
+              <a:ext uri="{28A0092B-C50C-407E-A947-70E740481C1C}">
+                <a14:useLocalDpi xmlns:a14="http://schemas.microsoft.com/office/drawing/2010/main" val="0"/>
+              </a:ext>
+            </a:extLst>
+          </a:blip>
+          <a:srcRect/>
+          <a:stretch/>
+        </p:blipFill>
+        <p:spPr>
+          <a:xfrm>
+            <a:off x="6929718" y="1384459"/>
+            <a:ext cx="4785901" cy="2312131"/>
+          </a:xfrm>
+          <a:prstGeom prst="rect">
+            <a:avLst/>
+          </a:prstGeom>
+        </p:spPr>
+      </p:pic>
+      <p:sp>
+        <p:nvSpPr>
           <p:cNvPr id="2" name="标题 1">
             <a:extLst>
               <a:ext uri="{FF2B5EF4-FFF2-40B4-BE49-F238E27FC236}">
@@ -10933,1278 +13636,461 @@
         <p:spPr>
           <a:xfrm>
             <a:off x="838200" y="365125"/>
-            <a:ext cx="11179628" cy="1325563"/>
+            <a:ext cx="11174024" cy="1325563"/>
           </a:xfrm>
         </p:spPr>
         <p:txBody>
-          <a:bodyPr/>
+          <a:bodyPr>
+            <a:normAutofit/>
+          </a:bodyPr>
           <a:lstStyle/>
           <a:p>
             <a:r>
-              <a:rPr lang="en-US" altLang="zh-CN" dirty="0"/>
-              <a:t>Methodology: Siamese Framework</a:t>
-            </a:r>
-            <a:endParaRPr lang="zh-CN" altLang="en-US" dirty="0"/>
+              <a:rPr lang="en-US" altLang="zh-CN" sz="4000" dirty="0"/>
+              <a:t>Results: Pointwise Scoring Network</a:t>
+            </a:r>
+            <a:endParaRPr lang="zh-CN" altLang="en-US" sz="4000" dirty="0"/>
           </a:p>
         </p:txBody>
       </p:sp>
       <p:sp>
         <p:nvSpPr>
-          <p:cNvPr id="24" name="Google Shape;377;p22">
-            <a:extLst>
-              <a:ext uri="{FF2B5EF4-FFF2-40B4-BE49-F238E27FC236}">
-                <a16:creationId xmlns:a16="http://schemas.microsoft.com/office/drawing/2014/main" id="{6F467F13-0AB5-957A-15E3-DE36346E5326}"/>
-              </a:ext>
-            </a:extLst>
-          </p:cNvPr>
-          <p:cNvSpPr/>
+          <p:cNvPr id="12" name="内容占位符 2">
+            <a:extLst>
+              <a:ext uri="{FF2B5EF4-FFF2-40B4-BE49-F238E27FC236}">
+                <a16:creationId xmlns:a16="http://schemas.microsoft.com/office/drawing/2014/main" id="{F5249EE3-EE5B-81D0-082E-BF8721428614}"/>
+              </a:ext>
+            </a:extLst>
+          </p:cNvPr>
+          <p:cNvSpPr txBox="1">
+            <a:spLocks/>
+          </p:cNvSpPr>
           <p:nvPr/>
         </p:nvSpPr>
         <p:spPr>
           <a:xfrm>
-            <a:off x="4604894" y="4721257"/>
-            <a:ext cx="4025555" cy="396695"/>
-          </a:xfrm>
-          <a:prstGeom prst="rect">
-            <a:avLst/>
-          </a:prstGeom>
-          <a:solidFill>
-            <a:schemeClr val="bg1">
-              <a:lumMod val="95000"/>
-            </a:schemeClr>
-          </a:solidFill>
-          <a:ln>
-            <a:noFill/>
-          </a:ln>
-          <a:effectLst>
-            <a:softEdge rad="25400"/>
-          </a:effectLst>
-        </p:spPr>
-        <p:txBody>
-          <a:bodyPr spcFirstLastPara="1" wrap="square" lIns="91425" tIns="91425" rIns="91425" bIns="91425" anchor="ctr" anchorCtr="0">
-            <a:noAutofit/>
-          </a:bodyPr>
-          <a:lstStyle/>
-          <a:p>
-            <a:pPr marL="0" lvl="0" indent="0" algn="l" rtl="0">
-              <a:spcBef>
-                <a:spcPts val="0"/>
-              </a:spcBef>
-              <a:spcAft>
-                <a:spcPts val="0"/>
-              </a:spcAft>
-              <a:buNone/>
-            </a:pPr>
-            <a:endParaRPr dirty="0">
-              <a:solidFill>
-                <a:schemeClr val="tx1"/>
-              </a:solidFill>
-              <a:latin typeface="+mn-lt"/>
-              <a:ea typeface="+mn-ea"/>
-              <a:cs typeface="+mn-ea"/>
-              <a:sym typeface="+mn-lt"/>
-            </a:endParaRPr>
-          </a:p>
-        </p:txBody>
-      </p:sp>
-      <p:pic>
-        <p:nvPicPr>
-          <p:cNvPr id="14" name="图片 13">
-            <a:extLst>
-              <a:ext uri="{FF2B5EF4-FFF2-40B4-BE49-F238E27FC236}">
-                <a16:creationId xmlns:a16="http://schemas.microsoft.com/office/drawing/2014/main" id="{AFE69B8D-0EE5-1CD9-F33B-49F4A602F639}"/>
-              </a:ext>
-            </a:extLst>
-          </p:cNvPr>
-          <p:cNvPicPr>
-            <a:picLocks noChangeAspect="1"/>
-          </p:cNvPicPr>
-          <p:nvPr/>
-        </p:nvPicPr>
-        <p:blipFill>
-          <a:blip r:embed="rId3">
-            <a:extLst>
-              <a:ext uri="{28A0092B-C50C-407E-A947-70E740481C1C}">
-                <a14:useLocalDpi xmlns:a14="http://schemas.microsoft.com/office/drawing/2010/main" val="0"/>
-              </a:ext>
-            </a:extLst>
-          </a:blip>
-          <a:stretch>
-            <a:fillRect/>
-          </a:stretch>
-        </p:blipFill>
-        <p:spPr>
-          <a:xfrm>
-            <a:off x="7157687" y="4827755"/>
-            <a:ext cx="912599" cy="715962"/>
+            <a:off x="10493640" y="5785835"/>
+            <a:ext cx="922903" cy="283271"/>
           </a:xfrm>
           <a:prstGeom prst="rect">
             <a:avLst/>
           </a:prstGeom>
         </p:spPr>
-      </p:pic>
-      <p:pic>
-        <p:nvPicPr>
-          <p:cNvPr id="11" name="图片 10">
-            <a:extLst>
-              <a:ext uri="{FF2B5EF4-FFF2-40B4-BE49-F238E27FC236}">
-                <a16:creationId xmlns:a16="http://schemas.microsoft.com/office/drawing/2014/main" id="{0231FF10-18C2-12D9-FC1F-DFDFE232979B}"/>
-              </a:ext>
-            </a:extLst>
-          </p:cNvPr>
-          <p:cNvPicPr>
-            <a:picLocks noChangeAspect="1"/>
-          </p:cNvPicPr>
+        <p:txBody>
+          <a:bodyPr vert="horz" lIns="91440" tIns="45720" rIns="91440" bIns="45720" rtlCol="0">
+            <a:noAutofit/>
+          </a:bodyPr>
+          <a:lstStyle>
+            <a:lvl1pPr marL="228600" indent="-228600" algn="l" defTabSz="914400" rtl="0" eaLnBrk="1" latinLnBrk="0" hangingPunct="1">
+              <a:lnSpc>
+                <a:spcPct val="90000"/>
+              </a:lnSpc>
+              <a:spcBef>
+                <a:spcPts val="1000"/>
+              </a:spcBef>
+              <a:buFont typeface="Arial" panose="020B0604020202020204" pitchFamily="34" charset="0"/>
+              <a:buChar char="•"/>
+              <a:defRPr sz="2800" kern="1200">
+                <a:solidFill>
+                  <a:schemeClr val="tx1"/>
+                </a:solidFill>
+                <a:latin typeface="+mn-lt"/>
+                <a:ea typeface="+mn-ea"/>
+                <a:cs typeface="+mn-cs"/>
+              </a:defRPr>
+            </a:lvl1pPr>
+            <a:lvl2pPr marL="685800" indent="-228600" algn="l" defTabSz="914400" rtl="0" eaLnBrk="1" latinLnBrk="0" hangingPunct="1">
+              <a:lnSpc>
+                <a:spcPct val="90000"/>
+              </a:lnSpc>
+              <a:spcBef>
+                <a:spcPts val="500"/>
+              </a:spcBef>
+              <a:buFont typeface="Arial" panose="020B0604020202020204" pitchFamily="34" charset="0"/>
+              <a:buChar char="•"/>
+              <a:defRPr sz="2400" kern="1200">
+                <a:solidFill>
+                  <a:schemeClr val="tx1"/>
+                </a:solidFill>
+                <a:latin typeface="+mn-lt"/>
+                <a:ea typeface="+mn-ea"/>
+                <a:cs typeface="+mn-cs"/>
+              </a:defRPr>
+            </a:lvl2pPr>
+            <a:lvl3pPr marL="1143000" indent="-228600" algn="l" defTabSz="914400" rtl="0" eaLnBrk="1" latinLnBrk="0" hangingPunct="1">
+              <a:lnSpc>
+                <a:spcPct val="90000"/>
+              </a:lnSpc>
+              <a:spcBef>
+                <a:spcPts val="500"/>
+              </a:spcBef>
+              <a:buFont typeface="Arial" panose="020B0604020202020204" pitchFamily="34" charset="0"/>
+              <a:buChar char="•"/>
+              <a:defRPr sz="2000" kern="1200">
+                <a:solidFill>
+                  <a:schemeClr val="tx1"/>
+                </a:solidFill>
+                <a:latin typeface="+mn-lt"/>
+                <a:ea typeface="+mn-ea"/>
+                <a:cs typeface="+mn-cs"/>
+              </a:defRPr>
+            </a:lvl3pPr>
+            <a:lvl4pPr marL="1600200" indent="-228600" algn="l" defTabSz="914400" rtl="0" eaLnBrk="1" latinLnBrk="0" hangingPunct="1">
+              <a:lnSpc>
+                <a:spcPct val="90000"/>
+              </a:lnSpc>
+              <a:spcBef>
+                <a:spcPts val="500"/>
+              </a:spcBef>
+              <a:buFont typeface="Arial" panose="020B0604020202020204" pitchFamily="34" charset="0"/>
+              <a:buChar char="•"/>
+              <a:defRPr sz="1800" kern="1200">
+                <a:solidFill>
+                  <a:schemeClr val="tx1"/>
+                </a:solidFill>
+                <a:latin typeface="+mn-lt"/>
+                <a:ea typeface="+mn-ea"/>
+                <a:cs typeface="+mn-cs"/>
+              </a:defRPr>
+            </a:lvl4pPr>
+            <a:lvl5pPr marL="2057400" indent="-228600" algn="l" defTabSz="914400" rtl="0" eaLnBrk="1" latinLnBrk="0" hangingPunct="1">
+              <a:lnSpc>
+                <a:spcPct val="90000"/>
+              </a:lnSpc>
+              <a:spcBef>
+                <a:spcPts val="500"/>
+              </a:spcBef>
+              <a:buFont typeface="Arial" panose="020B0604020202020204" pitchFamily="34" charset="0"/>
+              <a:buChar char="•"/>
+              <a:defRPr sz="1800" kern="1200">
+                <a:solidFill>
+                  <a:schemeClr val="tx1"/>
+                </a:solidFill>
+                <a:latin typeface="+mn-lt"/>
+                <a:ea typeface="+mn-ea"/>
+                <a:cs typeface="+mn-cs"/>
+              </a:defRPr>
+            </a:lvl5pPr>
+            <a:lvl6pPr marL="2514600" indent="-228600" algn="l" defTabSz="914400" rtl="0" eaLnBrk="1" latinLnBrk="0" hangingPunct="1">
+              <a:lnSpc>
+                <a:spcPct val="90000"/>
+              </a:lnSpc>
+              <a:spcBef>
+                <a:spcPts val="500"/>
+              </a:spcBef>
+              <a:buFont typeface="Arial" panose="020B0604020202020204" pitchFamily="34" charset="0"/>
+              <a:buChar char="•"/>
+              <a:defRPr sz="1800" kern="1200">
+                <a:solidFill>
+                  <a:schemeClr val="tx1"/>
+                </a:solidFill>
+                <a:latin typeface="+mn-lt"/>
+                <a:ea typeface="+mn-ea"/>
+                <a:cs typeface="+mn-cs"/>
+              </a:defRPr>
+            </a:lvl6pPr>
+            <a:lvl7pPr marL="2971800" indent="-228600" algn="l" defTabSz="914400" rtl="0" eaLnBrk="1" latinLnBrk="0" hangingPunct="1">
+              <a:lnSpc>
+                <a:spcPct val="90000"/>
+              </a:lnSpc>
+              <a:spcBef>
+                <a:spcPts val="500"/>
+              </a:spcBef>
+              <a:buFont typeface="Arial" panose="020B0604020202020204" pitchFamily="34" charset="0"/>
+              <a:buChar char="•"/>
+              <a:defRPr sz="1800" kern="1200">
+                <a:solidFill>
+                  <a:schemeClr val="tx1"/>
+                </a:solidFill>
+                <a:latin typeface="+mn-lt"/>
+                <a:ea typeface="+mn-ea"/>
+                <a:cs typeface="+mn-cs"/>
+              </a:defRPr>
+            </a:lvl7pPr>
+            <a:lvl8pPr marL="3429000" indent="-228600" algn="l" defTabSz="914400" rtl="0" eaLnBrk="1" latinLnBrk="0" hangingPunct="1">
+              <a:lnSpc>
+                <a:spcPct val="90000"/>
+              </a:lnSpc>
+              <a:spcBef>
+                <a:spcPts val="500"/>
+              </a:spcBef>
+              <a:buFont typeface="Arial" panose="020B0604020202020204" pitchFamily="34" charset="0"/>
+              <a:buChar char="•"/>
+              <a:defRPr sz="1800" kern="1200">
+                <a:solidFill>
+                  <a:schemeClr val="tx1"/>
+                </a:solidFill>
+                <a:latin typeface="+mn-lt"/>
+                <a:ea typeface="+mn-ea"/>
+                <a:cs typeface="+mn-cs"/>
+              </a:defRPr>
+            </a:lvl8pPr>
+            <a:lvl9pPr marL="3886200" indent="-228600" algn="l" defTabSz="914400" rtl="0" eaLnBrk="1" latinLnBrk="0" hangingPunct="1">
+              <a:lnSpc>
+                <a:spcPct val="90000"/>
+              </a:lnSpc>
+              <a:spcBef>
+                <a:spcPts val="500"/>
+              </a:spcBef>
+              <a:buFont typeface="Arial" panose="020B0604020202020204" pitchFamily="34" charset="0"/>
+              <a:buChar char="•"/>
+              <a:defRPr sz="1800" kern="1200">
+                <a:solidFill>
+                  <a:schemeClr val="tx1"/>
+                </a:solidFill>
+                <a:latin typeface="+mn-lt"/>
+                <a:ea typeface="+mn-ea"/>
+                <a:cs typeface="+mn-cs"/>
+              </a:defRPr>
+            </a:lvl9pPr>
+          </a:lstStyle>
+          <a:p>
+            <a:pPr marL="0" indent="0">
+              <a:buNone/>
+            </a:pPr>
+            <a:r>
+              <a:rPr lang="en-US" altLang="zh-CN" sz="1100" dirty="0">
+                <a:solidFill>
+                  <a:schemeClr val="tx1">
+                    <a:lumMod val="50000"/>
+                    <a:lumOff val="50000"/>
+                  </a:schemeClr>
+                </a:solidFill>
+                <a:latin typeface="Helvetica Now Display Light" panose="020B0404030202020204" pitchFamily="34" charset="0"/>
+                <a:cs typeface="Helvetica Now Display Light" panose="020B0404030202020204" pitchFamily="34" charset="0"/>
+              </a:rPr>
+              <a:t>CNN Result</a:t>
+            </a:r>
+            <a:endParaRPr lang="zh-CN" altLang="en-US" sz="1100" dirty="0">
+              <a:solidFill>
+                <a:schemeClr val="tx1">
+                  <a:lumMod val="50000"/>
+                  <a:lumOff val="50000"/>
+                </a:schemeClr>
+              </a:solidFill>
+              <a:latin typeface="Helvetica Now Display Light" panose="020B0404030202020204" pitchFamily="34" charset="0"/>
+              <a:cs typeface="Helvetica Now Display Light" panose="020B0404030202020204" pitchFamily="34" charset="0"/>
+            </a:endParaRPr>
+          </a:p>
+        </p:txBody>
+      </p:sp>
+      <p:sp>
+        <p:nvSpPr>
+          <p:cNvPr id="9" name="内容占位符 2">
+            <a:extLst>
+              <a:ext uri="{FF2B5EF4-FFF2-40B4-BE49-F238E27FC236}">
+                <a16:creationId xmlns:a16="http://schemas.microsoft.com/office/drawing/2014/main" id="{FA654218-3C4C-4BCC-A623-EEC3A08F8B62}"/>
+              </a:ext>
+            </a:extLst>
+          </p:cNvPr>
+          <p:cNvSpPr txBox="1">
+            <a:spLocks/>
+          </p:cNvSpPr>
           <p:nvPr/>
-        </p:nvPicPr>
-        <p:blipFill>
-          <a:blip r:embed="rId4">
-            <a:extLst>
-              <a:ext uri="{28A0092B-C50C-407E-A947-70E740481C1C}">
-                <a14:useLocalDpi xmlns:a14="http://schemas.microsoft.com/office/drawing/2010/main" val="0"/>
-              </a:ext>
-            </a:extLst>
-          </a:blip>
-          <a:stretch>
-            <a:fillRect/>
-          </a:stretch>
-        </p:blipFill>
+        </p:nvSpPr>
         <p:spPr>
           <a:xfrm>
-            <a:off x="5978108" y="4823871"/>
-            <a:ext cx="912599" cy="715963"/>
+            <a:off x="10479567" y="3492159"/>
+            <a:ext cx="922903" cy="283271"/>
           </a:xfrm>
           <a:prstGeom prst="rect">
             <a:avLst/>
           </a:prstGeom>
         </p:spPr>
-      </p:pic>
-      <p:pic>
-        <p:nvPicPr>
-          <p:cNvPr id="58" name="图片 57">
-            <a:extLst>
-              <a:ext uri="{FF2B5EF4-FFF2-40B4-BE49-F238E27FC236}">
-                <a16:creationId xmlns:a16="http://schemas.microsoft.com/office/drawing/2014/main" id="{F8C03205-46AA-2A41-D732-BFC918BA70E6}"/>
-              </a:ext>
-            </a:extLst>
-          </p:cNvPr>
-          <p:cNvPicPr>
-            <a:picLocks noChangeAspect="1"/>
-          </p:cNvPicPr>
-          <p:nvPr/>
-        </p:nvPicPr>
-        <p:blipFill>
-          <a:blip r:embed="rId5"/>
-          <a:stretch>
-            <a:fillRect/>
-          </a:stretch>
-        </p:blipFill>
-        <p:spPr>
-          <a:xfrm>
-            <a:off x="6172926" y="5628871"/>
-            <a:ext cx="490476" cy="204762"/>
-          </a:xfrm>
-          <a:prstGeom prst="rect">
-            <a:avLst/>
-          </a:prstGeom>
-        </p:spPr>
-      </p:pic>
-      <p:pic>
-        <p:nvPicPr>
-          <p:cNvPr id="60" name="图片 59">
-            <a:extLst>
-              <a:ext uri="{FF2B5EF4-FFF2-40B4-BE49-F238E27FC236}">
-                <a16:creationId xmlns:a16="http://schemas.microsoft.com/office/drawing/2014/main" id="{3917CD74-419C-8408-1092-DC5DD0FD28AE}"/>
-              </a:ext>
-            </a:extLst>
-          </p:cNvPr>
-          <p:cNvPicPr>
-            <a:picLocks noChangeAspect="1"/>
-          </p:cNvPicPr>
-          <p:nvPr/>
-        </p:nvPicPr>
-        <p:blipFill>
-          <a:blip r:embed="rId6"/>
-          <a:stretch>
-            <a:fillRect/>
-          </a:stretch>
-        </p:blipFill>
-        <p:spPr>
-          <a:xfrm>
-            <a:off x="7364072" y="5619348"/>
-            <a:ext cx="509525" cy="214286"/>
-          </a:xfrm>
-          <a:prstGeom prst="rect">
-            <a:avLst/>
-          </a:prstGeom>
-        </p:spPr>
-      </p:pic>
-      <mc:AlternateContent xmlns:mc="http://schemas.openxmlformats.org/markup-compatibility/2006">
-        <mc:Choice xmlns:a14="http://schemas.microsoft.com/office/drawing/2010/main" Requires="a14">
-          <p:sp>
-            <p:nvSpPr>
-              <p:cNvPr id="85" name="Google Shape;389;p22">
-                <a:extLst>
-                  <a:ext uri="{FF2B5EF4-FFF2-40B4-BE49-F238E27FC236}">
-                    <a16:creationId xmlns:a16="http://schemas.microsoft.com/office/drawing/2014/main" id="{51A313A4-D3E5-4FBA-415C-6F16D9EB7BC1}"/>
-                  </a:ext>
-                </a:extLst>
-              </p:cNvPr>
-              <p:cNvSpPr txBox="1"/>
-              <p:nvPr/>
-            </p:nvSpPr>
-            <p:spPr>
-              <a:xfrm>
-                <a:off x="4712595" y="4721257"/>
-                <a:ext cx="997418" cy="268400"/>
-              </a:xfrm>
-              <a:prstGeom prst="rect">
-                <a:avLst/>
-              </a:prstGeom>
-              <a:noFill/>
-              <a:ln>
-                <a:noFill/>
-              </a:ln>
-            </p:spPr>
-            <p:txBody>
-              <a:bodyPr spcFirstLastPara="1" wrap="square" lIns="91425" tIns="91425" rIns="91425" bIns="91425" anchor="t" anchorCtr="0">
-                <a:noAutofit/>
-              </a:bodyPr>
-              <a:lstStyle/>
-              <a:p>
-                <a:pPr marL="0" lvl="0" indent="0" algn="ctr" rtl="0">
-                  <a:spcBef>
-                    <a:spcPts val="0"/>
-                  </a:spcBef>
-                  <a:spcAft>
-                    <a:spcPts val="0"/>
-                  </a:spcAft>
-                  <a:buNone/>
-                </a:pPr>
-                <a:r>
-                  <a:rPr lang="en-US" altLang="zh-CN" sz="1200" dirty="0">
-                    <a:cs typeface="Helvetica Now Display Med" panose="020B0604030202020204" pitchFamily="34" charset="0"/>
-                    <a:sym typeface="+mn-lt"/>
-                  </a:rPr>
-                  <a:t>query </a:t>
-                </a:r>
-                <a14:m>
-                  <m:oMath xmlns:m="http://schemas.openxmlformats.org/officeDocument/2006/math">
-                    <m:r>
-                      <a:rPr lang="en-US" altLang="zh-CN" sz="1200" b="0" i="1" dirty="0" smtClean="0">
-                        <a:latin typeface="Cambria Math" panose="02040503050406030204" pitchFamily="18" charset="0"/>
-                        <a:cs typeface="Helvetica Now Display Med" panose="020B0604030202020204" pitchFamily="34" charset="0"/>
-                        <a:sym typeface="+mn-lt"/>
-                      </a:rPr>
-                      <m:t>𝑖</m:t>
-                    </m:r>
-                  </m:oMath>
-                </a14:m>
-                <a:endParaRPr sz="1200" dirty="0">
-                  <a:cs typeface="Helvetica Now Display Med" panose="020B0604030202020204" pitchFamily="34" charset="0"/>
-                  <a:sym typeface="+mn-lt"/>
-                </a:endParaRPr>
-              </a:p>
-            </p:txBody>
-          </p:sp>
-        </mc:Choice>
-        <mc:Fallback>
-          <p:sp>
-            <p:nvSpPr>
-              <p:cNvPr id="85" name="Google Shape;389;p22">
-                <a:extLst>
-                  <a:ext uri="{FF2B5EF4-FFF2-40B4-BE49-F238E27FC236}">
-                    <a16:creationId xmlns:a16="http://schemas.microsoft.com/office/drawing/2014/main" id="{51A313A4-D3E5-4FBA-415C-6F16D9EB7BC1}"/>
-                  </a:ext>
-                </a:extLst>
-              </p:cNvPr>
-              <p:cNvSpPr txBox="1">
-                <a:spLocks noRot="1" noChangeAspect="1" noMove="1" noResize="1" noEditPoints="1" noAdjustHandles="1" noChangeArrowheads="1" noChangeShapeType="1" noTextEdit="1"/>
-              </p:cNvSpPr>
-              <p:nvPr/>
-            </p:nvSpPr>
-            <p:spPr>
-              <a:xfrm>
-                <a:off x="4712595" y="4721257"/>
-                <a:ext cx="997418" cy="268400"/>
-              </a:xfrm>
-              <a:prstGeom prst="rect">
-                <a:avLst/>
-              </a:prstGeom>
-              <a:blipFill>
-                <a:blip r:embed="rId7"/>
-                <a:stretch>
-                  <a:fillRect b="-33333"/>
-                </a:stretch>
-              </a:blipFill>
-              <a:ln>
-                <a:noFill/>
-              </a:ln>
-            </p:spPr>
-            <p:txBody>
-              <a:bodyPr/>
-              <a:lstStyle/>
-              <a:p>
-                <a:r>
-                  <a:rPr lang="zh-CN" altLang="en-US">
-                    <a:noFill/>
-                  </a:rPr>
-                  <a:t> </a:t>
-                </a:r>
-              </a:p>
-            </p:txBody>
-          </p:sp>
-        </mc:Fallback>
-      </mc:AlternateContent>
-      <p:pic>
-        <p:nvPicPr>
-          <p:cNvPr id="5" name="图片 4">
-            <a:extLst>
-              <a:ext uri="{FF2B5EF4-FFF2-40B4-BE49-F238E27FC236}">
-                <a16:creationId xmlns:a16="http://schemas.microsoft.com/office/drawing/2014/main" id="{39A8F3CA-087F-8498-0124-4996FA197B64}"/>
-              </a:ext>
-            </a:extLst>
-          </p:cNvPr>
-          <p:cNvPicPr>
-            <a:picLocks noChangeAspect="1"/>
-          </p:cNvPicPr>
-          <p:nvPr/>
-        </p:nvPicPr>
-        <p:blipFill>
-          <a:blip r:embed="rId8"/>
-          <a:stretch>
-            <a:fillRect/>
-          </a:stretch>
-        </p:blipFill>
-        <p:spPr>
-          <a:xfrm>
-            <a:off x="6336794" y="5922670"/>
-            <a:ext cx="162739" cy="172312"/>
-          </a:xfrm>
-          <a:prstGeom prst="rect">
-            <a:avLst/>
-          </a:prstGeom>
-        </p:spPr>
-      </p:pic>
-      <p:pic>
-        <p:nvPicPr>
-          <p:cNvPr id="19" name="图片 18">
-            <a:extLst>
-              <a:ext uri="{FF2B5EF4-FFF2-40B4-BE49-F238E27FC236}">
-                <a16:creationId xmlns:a16="http://schemas.microsoft.com/office/drawing/2014/main" id="{F51A6DCD-F7AA-3309-51ED-025E20A435C8}"/>
-              </a:ext>
-            </a:extLst>
-          </p:cNvPr>
-          <p:cNvPicPr>
-            <a:picLocks noChangeAspect="1"/>
-          </p:cNvPicPr>
-          <p:nvPr/>
-        </p:nvPicPr>
-        <p:blipFill>
-          <a:blip r:embed="rId4">
-            <a:extLst>
-              <a:ext uri="{28A0092B-C50C-407E-A947-70E740481C1C}">
-                <a14:useLocalDpi xmlns:a14="http://schemas.microsoft.com/office/drawing/2010/main" val="0"/>
-              </a:ext>
-            </a:extLst>
-          </a:blip>
-          <a:stretch>
-            <a:fillRect/>
-          </a:stretch>
-        </p:blipFill>
-        <p:spPr>
-          <a:xfrm>
-            <a:off x="4712757" y="1755797"/>
-            <a:ext cx="912599" cy="715963"/>
-          </a:xfrm>
-          <a:prstGeom prst="rect">
-            <a:avLst/>
-          </a:prstGeom>
-        </p:spPr>
-      </p:pic>
-      <p:pic>
-        <p:nvPicPr>
-          <p:cNvPr id="22" name="图片 21">
-            <a:extLst>
-              <a:ext uri="{FF2B5EF4-FFF2-40B4-BE49-F238E27FC236}">
-                <a16:creationId xmlns:a16="http://schemas.microsoft.com/office/drawing/2014/main" id="{75F9279C-014B-F73D-5894-B471C604B65E}"/>
-              </a:ext>
-            </a:extLst>
-          </p:cNvPr>
-          <p:cNvPicPr>
-            <a:picLocks noChangeAspect="1"/>
-          </p:cNvPicPr>
-          <p:nvPr/>
-        </p:nvPicPr>
-        <p:blipFill>
-          <a:blip r:embed="rId5"/>
-          <a:stretch>
-            <a:fillRect/>
-          </a:stretch>
-        </p:blipFill>
-        <p:spPr>
-          <a:xfrm>
-            <a:off x="5956121" y="2034621"/>
-            <a:ext cx="490476" cy="204762"/>
-          </a:xfrm>
-          <a:prstGeom prst="rect">
-            <a:avLst/>
-          </a:prstGeom>
-        </p:spPr>
-      </p:pic>
-      <p:pic>
-        <p:nvPicPr>
-          <p:cNvPr id="23" name="图片 22">
-            <a:extLst>
-              <a:ext uri="{FF2B5EF4-FFF2-40B4-BE49-F238E27FC236}">
-                <a16:creationId xmlns:a16="http://schemas.microsoft.com/office/drawing/2014/main" id="{4BCB6743-543B-BFDA-3178-2C80C1F134C5}"/>
-              </a:ext>
-            </a:extLst>
-          </p:cNvPr>
-          <p:cNvPicPr>
-            <a:picLocks noChangeAspect="1"/>
-          </p:cNvPicPr>
-          <p:nvPr/>
-        </p:nvPicPr>
-        <p:blipFill>
-          <a:blip r:embed="rId8"/>
-          <a:stretch>
-            <a:fillRect/>
-          </a:stretch>
-        </p:blipFill>
-        <p:spPr>
-          <a:xfrm>
-            <a:off x="6777362" y="2050846"/>
-            <a:ext cx="162739" cy="172312"/>
-          </a:xfrm>
-          <a:prstGeom prst="rect">
-            <a:avLst/>
-          </a:prstGeom>
-        </p:spPr>
-      </p:pic>
-      <p:pic>
-        <p:nvPicPr>
-          <p:cNvPr id="31" name="图片 30">
-            <a:extLst>
-              <a:ext uri="{FF2B5EF4-FFF2-40B4-BE49-F238E27FC236}">
-                <a16:creationId xmlns:a16="http://schemas.microsoft.com/office/drawing/2014/main" id="{80E1165E-4E49-779F-DE5C-0411B234F364}"/>
-              </a:ext>
-            </a:extLst>
-          </p:cNvPr>
-          <p:cNvPicPr>
-            <a:picLocks noChangeAspect="1"/>
-          </p:cNvPicPr>
-          <p:nvPr/>
-        </p:nvPicPr>
-        <p:blipFill>
-          <a:blip r:embed="rId9"/>
-          <a:stretch>
-            <a:fillRect/>
-          </a:stretch>
-        </p:blipFill>
-        <p:spPr>
-          <a:xfrm>
-            <a:off x="7489156" y="5927457"/>
-            <a:ext cx="201030" cy="167525"/>
-          </a:xfrm>
-          <a:prstGeom prst="rect">
-            <a:avLst/>
-          </a:prstGeom>
-        </p:spPr>
-      </p:pic>
-      <p:pic>
-        <p:nvPicPr>
-          <p:cNvPr id="32" name="图片 31">
-            <a:extLst>
-              <a:ext uri="{FF2B5EF4-FFF2-40B4-BE49-F238E27FC236}">
-                <a16:creationId xmlns:a16="http://schemas.microsoft.com/office/drawing/2014/main" id="{63D53E83-A6B8-0838-6FCF-3F7FE502FF2E}"/>
-              </a:ext>
-            </a:extLst>
-          </p:cNvPr>
-          <p:cNvPicPr>
-            <a:picLocks noChangeAspect="1"/>
-          </p:cNvPicPr>
-          <p:nvPr/>
-        </p:nvPicPr>
-        <p:blipFill>
-          <a:blip r:embed="rId10"/>
-          <a:stretch>
-            <a:fillRect/>
-          </a:stretch>
-        </p:blipFill>
-        <p:spPr>
-          <a:xfrm>
-            <a:off x="8688174" y="5748008"/>
-            <a:ext cx="1560295" cy="485214"/>
-          </a:xfrm>
-          <a:prstGeom prst="rect">
-            <a:avLst/>
-          </a:prstGeom>
-        </p:spPr>
-      </p:pic>
-      <p:sp>
-        <p:nvSpPr>
-          <p:cNvPr id="34" name="Google Shape;377;p22">
-            <a:extLst>
-              <a:ext uri="{FF2B5EF4-FFF2-40B4-BE49-F238E27FC236}">
-                <a16:creationId xmlns:a16="http://schemas.microsoft.com/office/drawing/2014/main" id="{2DFEB0AD-D0A0-BA10-8FF6-FF520CF869FF}"/>
-              </a:ext>
-            </a:extLst>
-          </p:cNvPr>
-          <p:cNvSpPr/>
-          <p:nvPr/>
-        </p:nvSpPr>
-        <p:spPr>
-          <a:xfrm>
-            <a:off x="4604894" y="3322502"/>
-            <a:ext cx="6425056" cy="396695"/>
-          </a:xfrm>
-          <a:prstGeom prst="rect">
-            <a:avLst/>
-          </a:prstGeom>
-          <a:solidFill>
-            <a:schemeClr val="bg1">
-              <a:lumMod val="95000"/>
-            </a:schemeClr>
-          </a:solidFill>
-          <a:ln>
-            <a:noFill/>
-          </a:ln>
-          <a:effectLst>
-            <a:softEdge rad="25400"/>
-          </a:effectLst>
-        </p:spPr>
         <p:txBody>
-          <a:bodyPr spcFirstLastPara="1" wrap="square" lIns="91425" tIns="91425" rIns="91425" bIns="91425" anchor="ctr" anchorCtr="0">
+          <a:bodyPr vert="horz" lIns="91440" tIns="45720" rIns="91440" bIns="45720" rtlCol="0">
             <a:noAutofit/>
           </a:bodyPr>
-          <a:lstStyle/>
-          <a:p>
-            <a:pPr marL="0" lvl="0" indent="0" algn="l" rtl="0">
+          <a:lstStyle>
+            <a:lvl1pPr marL="228600" indent="-228600" algn="l" defTabSz="914400" rtl="0" eaLnBrk="1" latinLnBrk="0" hangingPunct="1">
+              <a:lnSpc>
+                <a:spcPct val="90000"/>
+              </a:lnSpc>
               <a:spcBef>
-                <a:spcPts val="0"/>
+                <a:spcPts val="1000"/>
               </a:spcBef>
-              <a:spcAft>
-                <a:spcPts val="0"/>
-              </a:spcAft>
+              <a:buFont typeface="Arial" panose="020B0604020202020204" pitchFamily="34" charset="0"/>
+              <a:buChar char="•"/>
+              <a:defRPr sz="2800" kern="1200">
+                <a:solidFill>
+                  <a:schemeClr val="tx1"/>
+                </a:solidFill>
+                <a:latin typeface="+mn-lt"/>
+                <a:ea typeface="+mn-ea"/>
+                <a:cs typeface="+mn-cs"/>
+              </a:defRPr>
+            </a:lvl1pPr>
+            <a:lvl2pPr marL="685800" indent="-228600" algn="l" defTabSz="914400" rtl="0" eaLnBrk="1" latinLnBrk="0" hangingPunct="1">
+              <a:lnSpc>
+                <a:spcPct val="90000"/>
+              </a:lnSpc>
+              <a:spcBef>
+                <a:spcPts val="500"/>
+              </a:spcBef>
+              <a:buFont typeface="Arial" panose="020B0604020202020204" pitchFamily="34" charset="0"/>
+              <a:buChar char="•"/>
+              <a:defRPr sz="2400" kern="1200">
+                <a:solidFill>
+                  <a:schemeClr val="tx1"/>
+                </a:solidFill>
+                <a:latin typeface="+mn-lt"/>
+                <a:ea typeface="+mn-ea"/>
+                <a:cs typeface="+mn-cs"/>
+              </a:defRPr>
+            </a:lvl2pPr>
+            <a:lvl3pPr marL="1143000" indent="-228600" algn="l" defTabSz="914400" rtl="0" eaLnBrk="1" latinLnBrk="0" hangingPunct="1">
+              <a:lnSpc>
+                <a:spcPct val="90000"/>
+              </a:lnSpc>
+              <a:spcBef>
+                <a:spcPts val="500"/>
+              </a:spcBef>
+              <a:buFont typeface="Arial" panose="020B0604020202020204" pitchFamily="34" charset="0"/>
+              <a:buChar char="•"/>
+              <a:defRPr sz="2000" kern="1200">
+                <a:solidFill>
+                  <a:schemeClr val="tx1"/>
+                </a:solidFill>
+                <a:latin typeface="+mn-lt"/>
+                <a:ea typeface="+mn-ea"/>
+                <a:cs typeface="+mn-cs"/>
+              </a:defRPr>
+            </a:lvl3pPr>
+            <a:lvl4pPr marL="1600200" indent="-228600" algn="l" defTabSz="914400" rtl="0" eaLnBrk="1" latinLnBrk="0" hangingPunct="1">
+              <a:lnSpc>
+                <a:spcPct val="90000"/>
+              </a:lnSpc>
+              <a:spcBef>
+                <a:spcPts val="500"/>
+              </a:spcBef>
+              <a:buFont typeface="Arial" panose="020B0604020202020204" pitchFamily="34" charset="0"/>
+              <a:buChar char="•"/>
+              <a:defRPr sz="1800" kern="1200">
+                <a:solidFill>
+                  <a:schemeClr val="tx1"/>
+                </a:solidFill>
+                <a:latin typeface="+mn-lt"/>
+                <a:ea typeface="+mn-ea"/>
+                <a:cs typeface="+mn-cs"/>
+              </a:defRPr>
+            </a:lvl4pPr>
+            <a:lvl5pPr marL="2057400" indent="-228600" algn="l" defTabSz="914400" rtl="0" eaLnBrk="1" latinLnBrk="0" hangingPunct="1">
+              <a:lnSpc>
+                <a:spcPct val="90000"/>
+              </a:lnSpc>
+              <a:spcBef>
+                <a:spcPts val="500"/>
+              </a:spcBef>
+              <a:buFont typeface="Arial" panose="020B0604020202020204" pitchFamily="34" charset="0"/>
+              <a:buChar char="•"/>
+              <a:defRPr sz="1800" kern="1200">
+                <a:solidFill>
+                  <a:schemeClr val="tx1"/>
+                </a:solidFill>
+                <a:latin typeface="+mn-lt"/>
+                <a:ea typeface="+mn-ea"/>
+                <a:cs typeface="+mn-cs"/>
+              </a:defRPr>
+            </a:lvl5pPr>
+            <a:lvl6pPr marL="2514600" indent="-228600" algn="l" defTabSz="914400" rtl="0" eaLnBrk="1" latinLnBrk="0" hangingPunct="1">
+              <a:lnSpc>
+                <a:spcPct val="90000"/>
+              </a:lnSpc>
+              <a:spcBef>
+                <a:spcPts val="500"/>
+              </a:spcBef>
+              <a:buFont typeface="Arial" panose="020B0604020202020204" pitchFamily="34" charset="0"/>
+              <a:buChar char="•"/>
+              <a:defRPr sz="1800" kern="1200">
+                <a:solidFill>
+                  <a:schemeClr val="tx1"/>
+                </a:solidFill>
+                <a:latin typeface="+mn-lt"/>
+                <a:ea typeface="+mn-ea"/>
+                <a:cs typeface="+mn-cs"/>
+              </a:defRPr>
+            </a:lvl6pPr>
+            <a:lvl7pPr marL="2971800" indent="-228600" algn="l" defTabSz="914400" rtl="0" eaLnBrk="1" latinLnBrk="0" hangingPunct="1">
+              <a:lnSpc>
+                <a:spcPct val="90000"/>
+              </a:lnSpc>
+              <a:spcBef>
+                <a:spcPts val="500"/>
+              </a:spcBef>
+              <a:buFont typeface="Arial" panose="020B0604020202020204" pitchFamily="34" charset="0"/>
+              <a:buChar char="•"/>
+              <a:defRPr sz="1800" kern="1200">
+                <a:solidFill>
+                  <a:schemeClr val="tx1"/>
+                </a:solidFill>
+                <a:latin typeface="+mn-lt"/>
+                <a:ea typeface="+mn-ea"/>
+                <a:cs typeface="+mn-cs"/>
+              </a:defRPr>
+            </a:lvl7pPr>
+            <a:lvl8pPr marL="3429000" indent="-228600" algn="l" defTabSz="914400" rtl="0" eaLnBrk="1" latinLnBrk="0" hangingPunct="1">
+              <a:lnSpc>
+                <a:spcPct val="90000"/>
+              </a:lnSpc>
+              <a:spcBef>
+                <a:spcPts val="500"/>
+              </a:spcBef>
+              <a:buFont typeface="Arial" panose="020B0604020202020204" pitchFamily="34" charset="0"/>
+              <a:buChar char="•"/>
+              <a:defRPr sz="1800" kern="1200">
+                <a:solidFill>
+                  <a:schemeClr val="tx1"/>
+                </a:solidFill>
+                <a:latin typeface="+mn-lt"/>
+                <a:ea typeface="+mn-ea"/>
+                <a:cs typeface="+mn-cs"/>
+              </a:defRPr>
+            </a:lvl8pPr>
+            <a:lvl9pPr marL="3886200" indent="-228600" algn="l" defTabSz="914400" rtl="0" eaLnBrk="1" latinLnBrk="0" hangingPunct="1">
+              <a:lnSpc>
+                <a:spcPct val="90000"/>
+              </a:lnSpc>
+              <a:spcBef>
+                <a:spcPts val="500"/>
+              </a:spcBef>
+              <a:buFont typeface="Arial" panose="020B0604020202020204" pitchFamily="34" charset="0"/>
+              <a:buChar char="•"/>
+              <a:defRPr sz="1800" kern="1200">
+                <a:solidFill>
+                  <a:schemeClr val="tx1"/>
+                </a:solidFill>
+                <a:latin typeface="+mn-lt"/>
+                <a:ea typeface="+mn-ea"/>
+                <a:cs typeface="+mn-cs"/>
+              </a:defRPr>
+            </a:lvl9pPr>
+          </a:lstStyle>
+          <a:p>
+            <a:pPr marL="0" indent="0">
               <a:buNone/>
             </a:pPr>
-            <a:endParaRPr dirty="0">
+            <a:r>
+              <a:rPr lang="en-US" altLang="zh-CN" sz="1100" dirty="0">
+                <a:solidFill>
+                  <a:schemeClr val="tx1">
+                    <a:lumMod val="50000"/>
+                    <a:lumOff val="50000"/>
+                  </a:schemeClr>
+                </a:solidFill>
+                <a:latin typeface="Helvetica Now Display Light" panose="020B0404030202020204" pitchFamily="34" charset="0"/>
+                <a:cs typeface="Helvetica Now Display Light" panose="020B0404030202020204" pitchFamily="34" charset="0"/>
+              </a:rPr>
+              <a:t>MLP Result</a:t>
+            </a:r>
+            <a:endParaRPr lang="zh-CN" altLang="en-US" sz="1100" dirty="0">
               <a:solidFill>
-                <a:schemeClr val="tx1"/>
+                <a:schemeClr val="tx1">
+                  <a:lumMod val="50000"/>
+                  <a:lumOff val="50000"/>
+                </a:schemeClr>
               </a:solidFill>
-              <a:latin typeface="+mn-lt"/>
-              <a:ea typeface="+mn-ea"/>
-              <a:cs typeface="+mn-ea"/>
-              <a:sym typeface="+mn-lt"/>
-            </a:endParaRPr>
-          </a:p>
-        </p:txBody>
-      </p:sp>
-      <p:pic>
-        <p:nvPicPr>
-          <p:cNvPr id="35" name="图片 34">
-            <a:extLst>
-              <a:ext uri="{FF2B5EF4-FFF2-40B4-BE49-F238E27FC236}">
-                <a16:creationId xmlns:a16="http://schemas.microsoft.com/office/drawing/2014/main" id="{963D00AA-3D10-2C55-2526-1F4193CB99ED}"/>
-              </a:ext>
-            </a:extLst>
-          </p:cNvPr>
-          <p:cNvPicPr>
-            <a:picLocks noChangeAspect="1"/>
-          </p:cNvPicPr>
-          <p:nvPr/>
-        </p:nvPicPr>
-        <p:blipFill>
-          <a:blip r:embed="rId3">
-            <a:extLst>
-              <a:ext uri="{28A0092B-C50C-407E-A947-70E740481C1C}">
-                <a14:useLocalDpi xmlns:a14="http://schemas.microsoft.com/office/drawing/2010/main" val="0"/>
-              </a:ext>
-            </a:extLst>
-          </a:blip>
-          <a:stretch>
-            <a:fillRect/>
-          </a:stretch>
-        </p:blipFill>
-        <p:spPr>
-          <a:xfrm>
-            <a:off x="7157687" y="3429000"/>
-            <a:ext cx="912599" cy="715962"/>
-          </a:xfrm>
-          <a:prstGeom prst="rect">
-            <a:avLst/>
-          </a:prstGeom>
-        </p:spPr>
-      </p:pic>
-      <p:pic>
-        <p:nvPicPr>
-          <p:cNvPr id="44" name="图片 43">
-            <a:extLst>
-              <a:ext uri="{FF2B5EF4-FFF2-40B4-BE49-F238E27FC236}">
-                <a16:creationId xmlns:a16="http://schemas.microsoft.com/office/drawing/2014/main" id="{6EF4F3F1-F65C-8A89-C8A1-FFD76E644FC4}"/>
-              </a:ext>
-            </a:extLst>
-          </p:cNvPr>
-          <p:cNvPicPr>
-            <a:picLocks noChangeAspect="1"/>
-          </p:cNvPicPr>
-          <p:nvPr/>
-        </p:nvPicPr>
-        <p:blipFill>
-          <a:blip r:embed="rId4">
-            <a:extLst>
-              <a:ext uri="{28A0092B-C50C-407E-A947-70E740481C1C}">
-                <a14:useLocalDpi xmlns:a14="http://schemas.microsoft.com/office/drawing/2010/main" val="0"/>
-              </a:ext>
-            </a:extLst>
-          </a:blip>
-          <a:stretch>
-            <a:fillRect/>
-          </a:stretch>
-        </p:blipFill>
-        <p:spPr>
-          <a:xfrm>
-            <a:off x="5978108" y="3425116"/>
-            <a:ext cx="912599" cy="715963"/>
-          </a:xfrm>
-          <a:prstGeom prst="rect">
-            <a:avLst/>
-          </a:prstGeom>
-        </p:spPr>
-      </p:pic>
-      <mc:AlternateContent xmlns:mc="http://schemas.openxmlformats.org/markup-compatibility/2006">
-        <mc:Choice xmlns:a14="http://schemas.microsoft.com/office/drawing/2010/main" Requires="a14">
-          <p:sp>
-            <p:nvSpPr>
-              <p:cNvPr id="45" name="Google Shape;389;p22">
-                <a:extLst>
-                  <a:ext uri="{FF2B5EF4-FFF2-40B4-BE49-F238E27FC236}">
-                    <a16:creationId xmlns:a16="http://schemas.microsoft.com/office/drawing/2014/main" id="{E45BAD85-AF50-776C-5B24-DF33A92B9D12}"/>
-                  </a:ext>
-                </a:extLst>
-              </p:cNvPr>
-              <p:cNvSpPr txBox="1"/>
-              <p:nvPr/>
-            </p:nvSpPr>
-            <p:spPr>
-              <a:xfrm>
-                <a:off x="4712595" y="3322502"/>
-                <a:ext cx="997418" cy="268400"/>
-              </a:xfrm>
-              <a:prstGeom prst="rect">
-                <a:avLst/>
-              </a:prstGeom>
-              <a:noFill/>
-              <a:ln>
-                <a:noFill/>
-              </a:ln>
-            </p:spPr>
-            <p:txBody>
-              <a:bodyPr spcFirstLastPara="1" wrap="square" lIns="91425" tIns="91425" rIns="91425" bIns="91425" anchor="t" anchorCtr="0">
-                <a:noAutofit/>
-              </a:bodyPr>
-              <a:lstStyle/>
-              <a:p>
-                <a:pPr marL="0" lvl="0" indent="0" algn="ctr" rtl="0">
-                  <a:spcBef>
-                    <a:spcPts val="0"/>
-                  </a:spcBef>
-                  <a:spcAft>
-                    <a:spcPts val="0"/>
-                  </a:spcAft>
-                  <a:buNone/>
-                </a:pPr>
-                <a:r>
-                  <a:rPr lang="en-US" altLang="zh-CN" sz="1200" dirty="0">
-                    <a:cs typeface="Helvetica Now Display Med" panose="020B0604030202020204" pitchFamily="34" charset="0"/>
-                    <a:sym typeface="+mn-lt"/>
-                  </a:rPr>
-                  <a:t>query </a:t>
-                </a:r>
-                <a14:m>
-                  <m:oMath xmlns:m="http://schemas.openxmlformats.org/officeDocument/2006/math">
-                    <m:r>
-                      <a:rPr lang="en-US" altLang="zh-CN" sz="1200" b="0" i="1" dirty="0" smtClean="0">
-                        <a:latin typeface="Cambria Math" panose="02040503050406030204" pitchFamily="18" charset="0"/>
-                        <a:cs typeface="Helvetica Now Display Med" panose="020B0604030202020204" pitchFamily="34" charset="0"/>
-                        <a:sym typeface="+mn-lt"/>
-                      </a:rPr>
-                      <m:t>𝑖</m:t>
-                    </m:r>
-                  </m:oMath>
-                </a14:m>
-                <a:endParaRPr sz="1200" dirty="0">
-                  <a:cs typeface="Helvetica Now Display Med" panose="020B0604030202020204" pitchFamily="34" charset="0"/>
-                  <a:sym typeface="+mn-lt"/>
-                </a:endParaRPr>
-              </a:p>
-            </p:txBody>
-          </p:sp>
-        </mc:Choice>
-        <mc:Fallback>
-          <p:sp>
-            <p:nvSpPr>
-              <p:cNvPr id="45" name="Google Shape;389;p22">
-                <a:extLst>
-                  <a:ext uri="{FF2B5EF4-FFF2-40B4-BE49-F238E27FC236}">
-                    <a16:creationId xmlns:a16="http://schemas.microsoft.com/office/drawing/2014/main" id="{E45BAD85-AF50-776C-5B24-DF33A92B9D12}"/>
-                  </a:ext>
-                </a:extLst>
-              </p:cNvPr>
-              <p:cNvSpPr txBox="1">
-                <a:spLocks noRot="1" noChangeAspect="1" noMove="1" noResize="1" noEditPoints="1" noAdjustHandles="1" noChangeArrowheads="1" noChangeShapeType="1" noTextEdit="1"/>
-              </p:cNvSpPr>
-              <p:nvPr/>
-            </p:nvSpPr>
-            <p:spPr>
-              <a:xfrm>
-                <a:off x="4712595" y="3322502"/>
-                <a:ext cx="997418" cy="268400"/>
-              </a:xfrm>
-              <a:prstGeom prst="rect">
-                <a:avLst/>
-              </a:prstGeom>
-              <a:blipFill>
-                <a:blip r:embed="rId11"/>
-                <a:stretch>
-                  <a:fillRect b="-36364"/>
-                </a:stretch>
-              </a:blipFill>
-              <a:ln>
-                <a:noFill/>
-              </a:ln>
-            </p:spPr>
-            <p:txBody>
-              <a:bodyPr/>
-              <a:lstStyle/>
-              <a:p>
-                <a:r>
-                  <a:rPr lang="zh-CN" altLang="en-US">
-                    <a:noFill/>
-                  </a:rPr>
-                  <a:t> </a:t>
-                </a:r>
-              </a:p>
-            </p:txBody>
-          </p:sp>
-        </mc:Fallback>
-      </mc:AlternateContent>
-      <p:pic>
-        <p:nvPicPr>
-          <p:cNvPr id="51" name="图片 50">
-            <a:extLst>
-              <a:ext uri="{FF2B5EF4-FFF2-40B4-BE49-F238E27FC236}">
-                <a16:creationId xmlns:a16="http://schemas.microsoft.com/office/drawing/2014/main" id="{E333BFFC-4EB6-896F-72D2-83305AEC7350}"/>
-              </a:ext>
-            </a:extLst>
-          </p:cNvPr>
-          <p:cNvPicPr>
-            <a:picLocks noChangeAspect="1"/>
-          </p:cNvPicPr>
-          <p:nvPr/>
-        </p:nvPicPr>
-        <p:blipFill>
-          <a:blip r:embed="rId4">
-            <a:extLst>
-              <a:ext uri="{28A0092B-C50C-407E-A947-70E740481C1C}">
-                <a14:useLocalDpi xmlns:a14="http://schemas.microsoft.com/office/drawing/2010/main" val="0"/>
-              </a:ext>
-            </a:extLst>
-          </a:blip>
-          <a:stretch>
-            <a:fillRect/>
-          </a:stretch>
-        </p:blipFill>
-        <p:spPr>
-          <a:xfrm>
-            <a:off x="8300961" y="3425116"/>
-            <a:ext cx="912599" cy="715963"/>
-          </a:xfrm>
-          <a:prstGeom prst="rect">
-            <a:avLst/>
-          </a:prstGeom>
-        </p:spPr>
-      </p:pic>
-      <p:pic>
-        <p:nvPicPr>
-          <p:cNvPr id="52" name="图片 51">
-            <a:extLst>
-              <a:ext uri="{FF2B5EF4-FFF2-40B4-BE49-F238E27FC236}">
-                <a16:creationId xmlns:a16="http://schemas.microsoft.com/office/drawing/2014/main" id="{598ED5A4-C7FD-2117-92FF-DEA769C7D4A3}"/>
-              </a:ext>
-            </a:extLst>
-          </p:cNvPr>
-          <p:cNvPicPr>
-            <a:picLocks noChangeAspect="1"/>
-          </p:cNvPicPr>
-          <p:nvPr/>
-        </p:nvPicPr>
-        <p:blipFill>
-          <a:blip r:embed="rId3">
-            <a:extLst>
-              <a:ext uri="{28A0092B-C50C-407E-A947-70E740481C1C}">
-                <a14:useLocalDpi xmlns:a14="http://schemas.microsoft.com/office/drawing/2010/main" val="0"/>
-              </a:ext>
-            </a:extLst>
-          </a:blip>
-          <a:stretch>
-            <a:fillRect/>
-          </a:stretch>
-        </p:blipFill>
-        <p:spPr>
-          <a:xfrm>
-            <a:off x="9444235" y="3429000"/>
-            <a:ext cx="912599" cy="715962"/>
-          </a:xfrm>
-          <a:prstGeom prst="rect">
-            <a:avLst/>
-          </a:prstGeom>
-        </p:spPr>
-      </p:pic>
-      <p:grpSp>
-        <p:nvGrpSpPr>
-          <p:cNvPr id="56" name="组合 55">
-            <a:extLst>
-              <a:ext uri="{FF2B5EF4-FFF2-40B4-BE49-F238E27FC236}">
-                <a16:creationId xmlns:a16="http://schemas.microsoft.com/office/drawing/2014/main" id="{69132A62-B09A-E9A6-29A4-F6C2B4ADECB7}"/>
-              </a:ext>
-            </a:extLst>
-          </p:cNvPr>
-          <p:cNvGrpSpPr/>
-          <p:nvPr/>
-        </p:nvGrpSpPr>
-        <p:grpSpPr>
-          <a:xfrm>
-            <a:off x="905179" y="1833301"/>
-            <a:ext cx="3811396" cy="3284650"/>
-            <a:chOff x="905179" y="1833301"/>
-            <a:chExt cx="3811396" cy="3284650"/>
-          </a:xfrm>
-        </p:grpSpPr>
-        <p:sp>
-          <p:nvSpPr>
-            <p:cNvPr id="13" name="Google Shape;389;p22">
-              <a:extLst>
-                <a:ext uri="{FF2B5EF4-FFF2-40B4-BE49-F238E27FC236}">
-                  <a16:creationId xmlns:a16="http://schemas.microsoft.com/office/drawing/2014/main" id="{05A35AC1-1215-4A4D-C7DB-C795B0A4E9FE}"/>
-                </a:ext>
-              </a:extLst>
-            </p:cNvPr>
-            <p:cNvSpPr txBox="1"/>
-            <p:nvPr/>
-          </p:nvSpPr>
-          <p:spPr>
-            <a:xfrm>
-              <a:off x="905179" y="3273186"/>
-              <a:ext cx="3811396" cy="396694"/>
-            </a:xfrm>
-            <a:prstGeom prst="rect">
-              <a:avLst/>
-            </a:prstGeom>
-            <a:noFill/>
-            <a:ln>
-              <a:noFill/>
-            </a:ln>
-          </p:spPr>
-          <p:txBody>
-            <a:bodyPr spcFirstLastPara="1" wrap="square" lIns="91425" tIns="91425" rIns="91425" bIns="91425" anchor="t" anchorCtr="0">
-              <a:noAutofit/>
-            </a:bodyPr>
-            <a:lstStyle/>
-            <a:p>
-              <a:pPr marL="0" lvl="0" indent="0" rtl="0">
-                <a:spcBef>
-                  <a:spcPts val="0"/>
-                </a:spcBef>
-                <a:spcAft>
-                  <a:spcPts val="0"/>
-                </a:spcAft>
-                <a:buNone/>
-              </a:pPr>
-              <a:r>
-                <a:rPr lang="en-US" altLang="zh-CN" sz="1600" dirty="0">
-                  <a:cs typeface="Helvetica Now Display Med" panose="020B0604030202020204" pitchFamily="34" charset="0"/>
-                  <a:sym typeface="+mn-lt"/>
-                </a:rPr>
-                <a:t>Group MSAs by query sequence</a:t>
-              </a:r>
-              <a:endParaRPr sz="1600" dirty="0">
-                <a:cs typeface="Helvetica Now Display Med" panose="020B0604030202020204" pitchFamily="34" charset="0"/>
-                <a:sym typeface="+mn-lt"/>
-              </a:endParaRPr>
-            </a:p>
-          </p:txBody>
-        </p:sp>
-        <p:sp>
-          <p:nvSpPr>
-            <p:cNvPr id="18" name="Google Shape;389;p22">
-              <a:extLst>
-                <a:ext uri="{FF2B5EF4-FFF2-40B4-BE49-F238E27FC236}">
-                  <a16:creationId xmlns:a16="http://schemas.microsoft.com/office/drawing/2014/main" id="{D9607DC3-22A7-1D37-C550-197F983DFE5A}"/>
-                </a:ext>
-              </a:extLst>
-            </p:cNvPr>
-            <p:cNvSpPr txBox="1"/>
-            <p:nvPr/>
-          </p:nvSpPr>
-          <p:spPr>
-            <a:xfrm>
-              <a:off x="905179" y="1833301"/>
-              <a:ext cx="2458685" cy="396694"/>
-            </a:xfrm>
-            <a:prstGeom prst="rect">
-              <a:avLst/>
-            </a:prstGeom>
-            <a:noFill/>
-            <a:ln>
-              <a:noFill/>
-            </a:ln>
-          </p:spPr>
-          <p:txBody>
-            <a:bodyPr spcFirstLastPara="1" wrap="square" lIns="91425" tIns="91425" rIns="91425" bIns="91425" anchor="t" anchorCtr="0">
-              <a:noAutofit/>
-            </a:bodyPr>
-            <a:lstStyle/>
-            <a:p>
-              <a:pPr marL="0" lvl="0" indent="0" rtl="0">
-                <a:spcBef>
-                  <a:spcPts val="0"/>
-                </a:spcBef>
-                <a:spcAft>
-                  <a:spcPts val="0"/>
-                </a:spcAft>
-                <a:buNone/>
-              </a:pPr>
-              <a:r>
-                <a:rPr lang="en-US" altLang="zh-CN" sz="1600" dirty="0">
-                  <a:cs typeface="Helvetica Now Display Med" panose="020B0604030202020204" pitchFamily="34" charset="0"/>
-                  <a:sym typeface="+mn-lt"/>
-                </a:rPr>
-                <a:t>Pointwise MSA Dataset</a:t>
-              </a:r>
-              <a:endParaRPr sz="1600" dirty="0">
-                <a:cs typeface="Helvetica Now Display Med" panose="020B0604030202020204" pitchFamily="34" charset="0"/>
-                <a:sym typeface="+mn-lt"/>
-              </a:endParaRPr>
-            </a:p>
-          </p:txBody>
-        </p:sp>
-        <p:sp>
-          <p:nvSpPr>
-            <p:cNvPr id="29" name="Google Shape;389;p22">
-              <a:extLst>
-                <a:ext uri="{FF2B5EF4-FFF2-40B4-BE49-F238E27FC236}">
-                  <a16:creationId xmlns:a16="http://schemas.microsoft.com/office/drawing/2014/main" id="{8B47D2B9-2A90-0E58-7E4F-A81728FB8EF8}"/>
-                </a:ext>
-              </a:extLst>
-            </p:cNvPr>
-            <p:cNvSpPr txBox="1"/>
-            <p:nvPr/>
-          </p:nvSpPr>
-          <p:spPr>
-            <a:xfrm>
-              <a:off x="905179" y="4721257"/>
-              <a:ext cx="3811396" cy="396694"/>
-            </a:xfrm>
-            <a:prstGeom prst="rect">
-              <a:avLst/>
-            </a:prstGeom>
-            <a:noFill/>
-            <a:ln>
-              <a:noFill/>
-            </a:ln>
-          </p:spPr>
-          <p:txBody>
-            <a:bodyPr spcFirstLastPara="1" wrap="square" lIns="91425" tIns="91425" rIns="91425" bIns="91425" anchor="t" anchorCtr="0">
-              <a:noAutofit/>
-            </a:bodyPr>
-            <a:lstStyle/>
-            <a:p>
-              <a:pPr marL="0" lvl="0" indent="0" rtl="0">
-                <a:spcBef>
-                  <a:spcPts val="0"/>
-                </a:spcBef>
-                <a:spcAft>
-                  <a:spcPts val="0"/>
-                </a:spcAft>
-                <a:buNone/>
-              </a:pPr>
-              <a:r>
-                <a:rPr lang="en-US" altLang="zh-CN" sz="1600" dirty="0">
-                  <a:cs typeface="Helvetica Now Display Med" panose="020B0604030202020204" pitchFamily="34" charset="0"/>
-                  <a:sym typeface="+mn-lt"/>
-                </a:rPr>
-                <a:t>Paired MSA Dataset</a:t>
-              </a:r>
-              <a:endParaRPr sz="1600" dirty="0">
-                <a:cs typeface="Helvetica Now Display Med" panose="020B0604030202020204" pitchFamily="34" charset="0"/>
-                <a:sym typeface="+mn-lt"/>
-              </a:endParaRPr>
-            </a:p>
-          </p:txBody>
-        </p:sp>
-        <p:cxnSp>
-          <p:nvCxnSpPr>
-            <p:cNvPr id="53" name="直接箭头连接符 52">
-              <a:extLst>
-                <a:ext uri="{FF2B5EF4-FFF2-40B4-BE49-F238E27FC236}">
-                  <a16:creationId xmlns:a16="http://schemas.microsoft.com/office/drawing/2014/main" id="{8C4CB450-7D3F-7435-578E-B70AAD7BF2F4}"/>
-                </a:ext>
-              </a:extLst>
-            </p:cNvPr>
-            <p:cNvCxnSpPr>
-              <a:cxnSpLocks/>
-            </p:cNvCxnSpPr>
-            <p:nvPr/>
-          </p:nvCxnSpPr>
-          <p:spPr>
-            <a:xfrm>
-              <a:off x="1039260" y="2649084"/>
-              <a:ext cx="0" cy="305186"/>
-            </a:xfrm>
-            <a:prstGeom prst="straightConnector1">
-              <a:avLst/>
-            </a:prstGeom>
-            <a:ln w="9525">
-              <a:solidFill>
-                <a:srgbClr val="000000"/>
-              </a:solidFill>
-              <a:tailEnd type="triangle"/>
-            </a:ln>
-          </p:spPr>
-          <p:style>
-            <a:lnRef idx="1">
-              <a:schemeClr val="dk1"/>
-            </a:lnRef>
-            <a:fillRef idx="0">
-              <a:schemeClr val="dk1"/>
-            </a:fillRef>
-            <a:effectRef idx="0">
-              <a:schemeClr val="dk1"/>
-            </a:effectRef>
-            <a:fontRef idx="minor">
-              <a:schemeClr val="tx1"/>
-            </a:fontRef>
-          </p:style>
-        </p:cxnSp>
-        <p:cxnSp>
-          <p:nvCxnSpPr>
-            <p:cNvPr id="55" name="直接箭头连接符 54">
-              <a:extLst>
-                <a:ext uri="{FF2B5EF4-FFF2-40B4-BE49-F238E27FC236}">
-                  <a16:creationId xmlns:a16="http://schemas.microsoft.com/office/drawing/2014/main" id="{47C8E4DF-F526-BB7E-3D8D-2D7449EA733A}"/>
-                </a:ext>
-              </a:extLst>
-            </p:cNvPr>
-            <p:cNvCxnSpPr>
-              <a:cxnSpLocks/>
-            </p:cNvCxnSpPr>
-            <p:nvPr/>
-          </p:nvCxnSpPr>
-          <p:spPr>
-            <a:xfrm>
-              <a:off x="1040295" y="4141079"/>
-              <a:ext cx="0" cy="305186"/>
-            </a:xfrm>
-            <a:prstGeom prst="straightConnector1">
-              <a:avLst/>
-            </a:prstGeom>
-            <a:ln w="9525">
-              <a:solidFill>
-                <a:srgbClr val="000000"/>
-              </a:solidFill>
-              <a:tailEnd type="triangle"/>
-            </a:ln>
-          </p:spPr>
-          <p:style>
-            <a:lnRef idx="1">
-              <a:schemeClr val="dk1"/>
-            </a:lnRef>
-            <a:fillRef idx="0">
-              <a:schemeClr val="dk1"/>
-            </a:fillRef>
-            <a:effectRef idx="0">
-              <a:schemeClr val="dk1"/>
-            </a:effectRef>
-            <a:fontRef idx="minor">
-              <a:schemeClr val="tx1"/>
-            </a:fontRef>
-          </p:style>
-        </p:cxnSp>
-      </p:grpSp>
-      <p:grpSp>
-        <p:nvGrpSpPr>
-          <p:cNvPr id="57" name="组合 56">
-            <a:extLst>
-              <a:ext uri="{FF2B5EF4-FFF2-40B4-BE49-F238E27FC236}">
-                <a16:creationId xmlns:a16="http://schemas.microsoft.com/office/drawing/2014/main" id="{E05421F5-3931-FAD2-B2D9-784659163C3F}"/>
-              </a:ext>
-            </a:extLst>
-          </p:cNvPr>
-          <p:cNvGrpSpPr/>
-          <p:nvPr/>
-        </p:nvGrpSpPr>
-        <p:grpSpPr>
-          <a:xfrm>
-            <a:off x="8070286" y="1779021"/>
-            <a:ext cx="2242654" cy="715962"/>
-            <a:chOff x="8070286" y="1779021"/>
-            <a:chExt cx="2242654" cy="715962"/>
-          </a:xfrm>
-        </p:grpSpPr>
-        <p:pic>
-          <p:nvPicPr>
-            <p:cNvPr id="12" name="图片 11">
-              <a:extLst>
-                <a:ext uri="{FF2B5EF4-FFF2-40B4-BE49-F238E27FC236}">
-                  <a16:creationId xmlns:a16="http://schemas.microsoft.com/office/drawing/2014/main" id="{00C4527B-48CB-460C-F899-2B8EA675C3DA}"/>
-                </a:ext>
-              </a:extLst>
-            </p:cNvPr>
-            <p:cNvPicPr>
-              <a:picLocks noChangeAspect="1"/>
-            </p:cNvPicPr>
-            <p:nvPr/>
-          </p:nvPicPr>
-          <p:blipFill>
-            <a:blip r:embed="rId9"/>
-            <a:stretch>
-              <a:fillRect/>
-            </a:stretch>
-          </p:blipFill>
-          <p:spPr>
-            <a:xfrm>
-              <a:off x="10111910" y="2071700"/>
-              <a:ext cx="201030" cy="167525"/>
-            </a:xfrm>
-            <a:prstGeom prst="rect">
-              <a:avLst/>
-            </a:prstGeom>
-          </p:spPr>
-        </p:pic>
-        <p:pic>
-          <p:nvPicPr>
-            <p:cNvPr id="25" name="图片 24">
-              <a:extLst>
-                <a:ext uri="{FF2B5EF4-FFF2-40B4-BE49-F238E27FC236}">
-                  <a16:creationId xmlns:a16="http://schemas.microsoft.com/office/drawing/2014/main" id="{A42AD5C4-7FCD-2275-05A2-834C7D7EA56A}"/>
-                </a:ext>
-              </a:extLst>
-            </p:cNvPr>
-            <p:cNvPicPr>
-              <a:picLocks noChangeAspect="1"/>
-            </p:cNvPicPr>
-            <p:nvPr/>
-          </p:nvPicPr>
-          <p:blipFill>
-            <a:blip r:embed="rId3">
-              <a:extLst>
-                <a:ext uri="{28A0092B-C50C-407E-A947-70E740481C1C}">
-                  <a14:useLocalDpi xmlns:a14="http://schemas.microsoft.com/office/drawing/2010/main" val="0"/>
-                </a:ext>
-              </a:extLst>
-            </a:blip>
-            <a:stretch>
-              <a:fillRect/>
-            </a:stretch>
-          </p:blipFill>
-          <p:spPr>
-            <a:xfrm>
-              <a:off x="8070286" y="1779021"/>
-              <a:ext cx="912599" cy="715962"/>
-            </a:xfrm>
-            <a:prstGeom prst="rect">
-              <a:avLst/>
-            </a:prstGeom>
-          </p:spPr>
-        </p:pic>
-        <p:pic>
-          <p:nvPicPr>
-            <p:cNvPr id="26" name="图片 25">
-              <a:extLst>
-                <a:ext uri="{FF2B5EF4-FFF2-40B4-BE49-F238E27FC236}">
-                  <a16:creationId xmlns:a16="http://schemas.microsoft.com/office/drawing/2014/main" id="{DE262833-A4EA-489C-00AC-F48D3C529B65}"/>
-                </a:ext>
-              </a:extLst>
-            </p:cNvPr>
-            <p:cNvPicPr>
-              <a:picLocks noChangeAspect="1"/>
-            </p:cNvPicPr>
-            <p:nvPr/>
-          </p:nvPicPr>
-          <p:blipFill>
-            <a:blip r:embed="rId6"/>
-            <a:stretch>
-              <a:fillRect/>
-            </a:stretch>
-          </p:blipFill>
-          <p:spPr>
-            <a:xfrm>
-              <a:off x="9213560" y="2048320"/>
-              <a:ext cx="509525" cy="214286"/>
-            </a:xfrm>
-            <a:prstGeom prst="rect">
-              <a:avLst/>
-            </a:prstGeom>
-          </p:spPr>
-        </p:pic>
-      </p:grpSp>
-      <p:sp>
-        <p:nvSpPr>
-          <p:cNvPr id="59" name="Google Shape;377;p22">
-            <a:extLst>
-              <a:ext uri="{FF2B5EF4-FFF2-40B4-BE49-F238E27FC236}">
-                <a16:creationId xmlns:a16="http://schemas.microsoft.com/office/drawing/2014/main" id="{6531DB4A-8E81-57EA-9C34-862A92FDFC3F}"/>
-              </a:ext>
-            </a:extLst>
-          </p:cNvPr>
-          <p:cNvSpPr/>
-          <p:nvPr/>
-        </p:nvSpPr>
-        <p:spPr>
-          <a:xfrm flipH="1">
-            <a:off x="7456060" y="1703199"/>
-            <a:ext cx="66192" cy="904526"/>
-          </a:xfrm>
-          <a:prstGeom prst="rect">
-            <a:avLst/>
-          </a:prstGeom>
-          <a:solidFill>
-            <a:schemeClr val="bg1">
-              <a:lumMod val="95000"/>
-            </a:schemeClr>
-          </a:solidFill>
-          <a:ln>
-            <a:noFill/>
-          </a:ln>
-          <a:effectLst>
-            <a:softEdge rad="12700"/>
-          </a:effectLst>
-        </p:spPr>
-        <p:txBody>
-          <a:bodyPr spcFirstLastPara="1" wrap="square" lIns="91425" tIns="91425" rIns="91425" bIns="91425" anchor="ctr" anchorCtr="0">
-            <a:noAutofit/>
-          </a:bodyPr>
-          <a:lstStyle/>
-          <a:p>
-            <a:pPr marL="0" lvl="0" indent="0" algn="l" rtl="0">
-              <a:spcBef>
-                <a:spcPts val="0"/>
-              </a:spcBef>
-              <a:spcAft>
-                <a:spcPts val="0"/>
-              </a:spcAft>
-              <a:buNone/>
-            </a:pPr>
-            <a:endParaRPr dirty="0">
-              <a:solidFill>
-                <a:schemeClr val="tx1"/>
-              </a:solidFill>
-              <a:latin typeface="+mn-lt"/>
-              <a:ea typeface="+mn-ea"/>
-              <a:cs typeface="+mn-ea"/>
-              <a:sym typeface="+mn-lt"/>
+              <a:latin typeface="Helvetica Now Display Light" panose="020B0404030202020204" pitchFamily="34" charset="0"/>
+              <a:cs typeface="Helvetica Now Display Light" panose="020B0404030202020204" pitchFamily="34" charset="0"/>
             </a:endParaRPr>
           </a:p>
         </p:txBody>
@@ -12212,7 +14098,7 @@
     </p:spTree>
     <p:extLst>
       <p:ext uri="{BB962C8B-B14F-4D97-AF65-F5344CB8AC3E}">
-        <p14:creationId xmlns:p14="http://schemas.microsoft.com/office/powerpoint/2010/main" val="132008715"/>
+        <p14:creationId xmlns:p14="http://schemas.microsoft.com/office/powerpoint/2010/main" val="3006793582"/>
       </p:ext>
     </p:extLst>
   </p:cSld>

--- a/report/presentation.pptx
+++ b/report/presentation.pptx
@@ -4669,102 +4669,7 @@
                 <a:ea typeface="等线 Light"/>
                 <a:cs typeface="+mj-cs"/>
               </a:rPr>
-              <a:t>Group </a:t>
-            </a:r>
-            <a:r>
-              <a:rPr kumimoji="0" lang="en-US" altLang="zh-CN" sz="2000" b="0" i="0" u="none" strike="noStrike" kern="1200" cap="none" spc="0" normalizeH="0" baseline="0" noProof="0" dirty="0" err="1">
-                <a:ln>
-                  <a:noFill/>
-                </a:ln>
-                <a:solidFill>
-                  <a:schemeClr val="tx1">
-                    <a:lumMod val="50000"/>
-                    <a:lumOff val="50000"/>
-                  </a:schemeClr>
-                </a:solidFill>
-                <a:effectLst/>
-                <a:uLnTx/>
-                <a:uFillTx/>
-                <a:ea typeface="等线 Light"/>
-                <a:cs typeface="+mj-cs"/>
-              </a:rPr>
-              <a:t>lianyh</a:t>
-            </a:r>
-            <a:r>
-              <a:rPr kumimoji="0" lang="en-US" altLang="zh-CN" sz="2000" b="0" i="0" u="none" strike="noStrike" kern="1200" cap="none" spc="0" normalizeH="0" baseline="0" noProof="0" dirty="0">
-                <a:ln>
-                  <a:noFill/>
-                </a:ln>
-                <a:solidFill>
-                  <a:schemeClr val="tx1">
-                    <a:lumMod val="50000"/>
-                    <a:lumOff val="50000"/>
-                  </a:schemeClr>
-                </a:solidFill>
-                <a:effectLst/>
-                <a:uLnTx/>
-                <a:uFillTx/>
-                <a:ea typeface="等线 Light"/>
-                <a:cs typeface="+mj-cs"/>
-              </a:rPr>
-              <a:t>, </a:t>
-            </a:r>
-            <a:r>
-              <a:rPr kumimoji="0" lang="en-US" altLang="zh-CN" sz="2000" b="0" i="0" u="none" strike="noStrike" kern="1200" cap="none" spc="0" normalizeH="0" baseline="0" noProof="0" dirty="0" err="1">
-                <a:ln>
-                  <a:noFill/>
-                </a:ln>
-                <a:solidFill>
-                  <a:schemeClr val="tx1">
-                    <a:lumMod val="50000"/>
-                    <a:lumOff val="50000"/>
-                  </a:schemeClr>
-                </a:solidFill>
-                <a:effectLst/>
-                <a:uLnTx/>
-                <a:uFillTx/>
-                <a:ea typeface="等线 Light"/>
-                <a:cs typeface="+mj-cs"/>
-              </a:rPr>
-              <a:t>tengyue</a:t>
-            </a:r>
-            <a:r>
-              <a:rPr kumimoji="0" lang="en-US" altLang="zh-CN" sz="2000" b="0" i="0" u="none" strike="noStrike" kern="1200" cap="none" spc="0" normalizeH="0" baseline="0" noProof="0" dirty="0">
-                <a:ln>
-                  <a:noFill/>
-                </a:ln>
-                <a:solidFill>
-                  <a:schemeClr val="tx1">
-                    <a:lumMod val="50000"/>
-                    <a:lumOff val="50000"/>
-                  </a:schemeClr>
-                </a:solidFill>
-                <a:effectLst/>
-                <a:uLnTx/>
-                <a:uFillTx/>
-                <a:ea typeface="等线 Light"/>
-                <a:cs typeface="+mj-cs"/>
-              </a:rPr>
-              <a:t> &amp; </a:t>
-            </a:r>
-            <a:r>
-              <a:rPr kumimoji="0" lang="en-US" altLang="zh-CN" sz="2000" b="0" i="0" u="none" strike="noStrike" kern="1200" cap="none" spc="0" normalizeH="0" baseline="0" noProof="0" dirty="0" err="1">
-                <a:ln>
-                  <a:noFill/>
-                </a:ln>
-                <a:solidFill>
-                  <a:schemeClr val="tx1">
-                    <a:lumMod val="50000"/>
-                    <a:lumOff val="50000"/>
-                  </a:schemeClr>
-                </a:solidFill>
-                <a:effectLst/>
-                <a:uLnTx/>
-                <a:uFillTx/>
-                <a:ea typeface="等线 Light"/>
-                <a:cs typeface="+mj-cs"/>
-              </a:rPr>
-              <a:t>yangxch</a:t>
+              <a:t>Group lianyh, tengyue &amp; yangxch</a:t>
             </a:r>
             <a:endParaRPr lang="zh-CN" altLang="en-US" sz="1100" dirty="0">
               <a:solidFill>
@@ -11521,7 +11426,7 @@
               <a:buNone/>
             </a:pPr>
             <a:r>
-              <a:rPr lang="en-US" altLang="zh-CN" sz="2000" b="0" dirty="0">
+              <a:rPr lang="en-US" altLang="zh-CN" sz="1800" b="0" dirty="0">
                 <a:solidFill>
                   <a:prstClr val="black"/>
                 </a:solidFill>
@@ -11529,7 +11434,7 @@
                 <a:latin typeface="Segoe UI Variable Small"/>
                 <a:ea typeface="等线"/>
               </a:rPr>
-              <a:t>    Training stage                                                                Inference stage</a:t>
+              <a:t>    Training stage                                                                            Inference stage</a:t>
             </a:r>
           </a:p>
         </p:txBody>
@@ -12006,36 +11911,6 @@
           </a:p>
         </p:txBody>
       </p:sp>
-      <p:pic>
-        <p:nvPicPr>
-          <p:cNvPr id="13" name="图片 12">
-            <a:extLst>
-              <a:ext uri="{FF2B5EF4-FFF2-40B4-BE49-F238E27FC236}">
-                <a16:creationId xmlns:a16="http://schemas.microsoft.com/office/drawing/2014/main" id="{85F7F17C-3315-5AEA-5540-B7C551AD7DAB}"/>
-              </a:ext>
-            </a:extLst>
-          </p:cNvPr>
-          <p:cNvPicPr>
-            <a:picLocks noChangeAspect="1"/>
-          </p:cNvPicPr>
-          <p:nvPr/>
-        </p:nvPicPr>
-        <p:blipFill>
-          <a:blip r:embed="rId3"/>
-          <a:stretch>
-            <a:fillRect/>
-          </a:stretch>
-        </p:blipFill>
-        <p:spPr>
-          <a:xfrm>
-            <a:off x="2893726" y="7935805"/>
-            <a:ext cx="5273478" cy="2520412"/>
-          </a:xfrm>
-          <a:prstGeom prst="rect">
-            <a:avLst/>
-          </a:prstGeom>
-        </p:spPr>
-      </p:pic>
       <p:sp>
         <p:nvSpPr>
           <p:cNvPr id="21" name="文本框 20">
@@ -12466,7 +12341,7 @@
           <p:nvPr/>
         </p:nvPicPr>
         <p:blipFill rotWithShape="1">
-          <a:blip r:embed="rId4">
+          <a:blip r:embed="rId3">
             <a:extLst>
               <a:ext uri="{28A0092B-C50C-407E-A947-70E740481C1C}">
                 <a14:useLocalDpi xmlns:a14="http://schemas.microsoft.com/office/drawing/2010/main" val="0"/>
@@ -12949,7 +12824,7 @@
           <p:nvPr/>
         </p:nvPicPr>
         <p:blipFill>
-          <a:blip r:embed="rId5">
+          <a:blip r:embed="rId4">
             <a:extLst>
               <a:ext uri="{28A0092B-C50C-407E-A947-70E740481C1C}">
                 <a14:useLocalDpi xmlns:a14="http://schemas.microsoft.com/office/drawing/2010/main" val="0"/>
@@ -15472,7 +15347,7 @@
                   <a:latin typeface="Helvetica Now Display Light" panose="020B0404030202020204" pitchFamily="34" charset="0"/>
                   <a:cs typeface="Helvetica Now Display Light" panose="020B0404030202020204" pitchFamily="34" charset="0"/>
                 </a:rPr>
-                <a:t>0.57246                            0.63600                                 0.98783                                      0.95985</a:t>
+                <a:t>0.57246                            0.63600                                0.98783                                      0.95985</a:t>
               </a:r>
               <a:endParaRPr lang="zh-CN" altLang="en-US" sz="2000" dirty="0">
                 <a:solidFill>
@@ -16851,7 +16726,10 @@
                   <a:noFill/>
                 </a:ln>
                 <a:solidFill>
-                  <a:prstClr val="black"/>
+                  <a:schemeClr val="tx1">
+                    <a:lumMod val="85000"/>
+                    <a:lumOff val="15000"/>
+                  </a:schemeClr>
                 </a:solidFill>
                 <a:effectLst/>
                 <a:uLnTx/>
@@ -16914,7 +16792,10 @@
                   <a:noFill/>
                 </a:ln>
                 <a:solidFill>
-                  <a:prstClr val="black"/>
+                  <a:schemeClr val="tx1">
+                    <a:lumMod val="85000"/>
+                    <a:lumOff val="15000"/>
+                  </a:schemeClr>
                 </a:solidFill>
                 <a:effectLst/>
                 <a:uLnTx/>
@@ -17598,102 +17479,7 @@
                 <a:ea typeface="等线 Light"/>
                 <a:cs typeface="+mj-cs"/>
               </a:rPr>
-              <a:t>Group </a:t>
-            </a:r>
-            <a:r>
-              <a:rPr kumimoji="0" lang="en-US" altLang="zh-CN" sz="2000" b="0" i="0" u="none" strike="noStrike" kern="1200" cap="none" spc="0" normalizeH="0" baseline="0" noProof="0" dirty="0" err="1">
-                <a:ln>
-                  <a:noFill/>
-                </a:ln>
-                <a:solidFill>
-                  <a:schemeClr val="tx1">
-                    <a:lumMod val="50000"/>
-                    <a:lumOff val="50000"/>
-                  </a:schemeClr>
-                </a:solidFill>
-                <a:effectLst/>
-                <a:uLnTx/>
-                <a:uFillTx/>
-                <a:ea typeface="等线 Light"/>
-                <a:cs typeface="+mj-cs"/>
-              </a:rPr>
-              <a:t>lianyh</a:t>
-            </a:r>
-            <a:r>
-              <a:rPr kumimoji="0" lang="en-US" altLang="zh-CN" sz="2000" b="0" i="0" u="none" strike="noStrike" kern="1200" cap="none" spc="0" normalizeH="0" baseline="0" noProof="0" dirty="0">
-                <a:ln>
-                  <a:noFill/>
-                </a:ln>
-                <a:solidFill>
-                  <a:schemeClr val="tx1">
-                    <a:lumMod val="50000"/>
-                    <a:lumOff val="50000"/>
-                  </a:schemeClr>
-                </a:solidFill>
-                <a:effectLst/>
-                <a:uLnTx/>
-                <a:uFillTx/>
-                <a:ea typeface="等线 Light"/>
-                <a:cs typeface="+mj-cs"/>
-              </a:rPr>
-              <a:t>, </a:t>
-            </a:r>
-            <a:r>
-              <a:rPr kumimoji="0" lang="en-US" altLang="zh-CN" sz="2000" b="0" i="0" u="none" strike="noStrike" kern="1200" cap="none" spc="0" normalizeH="0" baseline="0" noProof="0" dirty="0" err="1">
-                <a:ln>
-                  <a:noFill/>
-                </a:ln>
-                <a:solidFill>
-                  <a:schemeClr val="tx1">
-                    <a:lumMod val="50000"/>
-                    <a:lumOff val="50000"/>
-                  </a:schemeClr>
-                </a:solidFill>
-                <a:effectLst/>
-                <a:uLnTx/>
-                <a:uFillTx/>
-                <a:ea typeface="等线 Light"/>
-                <a:cs typeface="+mj-cs"/>
-              </a:rPr>
-              <a:t>tengyue</a:t>
-            </a:r>
-            <a:r>
-              <a:rPr kumimoji="0" lang="en-US" altLang="zh-CN" sz="2000" b="0" i="0" u="none" strike="noStrike" kern="1200" cap="none" spc="0" normalizeH="0" baseline="0" noProof="0" dirty="0">
-                <a:ln>
-                  <a:noFill/>
-                </a:ln>
-                <a:solidFill>
-                  <a:schemeClr val="tx1">
-                    <a:lumMod val="50000"/>
-                    <a:lumOff val="50000"/>
-                  </a:schemeClr>
-                </a:solidFill>
-                <a:effectLst/>
-                <a:uLnTx/>
-                <a:uFillTx/>
-                <a:ea typeface="等线 Light"/>
-                <a:cs typeface="+mj-cs"/>
-              </a:rPr>
-              <a:t> &amp; </a:t>
-            </a:r>
-            <a:r>
-              <a:rPr kumimoji="0" lang="en-US" altLang="zh-CN" sz="2000" b="0" i="0" u="none" strike="noStrike" kern="1200" cap="none" spc="0" normalizeH="0" baseline="0" noProof="0" dirty="0" err="1">
-                <a:ln>
-                  <a:noFill/>
-                </a:ln>
-                <a:solidFill>
-                  <a:schemeClr val="tx1">
-                    <a:lumMod val="50000"/>
-                    <a:lumOff val="50000"/>
-                  </a:schemeClr>
-                </a:solidFill>
-                <a:effectLst/>
-                <a:uLnTx/>
-                <a:uFillTx/>
-                <a:ea typeface="等线 Light"/>
-                <a:cs typeface="+mj-cs"/>
-              </a:rPr>
-              <a:t>yangxch</a:t>
+              <a:t>Group lianyh, tengyue &amp; yangxch</a:t>
             </a:r>
             <a:endParaRPr lang="zh-CN" altLang="en-US" sz="1100" dirty="0">
               <a:solidFill>
